--- a/slides-aulas/conceitos-basicos.pptx
+++ b/slides-aulas/conceitos-basicos.pptx
@@ -5,10 +5,10 @@
     <p:sldMasterId id="2147483684" r:id="rId1"/>
   </p:sldMasterIdLst>
   <p:notesMasterIdLst>
-    <p:notesMasterId r:id="rId64"/>
+    <p:notesMasterId r:id="rId66"/>
   </p:notesMasterIdLst>
   <p:handoutMasterIdLst>
-    <p:handoutMasterId r:id="rId65"/>
+    <p:handoutMasterId r:id="rId67"/>
   </p:handoutMasterIdLst>
   <p:sldIdLst>
     <p:sldId id="529" r:id="rId2"/>
@@ -67,12 +67,14 @@
     <p:sldId id="472" r:id="rId55"/>
     <p:sldId id="475" r:id="rId56"/>
     <p:sldId id="477" r:id="rId57"/>
-    <p:sldId id="478" r:id="rId58"/>
-    <p:sldId id="481" r:id="rId59"/>
-    <p:sldId id="496" r:id="rId60"/>
-    <p:sldId id="479" r:id="rId61"/>
-    <p:sldId id="482" r:id="rId62"/>
-    <p:sldId id="528" r:id="rId63"/>
+    <p:sldId id="532" r:id="rId58"/>
+    <p:sldId id="478" r:id="rId59"/>
+    <p:sldId id="481" r:id="rId60"/>
+    <p:sldId id="496" r:id="rId61"/>
+    <p:sldId id="479" r:id="rId62"/>
+    <p:sldId id="482" r:id="rId63"/>
+    <p:sldId id="528" r:id="rId64"/>
+    <p:sldId id="533" r:id="rId65"/>
   </p:sldIdLst>
   <p:sldSz cx="9144000" cy="6858000" type="screen4x3"/>
   <p:notesSz cx="6743700" cy="9855200"/>
@@ -256,7 +258,7 @@
           <a:p>
             <a:fld id="{88E4DDD5-393D-4522-8D73-EB6946FE5A72}" type="datetimeFigureOut">
               <a:rPr lang="en-US" smtClean="0"/>
-              <a:t>20-Mar-17</a:t>
+              <a:t>3/19/2018</a:t>
             </a:fld>
             <a:endParaRPr lang="en-US"/>
           </a:p>
@@ -422,7 +424,7 @@
             <a:fld id="{F42525A5-B25A-49AC-8F63-94028D46B0E3}" type="datetimeFigureOut">
               <a:rPr lang="pt-BR" smtClean="0"/>
               <a:pPr/>
-              <a:t>20/03/2017</a:t>
+              <a:t>19/03/2018</a:t>
             </a:fld>
             <a:endParaRPr lang="pt-BR"/>
           </a:p>
@@ -1482,7 +1484,7 @@
             <a:fld id="{421CBF7D-D235-4929-9373-909BBCE9BA6E}" type="slidenum">
               <a:rPr lang="pt-BR" smtClean="0"/>
               <a:pPr/>
-              <a:t>58</a:t>
+              <a:t>59</a:t>
             </a:fld>
             <a:endParaRPr lang="pt-BR"/>
           </a:p>
@@ -1564,7 +1566,7 @@
             <a:fld id="{421CBF7D-D235-4929-9373-909BBCE9BA6E}" type="slidenum">
               <a:rPr lang="pt-BR" smtClean="0"/>
               <a:pPr/>
-              <a:t>59</a:t>
+              <a:t>60</a:t>
             </a:fld>
             <a:endParaRPr lang="pt-BR"/>
           </a:p>
@@ -1760,7 +1762,7 @@
             <a:fld id="{2E700DB3-DBF0-4086-B675-117E7A9610B8}" type="datetimeFigureOut">
               <a:rPr lang="pt-BR" smtClean="0"/>
               <a:pPr/>
-              <a:t>20/03/2017</a:t>
+              <a:t>19/03/2018</a:t>
             </a:fld>
             <a:endParaRPr lang="pt-BR"/>
           </a:p>
@@ -1932,7 +1934,7 @@
             <a:fld id="{2E700DB3-DBF0-4086-B675-117E7A9610B8}" type="datetimeFigureOut">
               <a:rPr lang="pt-BR" smtClean="0"/>
               <a:pPr/>
-              <a:t>20/03/2017</a:t>
+              <a:t>19/03/2018</a:t>
             </a:fld>
             <a:endParaRPr lang="pt-BR"/>
           </a:p>
@@ -2121,7 +2123,7 @@
             <a:fld id="{2E700DB3-DBF0-4086-B675-117E7A9610B8}" type="datetimeFigureOut">
               <a:rPr lang="pt-BR" smtClean="0"/>
               <a:pPr/>
-              <a:t>20/03/2017</a:t>
+              <a:t>19/03/2018</a:t>
             </a:fld>
             <a:endParaRPr lang="pt-BR"/>
           </a:p>
@@ -2300,7 +2302,7 @@
             <a:fld id="{2E700DB3-DBF0-4086-B675-117E7A9610B8}" type="datetimeFigureOut">
               <a:rPr lang="pt-BR" smtClean="0"/>
               <a:pPr/>
-              <a:t>20/03/2017</a:t>
+              <a:t>19/03/2018</a:t>
             </a:fld>
             <a:endParaRPr lang="pt-BR"/>
           </a:p>
@@ -2548,7 +2550,7 @@
             <a:fld id="{2E700DB3-DBF0-4086-B675-117E7A9610B8}" type="datetimeFigureOut">
               <a:rPr lang="pt-BR" smtClean="0"/>
               <a:pPr/>
-              <a:t>20/03/2017</a:t>
+              <a:t>19/03/2018</a:t>
             </a:fld>
             <a:endParaRPr lang="pt-BR"/>
           </a:p>
@@ -2838,7 +2840,7 @@
             <a:fld id="{2E700DB3-DBF0-4086-B675-117E7A9610B8}" type="datetimeFigureOut">
               <a:rPr lang="pt-BR" smtClean="0"/>
               <a:pPr/>
-              <a:t>20/03/2017</a:t>
+              <a:t>19/03/2018</a:t>
             </a:fld>
             <a:endParaRPr lang="pt-BR"/>
           </a:p>
@@ -3262,7 +3264,7 @@
             <a:fld id="{2E700DB3-DBF0-4086-B675-117E7A9610B8}" type="datetimeFigureOut">
               <a:rPr lang="pt-BR" smtClean="0"/>
               <a:pPr/>
-              <a:t>20/03/2017</a:t>
+              <a:t>19/03/2018</a:t>
             </a:fld>
             <a:endParaRPr lang="pt-BR"/>
           </a:p>
@@ -3382,7 +3384,7 @@
             <a:fld id="{2E700DB3-DBF0-4086-B675-117E7A9610B8}" type="datetimeFigureOut">
               <a:rPr lang="pt-BR" smtClean="0"/>
               <a:pPr/>
-              <a:t>20/03/2017</a:t>
+              <a:t>19/03/2018</a:t>
             </a:fld>
             <a:endParaRPr lang="pt-BR"/>
           </a:p>
@@ -3486,7 +3488,7 @@
             <a:fld id="{2E700DB3-DBF0-4086-B675-117E7A9610B8}" type="datetimeFigureOut">
               <a:rPr lang="pt-BR" smtClean="0"/>
               <a:pPr/>
-              <a:t>20/03/2017</a:t>
+              <a:t>19/03/2018</a:t>
             </a:fld>
             <a:endParaRPr lang="pt-BR"/>
           </a:p>
@@ -3772,7 +3774,7 @@
             <a:fld id="{2E700DB3-DBF0-4086-B675-117E7A9610B8}" type="datetimeFigureOut">
               <a:rPr lang="pt-BR" smtClean="0"/>
               <a:pPr/>
-              <a:t>20/03/2017</a:t>
+              <a:t>19/03/2018</a:t>
             </a:fld>
             <a:endParaRPr lang="pt-BR"/>
           </a:p>
@@ -4034,7 +4036,7 @@
             <a:fld id="{2E700DB3-DBF0-4086-B675-117E7A9610B8}" type="datetimeFigureOut">
               <a:rPr lang="pt-BR" smtClean="0"/>
               <a:pPr/>
-              <a:t>20/03/2017</a:t>
+              <a:t>19/03/2018</a:t>
             </a:fld>
             <a:endParaRPr lang="pt-BR"/>
           </a:p>
@@ -4256,7 +4258,7 @@
             <a:fld id="{2E700DB3-DBF0-4086-B675-117E7A9610B8}" type="datetimeFigureOut">
               <a:rPr lang="pt-BR" smtClean="0"/>
               <a:pPr/>
-              <a:t>20/03/2017</a:t>
+              <a:t>19/03/2018</a:t>
             </a:fld>
             <a:endParaRPr lang="pt-BR"/>
           </a:p>
@@ -4685,7 +4687,7 @@
             </a:r>
             <a:r>
               <a:rPr lang="en-US" dirty="0" err="1" smtClean="0"/>
-              <a:t>Teria</a:t>
+              <a:t>Teoria</a:t>
             </a:r>
             <a:r>
               <a:rPr lang="en-US" dirty="0" smtClean="0"/>
@@ -20694,7 +20696,7 @@
                 <a:cs typeface="+mn-cs"/>
                 <a:sym typeface="Wingdings" pitchFamily="-111" charset="2"/>
               </a:rPr>
-              <a:t> other</a:t>
+              <a:t> …</a:t>
             </a:r>
           </a:p>
           <a:p>
@@ -21923,7 +21925,7 @@
             </a:br>
             <a:r>
               <a:rPr lang="en-US" sz="2000" dirty="0" smtClean="0"/>
-              <a:t>  case TO_OTHER: match(TO_OTHER); break;</a:t>
+              <a:t>…</a:t>
             </a:r>
             <a:br>
               <a:rPr lang="en-US" sz="2000" dirty="0" smtClean="0"/>
@@ -22559,25 +22561,7 @@
                 <a:cs typeface="+mn-cs"/>
                 <a:sym typeface="Wingdings" pitchFamily="-111" charset="2"/>
               </a:rPr>
-              <a:t> other</a:t>
-            </a:r>
-            <a:r>
-              <a:rPr kumimoji="0" lang="en-US" sz="2000" b="1" i="1" u="none" strike="noStrike" kern="1200" cap="none" spc="0" normalizeH="0" baseline="0" noProof="0" dirty="0" smtClean="0">
-                <a:ln>
-                  <a:noFill/>
-                </a:ln>
-                <a:solidFill>
-                  <a:srgbClr val="262699"/>
-                </a:solidFill>
-                <a:effectLst/>
-                <a:uLnTx/>
-                <a:uFillTx/>
-                <a:latin typeface="+mn-lt"/>
-                <a:ea typeface="+mn-ea"/>
-                <a:cs typeface="+mn-cs"/>
-                <a:sym typeface="Wingdings" pitchFamily="-111" charset="2"/>
-              </a:rPr>
-              <a:t> </a:t>
+              <a:t> …</a:t>
             </a:r>
             <a:endParaRPr kumimoji="0" lang="pt-BR" sz="2000" b="1" i="0" u="none" strike="noStrike" kern="1200" cap="none" spc="0" normalizeH="0" baseline="0" noProof="0" dirty="0" smtClean="0">
               <a:ln>
@@ -23198,7 +23182,7 @@
             </a:br>
             <a:r>
               <a:rPr lang="en-US" sz="2000" dirty="0" smtClean="0"/>
-              <a:t>  case TO_OTHER: match(TO_OTHER); break;</a:t>
+              <a:t> …</a:t>
             </a:r>
             <a:br>
               <a:rPr lang="en-US" sz="2000" dirty="0" smtClean="0"/>
@@ -23834,25 +23818,7 @@
                 <a:cs typeface="+mn-cs"/>
                 <a:sym typeface="Wingdings" pitchFamily="-111" charset="2"/>
               </a:rPr>
-              <a:t> other</a:t>
-            </a:r>
-            <a:r>
-              <a:rPr kumimoji="0" lang="en-US" sz="2000" b="1" i="1" u="none" strike="noStrike" kern="1200" cap="none" spc="0" normalizeH="0" baseline="0" noProof="0" dirty="0" smtClean="0">
-                <a:ln>
-                  <a:noFill/>
-                </a:ln>
-                <a:solidFill>
-                  <a:srgbClr val="262699"/>
-                </a:solidFill>
-                <a:effectLst/>
-                <a:uLnTx/>
-                <a:uFillTx/>
-                <a:latin typeface="+mn-lt"/>
-                <a:ea typeface="+mn-ea"/>
-                <a:cs typeface="+mn-cs"/>
-                <a:sym typeface="Wingdings" pitchFamily="-111" charset="2"/>
-              </a:rPr>
-              <a:t> </a:t>
+              <a:t> …</a:t>
             </a:r>
             <a:endParaRPr kumimoji="0" lang="pt-BR" sz="2000" b="1" i="0" u="none" strike="noStrike" kern="1200" cap="none" spc="0" normalizeH="0" baseline="0" noProof="0" dirty="0" smtClean="0">
               <a:ln>
@@ -29511,7 +29477,7 @@
               <a:rPr lang="pt-BR" dirty="0" smtClean="0">
                 <a:sym typeface="Wingdings" pitchFamily="-111" charset="2"/>
               </a:rPr>
-              <a:t>E.g., parênteses, ponto-e-vírgula, e espaços em branco</a:t>
+              <a:t>E.g., parênteses, ponto-e-vírgula, etc.</a:t>
             </a:r>
           </a:p>
           <a:p>
@@ -31721,7 +31687,7 @@
           <a:p>
             <a:r>
               <a:rPr lang="pt-BR" dirty="0" smtClean="0"/>
-              <a:t>Elabore (manualmente) a árvore sintática e a árvore concreta para a expressão ( 5 + 3 ) * 2</a:t>
+              <a:t>Elabore (manualmente) a árvore abstrata e a árvore concreta para a expressão ( 5 + 3 ) * 2</a:t>
             </a:r>
             <a:endParaRPr lang="pt-BR" dirty="0"/>
           </a:p>
@@ -31776,7 +31742,7 @@
           <a:p>
             <a:r>
               <a:rPr lang="pt-BR" dirty="0" smtClean="0"/>
-              <a:t>Exploração dos nós da árvore</a:t>
+              <a:t>Exercício 7</a:t>
             </a:r>
             <a:endParaRPr lang="pt-BR" dirty="0"/>
           </a:p>
@@ -31792,108 +31758,246 @@
             <p:ph idx="1"/>
           </p:nvPr>
         </p:nvSpPr>
-        <p:spPr/>
+        <p:spPr>
+          <a:xfrm>
+            <a:off x="457200" y="1600201"/>
+            <a:ext cx="8229600" cy="1540768"/>
+          </a:xfrm>
+        </p:spPr>
         <p:txBody>
-          <a:bodyPr/>
+          <a:bodyPr>
+            <a:normAutofit/>
+          </a:bodyPr>
           <a:lstStyle/>
           <a:p>
             <a:r>
               <a:rPr lang="pt-BR" dirty="0" smtClean="0"/>
-              <a:t>Padrão de projeto </a:t>
-            </a:r>
-            <a:r>
-              <a:rPr lang="pt-BR" b="1" dirty="0" err="1" smtClean="0"/>
-              <a:t>Visitor</a:t>
-            </a:r>
-            <a:r>
-              <a:rPr lang="pt-BR" b="1" dirty="0" smtClean="0"/>
-              <a:t>*</a:t>
-            </a:r>
-            <a:r>
-              <a:rPr lang="pt-BR" dirty="0" smtClean="0"/>
-              <a:t> define como visitar nós de uma estrutura hierárquica</a:t>
-            </a:r>
-          </a:p>
-          <a:p>
-            <a:pPr lvl="1"/>
-            <a:r>
-              <a:rPr lang="pt-BR" dirty="0" smtClean="0"/>
-              <a:t>Tipo de retorno deve ser consistente</a:t>
-            </a:r>
-          </a:p>
-          <a:p>
-            <a:pPr lvl="1"/>
-            <a:r>
-              <a:rPr lang="pt-BR" dirty="0" smtClean="0"/>
-              <a:t>Bastante comum em compiladores</a:t>
-            </a:r>
-          </a:p>
-          <a:p>
-            <a:pPr marL="457200" lvl="1" indent="0">
-              <a:buNone/>
-            </a:pPr>
-            <a:endParaRPr lang="pt-BR" dirty="0" smtClean="0"/>
-          </a:p>
-          <a:p>
-            <a:pPr>
-              <a:buNone/>
-            </a:pPr>
-            <a:r>
-              <a:rPr lang="pt-BR" dirty="0" smtClean="0"/>
-              <a:t>* Design </a:t>
-            </a:r>
-            <a:r>
-              <a:rPr lang="pt-BR" dirty="0" err="1" smtClean="0"/>
-              <a:t>Patterns</a:t>
-            </a:r>
-            <a:r>
-              <a:rPr lang="pt-BR" dirty="0" smtClean="0"/>
-              <a:t>: </a:t>
-            </a:r>
-            <a:r>
-              <a:rPr lang="pt-BR" dirty="0" err="1" smtClean="0"/>
-              <a:t>Elements</a:t>
-            </a:r>
-            <a:r>
-              <a:rPr lang="pt-BR" dirty="0" smtClean="0"/>
+              <a:t>Elabore (manualmente) a árvore abstrata e a árvore concreta para a expressão ( 5 + 3 ) * 2</a:t>
+            </a:r>
+            <a:endParaRPr lang="pt-BR" dirty="0"/>
+          </a:p>
+        </p:txBody>
+      </p:sp>
+      <p:sp>
+        <p:nvSpPr>
+          <p:cNvPr id="4" name="CaixaDeTexto 3"/>
+          <p:cNvSpPr txBox="1"/>
+          <p:nvPr/>
+        </p:nvSpPr>
+        <p:spPr>
+          <a:xfrm>
+            <a:off x="721745" y="2780928"/>
+            <a:ext cx="7251922" cy="4247317"/>
+          </a:xfrm>
+          <a:prstGeom prst="rect">
+            <a:avLst/>
+          </a:prstGeom>
+          <a:noFill/>
+        </p:spPr>
+        <p:txBody>
+          <a:bodyPr wrap="none" rtlCol="0">
+            <a:spAutoFit/>
+          </a:bodyPr>
+          <a:lstStyle/>
+          <a:p>
+            <a:r>
+              <a:rPr lang="en-US" dirty="0" smtClean="0"/>
+              <a:t>interface Expression {}</a:t>
+            </a:r>
+          </a:p>
+          <a:p>
+            <a:endParaRPr lang="en-US" dirty="0" smtClean="0"/>
+          </a:p>
+          <a:p>
+            <a:r>
+              <a:rPr lang="en-US" dirty="0" smtClean="0"/>
+              <a:t>class </a:t>
+            </a:r>
+            <a:r>
+              <a:rPr lang="en-US" dirty="0" err="1" smtClean="0"/>
+              <a:t>BinaryExpression</a:t>
+            </a:r>
+            <a:r>
+              <a:rPr lang="en-US" dirty="0" smtClean="0"/>
+              <a:t> implements Expression {</a:t>
+            </a:r>
+          </a:p>
+          <a:p>
+            <a:r>
+              <a:rPr lang="en-US" dirty="0"/>
               <a:t> </a:t>
             </a:r>
             <a:r>
-              <a:rPr lang="pt-BR" dirty="0" err="1" smtClean="0"/>
-              <a:t>of</a:t>
-            </a:r>
-            <a:r>
-              <a:rPr lang="pt-BR" dirty="0" smtClean="0"/>
+              <a:rPr lang="en-US" dirty="0" smtClean="0"/>
+              <a:t> String operator; // e.g., “plus”, “minus”, “</a:t>
+            </a:r>
+            <a:r>
+              <a:rPr lang="en-US" dirty="0" err="1" smtClean="0"/>
+              <a:t>mult</a:t>
+            </a:r>
+            <a:r>
+              <a:rPr lang="en-US" dirty="0" smtClean="0"/>
+              <a:t>”</a:t>
+            </a:r>
+          </a:p>
+          <a:p>
+            <a:r>
+              <a:rPr lang="en-US" dirty="0" smtClean="0"/>
+              <a:t>  Expression left, right; }</a:t>
+            </a:r>
+          </a:p>
+          <a:p>
+            <a:endParaRPr lang="en-US" dirty="0" smtClean="0"/>
+          </a:p>
+          <a:p>
+            <a:r>
+              <a:rPr lang="en-US" dirty="0" smtClean="0"/>
+              <a:t>class Digit implements Expression {  </a:t>
+            </a:r>
+            <a:r>
+              <a:rPr lang="en-US" dirty="0" err="1" smtClean="0"/>
+              <a:t>int</a:t>
+            </a:r>
+            <a:r>
+              <a:rPr lang="en-US" dirty="0" smtClean="0"/>
+              <a:t> digit; }</a:t>
+            </a:r>
+          </a:p>
+          <a:p>
+            <a:endParaRPr lang="en-US" dirty="0" smtClean="0"/>
+          </a:p>
+          <a:p>
+            <a:r>
+              <a:rPr lang="en-US" dirty="0" smtClean="0"/>
+              <a:t>public static void main(String[] </a:t>
+            </a:r>
+            <a:r>
+              <a:rPr lang="en-US" dirty="0" err="1" smtClean="0"/>
+              <a:t>args</a:t>
+            </a:r>
+            <a:r>
+              <a:rPr lang="en-US" dirty="0" smtClean="0"/>
+              <a:t>) {</a:t>
+            </a:r>
+          </a:p>
+          <a:p>
+            <a:r>
+              <a:rPr lang="en-US" dirty="0"/>
               <a:t> </a:t>
             </a:r>
             <a:r>
-              <a:rPr lang="pt-BR" dirty="0" err="1" smtClean="0"/>
-              <a:t>Reusable</a:t>
-            </a:r>
-            <a:r>
-              <a:rPr lang="pt-BR" dirty="0" smtClean="0"/>
+              <a:rPr lang="en-US" dirty="0" smtClean="0"/>
+              <a:t> // generates </a:t>
+            </a:r>
+            <a:r>
+              <a:rPr lang="en-US" dirty="0"/>
+              <a:t>the following </a:t>
+            </a:r>
+            <a:r>
+              <a:rPr lang="en-US" dirty="0" smtClean="0"/>
+              <a:t>AST</a:t>
+            </a:r>
+          </a:p>
+          <a:p>
+            <a:r>
+              <a:rPr lang="en-US" dirty="0"/>
               <a:t> </a:t>
             </a:r>
             <a:r>
-              <a:rPr lang="pt-BR" dirty="0" err="1" smtClean="0"/>
-              <a:t>Object-Oriented</a:t>
-            </a:r>
-            <a:r>
-              <a:rPr lang="pt-BR" dirty="0" smtClean="0"/>
-              <a:t> Software.  </a:t>
-            </a:r>
-            <a:r>
-              <a:rPr lang="pt-BR" dirty="0" err="1" smtClean="0"/>
-              <a:t>Gamma</a:t>
-            </a:r>
-            <a:r>
-              <a:rPr lang="pt-BR" dirty="0" smtClean="0"/>
-              <a:t> e outros. </a:t>
-            </a:r>
+              <a:rPr lang="en-US" dirty="0" smtClean="0"/>
+              <a:t> // Expression </a:t>
+            </a:r>
+            <a:r>
+              <a:rPr lang="en-US" dirty="0" err="1" smtClean="0"/>
+              <a:t>ast</a:t>
+            </a:r>
+            <a:r>
+              <a:rPr lang="en-US" dirty="0" smtClean="0"/>
+              <a:t> = </a:t>
+            </a:r>
+            <a:r>
+              <a:rPr lang="en-US" dirty="0" err="1" smtClean="0"/>
+              <a:t>compiler.parse</a:t>
+            </a:r>
+            <a:r>
+              <a:rPr lang="en-US" dirty="0" smtClean="0"/>
+              <a:t>(“(5 + 3) * 2”) </a:t>
+            </a:r>
+          </a:p>
+          <a:p>
+            <a:r>
+              <a:rPr lang="en-US" dirty="0"/>
+              <a:t> </a:t>
+            </a:r>
+            <a:r>
+              <a:rPr lang="en-US" dirty="0" smtClean="0"/>
+              <a:t> Expression </a:t>
+            </a:r>
+            <a:r>
+              <a:rPr lang="en-US" dirty="0" err="1" smtClean="0"/>
+              <a:t>ast</a:t>
+            </a:r>
+            <a:r>
+              <a:rPr lang="en-US" dirty="0" smtClean="0"/>
+              <a:t> = new </a:t>
+            </a:r>
+            <a:r>
+              <a:rPr lang="en-US" dirty="0" err="1" smtClean="0"/>
+              <a:t>BinaryExpresion</a:t>
+            </a:r>
+            <a:r>
+              <a:rPr lang="en-US" dirty="0" smtClean="0"/>
+              <a:t>(“</a:t>
+            </a:r>
+            <a:r>
+              <a:rPr lang="en-US" dirty="0" err="1" smtClean="0"/>
+              <a:t>mult</a:t>
+            </a:r>
+            <a:r>
+              <a:rPr lang="en-US" dirty="0" smtClean="0"/>
+              <a:t>”, </a:t>
+            </a:r>
+          </a:p>
+          <a:p>
+            <a:r>
+              <a:rPr lang="en-US" dirty="0"/>
+              <a:t> </a:t>
+            </a:r>
+            <a:r>
+              <a:rPr lang="en-US" dirty="0" smtClean="0"/>
+              <a:t>                                new </a:t>
+            </a:r>
+            <a:r>
+              <a:rPr lang="en-US" dirty="0" err="1" smtClean="0"/>
+              <a:t>BinaryExpression</a:t>
+            </a:r>
+            <a:r>
+              <a:rPr lang="en-US" dirty="0" smtClean="0"/>
+              <a:t>(“plus”, new Digit(5), new Digit(3)),</a:t>
+            </a:r>
+          </a:p>
+          <a:p>
+            <a:r>
+              <a:rPr lang="en-US" dirty="0"/>
+              <a:t> </a:t>
+            </a:r>
+            <a:r>
+              <a:rPr lang="en-US" dirty="0" smtClean="0"/>
+              <a:t>                                new Digit(2)); }</a:t>
+            </a:r>
+            <a:endParaRPr lang="en-US" dirty="0"/>
+          </a:p>
+          <a:p>
+            <a:endParaRPr lang="pt-BR" dirty="0"/>
           </a:p>
         </p:txBody>
       </p:sp>
     </p:spTree>
+    <p:extLst>
+      <p:ext uri="{BB962C8B-B14F-4D97-AF65-F5344CB8AC3E}">
+        <p14:creationId xmlns:p14="http://schemas.microsoft.com/office/powerpoint/2010/main" val="3546526889"/>
+      </p:ext>
+    </p:extLst>
   </p:cSld>
   <p:clrMapOvr>
     <a:masterClrMapping/>
@@ -31941,59 +32045,124 @@
           <a:lstStyle/>
           <a:p>
             <a:r>
-              <a:rPr lang="en-US" dirty="0" smtClean="0"/>
-              <a:t>Visitor</a:t>
-            </a:r>
-            <a:r>
               <a:rPr lang="pt-BR" dirty="0" smtClean="0"/>
-              <a:t> design </a:t>
-            </a:r>
-            <a:r>
-              <a:rPr lang="pt-BR" dirty="0" err="1" smtClean="0"/>
-              <a:t>pattern</a:t>
+              <a:t>Exploração dos nós da árvore</a:t>
             </a:r>
             <a:endParaRPr lang="pt-BR" dirty="0"/>
           </a:p>
         </p:txBody>
       </p:sp>
-      <p:pic>
-        <p:nvPicPr>
-          <p:cNvPr id="4" name="Content Placeholder 3" descr="VisitorPatternUML.png"/>
-          <p:cNvPicPr>
-            <a:picLocks noGrp="1" noChangeAspect="1"/>
-          </p:cNvPicPr>
+      <p:sp>
+        <p:nvSpPr>
+          <p:cNvPr id="3" name="Content Placeholder 2"/>
+          <p:cNvSpPr>
+            <a:spLocks noGrp="1"/>
+          </p:cNvSpPr>
           <p:nvPr>
             <p:ph idx="1"/>
           </p:nvPr>
-        </p:nvPicPr>
-        <p:blipFill>
-          <a:blip r:embed="rId3"/>
-          <a:stretch>
-            <a:fillRect/>
-          </a:stretch>
-        </p:blipFill>
-        <p:spPr>
-          <a:xfrm>
-            <a:off x="571472" y="1689119"/>
-            <a:ext cx="7920435" cy="4525963"/>
-          </a:xfrm>
-          <a:prstGeom prst="rect">
-            <a:avLst/>
-          </a:prstGeom>
-          <a:ln w="76200">
-            <a:solidFill>
-              <a:schemeClr val="tx1"/>
-            </a:solidFill>
-          </a:ln>
-          <a:effectLst>
-            <a:outerShdw blurRad="292100" dist="139700" dir="2700000" algn="tl" rotWithShape="0">
-              <a:srgbClr val="333333">
-                <a:alpha val="65000"/>
-              </a:srgbClr>
-            </a:outerShdw>
-          </a:effectLst>
-        </p:spPr>
-      </p:pic>
+        </p:nvSpPr>
+        <p:spPr/>
+        <p:txBody>
+          <a:bodyPr/>
+          <a:lstStyle/>
+          <a:p>
+            <a:r>
+              <a:rPr lang="pt-BR" dirty="0" smtClean="0"/>
+              <a:t>Padrão de projeto </a:t>
+            </a:r>
+            <a:r>
+              <a:rPr lang="pt-BR" b="1" dirty="0" err="1" smtClean="0"/>
+              <a:t>Visitor</a:t>
+            </a:r>
+            <a:r>
+              <a:rPr lang="pt-BR" b="1" dirty="0" smtClean="0"/>
+              <a:t>*</a:t>
+            </a:r>
+            <a:r>
+              <a:rPr lang="pt-BR" dirty="0" smtClean="0"/>
+              <a:t> define como visitar nós de uma estrutura hierárquica</a:t>
+            </a:r>
+          </a:p>
+          <a:p>
+            <a:pPr lvl="1"/>
+            <a:r>
+              <a:rPr lang="pt-BR" dirty="0" smtClean="0"/>
+              <a:t>Tipo de retorno deve ser consistente</a:t>
+            </a:r>
+          </a:p>
+          <a:p>
+            <a:pPr lvl="1"/>
+            <a:r>
+              <a:rPr lang="pt-BR" dirty="0" smtClean="0"/>
+              <a:t>Bastante comum em compiladores</a:t>
+            </a:r>
+          </a:p>
+          <a:p>
+            <a:pPr marL="457200" lvl="1" indent="0">
+              <a:buNone/>
+            </a:pPr>
+            <a:endParaRPr lang="pt-BR" dirty="0" smtClean="0"/>
+          </a:p>
+          <a:p>
+            <a:pPr>
+              <a:buNone/>
+            </a:pPr>
+            <a:r>
+              <a:rPr lang="pt-BR" dirty="0" smtClean="0"/>
+              <a:t>* Design </a:t>
+            </a:r>
+            <a:r>
+              <a:rPr lang="pt-BR" dirty="0" err="1" smtClean="0"/>
+              <a:t>Patterns</a:t>
+            </a:r>
+            <a:r>
+              <a:rPr lang="pt-BR" dirty="0" smtClean="0"/>
+              <a:t>: </a:t>
+            </a:r>
+            <a:r>
+              <a:rPr lang="pt-BR" dirty="0" err="1" smtClean="0"/>
+              <a:t>Elements</a:t>
+            </a:r>
+            <a:r>
+              <a:rPr lang="pt-BR" dirty="0" smtClean="0"/>
+              <a:t> </a:t>
+            </a:r>
+            <a:r>
+              <a:rPr lang="pt-BR" dirty="0" err="1" smtClean="0"/>
+              <a:t>of</a:t>
+            </a:r>
+            <a:r>
+              <a:rPr lang="pt-BR" dirty="0" smtClean="0"/>
+              <a:t> </a:t>
+            </a:r>
+            <a:r>
+              <a:rPr lang="pt-BR" dirty="0" err="1" smtClean="0"/>
+              <a:t>Reusable</a:t>
+            </a:r>
+            <a:r>
+              <a:rPr lang="pt-BR" dirty="0" smtClean="0"/>
+              <a:t> </a:t>
+            </a:r>
+            <a:r>
+              <a:rPr lang="pt-BR" dirty="0" err="1" smtClean="0"/>
+              <a:t>Object-Oriented</a:t>
+            </a:r>
+            <a:r>
+              <a:rPr lang="pt-BR" dirty="0" smtClean="0"/>
+              <a:t> Software.  </a:t>
+            </a:r>
+            <a:r>
+              <a:rPr lang="pt-BR" dirty="0" err="1" smtClean="0"/>
+              <a:t>Gamma</a:t>
+            </a:r>
+            <a:r>
+              <a:rPr lang="pt-BR" dirty="0" smtClean="0"/>
+              <a:t> e outros. </a:t>
+            </a:r>
+          </a:p>
+        </p:txBody>
+      </p:sp>
     </p:spTree>
   </p:cSld>
   <p:clrMapOvr>
@@ -32715,398 +32884,59 @@
           <a:lstStyle/>
           <a:p>
             <a:r>
+              <a:rPr lang="en-US" dirty="0" smtClean="0"/>
+              <a:t>Visitor</a:t>
+            </a:r>
+            <a:r>
               <a:rPr lang="pt-BR" dirty="0" smtClean="0"/>
-              <a:t>Exercício 8</a:t>
+              <a:t> design </a:t>
+            </a:r>
+            <a:r>
+              <a:rPr lang="pt-BR" dirty="0" err="1" smtClean="0"/>
+              <a:t>pattern</a:t>
             </a:r>
             <a:endParaRPr lang="pt-BR" dirty="0"/>
           </a:p>
         </p:txBody>
       </p:sp>
-      <p:sp>
-        <p:nvSpPr>
-          <p:cNvPr id="3" name="Content Placeholder 2"/>
-          <p:cNvSpPr>
-            <a:spLocks noGrp="1"/>
-          </p:cNvSpPr>
+      <p:pic>
+        <p:nvPicPr>
+          <p:cNvPr id="4" name="Content Placeholder 3" descr="VisitorPatternUML.png"/>
+          <p:cNvPicPr>
+            <a:picLocks noGrp="1" noChangeAspect="1"/>
+          </p:cNvPicPr>
           <p:nvPr>
             <p:ph idx="1"/>
           </p:nvPr>
-        </p:nvSpPr>
+        </p:nvPicPr>
+        <p:blipFill>
+          <a:blip r:embed="rId3"/>
+          <a:stretch>
+            <a:fillRect/>
+          </a:stretch>
+        </p:blipFill>
         <p:spPr>
           <a:xfrm>
-            <a:off x="457200" y="1600201"/>
-            <a:ext cx="8229600" cy="2114552"/>
-          </a:xfrm>
-        </p:spPr>
-        <p:txBody>
-          <a:bodyPr/>
-          <a:lstStyle/>
-          <a:p>
-            <a:r>
-              <a:rPr lang="pt-BR" dirty="0" smtClean="0"/>
-              <a:t>Imprima expressões aritméticas em notação pós-fixada a partir de suas árvores sintáticas</a:t>
-            </a:r>
-          </a:p>
-          <a:p>
-            <a:pPr lvl="1"/>
-            <a:r>
-              <a:rPr lang="pt-BR" dirty="0" smtClean="0"/>
-              <a:t>Use definições abaixo</a:t>
-            </a:r>
-          </a:p>
-          <a:p>
-            <a:pPr lvl="1"/>
-            <a:r>
-              <a:rPr lang="pt-BR" dirty="0" smtClean="0"/>
-              <a:t>Explore a árvore em uma determinada ordem</a:t>
-            </a:r>
-            <a:endParaRPr lang="pt-BR" dirty="0"/>
-          </a:p>
-        </p:txBody>
-      </p:sp>
-      <p:sp>
-        <p:nvSpPr>
-          <p:cNvPr id="4" name="Rectangle 3"/>
-          <p:cNvSpPr txBox="1">
-            <a:spLocks noChangeArrowheads="1"/>
-          </p:cNvSpPr>
-          <p:nvPr/>
-        </p:nvSpPr>
-        <p:spPr>
-          <a:xfrm>
-            <a:off x="2046818" y="3933056"/>
-            <a:ext cx="4643470" cy="2520280"/>
+            <a:off x="571472" y="1689119"/>
+            <a:ext cx="7920435" cy="4525963"/>
           </a:xfrm>
           <a:prstGeom prst="rect">
             <a:avLst/>
           </a:prstGeom>
+          <a:ln w="76200">
+            <a:solidFill>
+              <a:schemeClr val="tx1"/>
+            </a:solidFill>
+          </a:ln>
+          <a:effectLst>
+            <a:outerShdw blurRad="292100" dist="139700" dir="2700000" algn="tl" rotWithShape="0">
+              <a:srgbClr val="333333">
+                <a:alpha val="65000"/>
+              </a:srgbClr>
+            </a:outerShdw>
+          </a:effectLst>
         </p:spPr>
-        <p:style>
-          <a:lnRef idx="2">
-            <a:schemeClr val="dk1"/>
-          </a:lnRef>
-          <a:fillRef idx="1">
-            <a:schemeClr val="lt1"/>
-          </a:fillRef>
-          <a:effectRef idx="0">
-            <a:schemeClr val="dk1"/>
-          </a:effectRef>
-          <a:fontRef idx="minor">
-            <a:schemeClr val="dk1"/>
-          </a:fontRef>
-        </p:style>
-        <p:txBody>
-          <a:bodyPr vert="horz" lIns="91440" tIns="45720" rIns="91440" bIns="45720" rtlCol="0">
-            <a:noAutofit/>
-          </a:bodyPr>
-          <a:lstStyle/>
-          <a:p>
-            <a:pPr marL="342900" marR="0" lvl="0" indent="-342900" algn="l" defTabSz="914400" rtl="0" eaLnBrk="1" fontAlgn="auto" latinLnBrk="0" hangingPunct="1">
-              <a:lnSpc>
-                <a:spcPct val="90000"/>
-              </a:lnSpc>
-              <a:spcBef>
-                <a:spcPct val="20000"/>
-              </a:spcBef>
-              <a:spcAft>
-                <a:spcPts val="0"/>
-              </a:spcAft>
-              <a:buClrTx/>
-              <a:buSzTx/>
-              <a:buFontTx/>
-              <a:buNone/>
-              <a:tabLst/>
-              <a:defRPr/>
-            </a:pPr>
-            <a:r>
-              <a:rPr kumimoji="0" lang="en-US" sz="2400" b="0" i="0" u="none" strike="noStrike" kern="1200" cap="none" spc="0" normalizeH="0" baseline="0" noProof="0" dirty="0" smtClean="0">
-                <a:ln>
-                  <a:noFill/>
-                </a:ln>
-                <a:solidFill>
-                  <a:schemeClr val="tx1"/>
-                </a:solidFill>
-                <a:effectLst/>
-                <a:uLnTx/>
-                <a:uFillTx/>
-                <a:latin typeface="+mn-lt"/>
-                <a:ea typeface="+mn-ea"/>
-                <a:cs typeface="+mn-cs"/>
-              </a:rPr>
-              <a:t>interface </a:t>
-            </a:r>
-            <a:r>
-              <a:rPr kumimoji="0" lang="en-US" sz="2400" b="0" i="0" u="none" strike="noStrike" kern="1200" cap="none" spc="0" normalizeH="0" baseline="0" noProof="0" dirty="0" err="1" smtClean="0">
-                <a:ln>
-                  <a:noFill/>
-                </a:ln>
-                <a:solidFill>
-                  <a:schemeClr val="tx1"/>
-                </a:solidFill>
-                <a:effectLst/>
-                <a:uLnTx/>
-                <a:uFillTx/>
-                <a:latin typeface="+mn-lt"/>
-                <a:ea typeface="+mn-ea"/>
-                <a:cs typeface="+mn-cs"/>
-              </a:rPr>
-              <a:t>Expr</a:t>
-            </a:r>
-            <a:r>
-              <a:rPr kumimoji="0" lang="en-US" sz="2400" b="0" i="0" u="none" strike="noStrike" kern="1200" cap="none" spc="0" normalizeH="0" noProof="0" dirty="0" smtClean="0">
-                <a:ln>
-                  <a:noFill/>
-                </a:ln>
-                <a:solidFill>
-                  <a:schemeClr val="tx1"/>
-                </a:solidFill>
-                <a:effectLst/>
-                <a:uLnTx/>
-                <a:uFillTx/>
-                <a:latin typeface="+mn-lt"/>
-                <a:ea typeface="+mn-ea"/>
-                <a:cs typeface="+mn-cs"/>
-              </a:rPr>
-              <a:t> {…}</a:t>
-            </a:r>
-          </a:p>
-          <a:p>
-            <a:pPr marL="342900" marR="0" lvl="0" indent="-342900" algn="l" defTabSz="914400" rtl="0" eaLnBrk="1" fontAlgn="auto" latinLnBrk="0" hangingPunct="1">
-              <a:lnSpc>
-                <a:spcPct val="90000"/>
-              </a:lnSpc>
-              <a:spcBef>
-                <a:spcPct val="20000"/>
-              </a:spcBef>
-              <a:spcAft>
-                <a:spcPts val="0"/>
-              </a:spcAft>
-              <a:buClrTx/>
-              <a:buSzTx/>
-              <a:buFontTx/>
-              <a:buNone/>
-              <a:tabLst/>
-              <a:defRPr/>
-            </a:pPr>
-            <a:r>
-              <a:rPr kumimoji="0" lang="en-US" sz="2400" b="0" i="0" u="none" strike="noStrike" kern="1200" cap="none" spc="0" normalizeH="0" baseline="0" noProof="0" dirty="0" smtClean="0">
-                <a:ln>
-                  <a:noFill/>
-                </a:ln>
-                <a:solidFill>
-                  <a:schemeClr val="tx1"/>
-                </a:solidFill>
-                <a:effectLst/>
-                <a:uLnTx/>
-                <a:uFillTx/>
-                <a:latin typeface="+mn-lt"/>
-                <a:ea typeface="+mn-ea"/>
-                <a:cs typeface="+mn-cs"/>
-              </a:rPr>
-              <a:t>class </a:t>
-            </a:r>
-            <a:r>
-              <a:rPr kumimoji="0" lang="en-US" sz="2400" b="0" i="0" u="none" strike="noStrike" kern="1200" cap="none" spc="0" normalizeH="0" baseline="0" noProof="0" dirty="0" err="1" smtClean="0">
-                <a:ln>
-                  <a:noFill/>
-                </a:ln>
-                <a:solidFill>
-                  <a:schemeClr val="tx1"/>
-                </a:solidFill>
-                <a:effectLst/>
-                <a:uLnTx/>
-                <a:uFillTx/>
-                <a:latin typeface="+mn-lt"/>
-                <a:ea typeface="+mn-ea"/>
-                <a:cs typeface="+mn-cs"/>
-              </a:rPr>
-              <a:t>BinaryExpr</a:t>
-            </a:r>
-            <a:r>
-              <a:rPr kumimoji="0" lang="en-US" sz="2400" b="0" i="0" u="none" strike="noStrike" kern="1200" cap="none" spc="0" normalizeH="0" noProof="0" dirty="0" smtClean="0">
-                <a:ln>
-                  <a:noFill/>
-                </a:ln>
-                <a:solidFill>
-                  <a:schemeClr val="tx1"/>
-                </a:solidFill>
-                <a:effectLst/>
-                <a:uLnTx/>
-                <a:uFillTx/>
-                <a:latin typeface="+mn-lt"/>
-                <a:ea typeface="+mn-ea"/>
-                <a:cs typeface="+mn-cs"/>
-              </a:rPr>
-              <a:t> implements </a:t>
-            </a:r>
-            <a:r>
-              <a:rPr kumimoji="0" lang="en-US" sz="2400" b="0" i="0" u="none" strike="noStrike" kern="1200" cap="none" spc="0" normalizeH="0" noProof="0" dirty="0" err="1" smtClean="0">
-                <a:ln>
-                  <a:noFill/>
-                </a:ln>
-                <a:solidFill>
-                  <a:schemeClr val="tx1"/>
-                </a:solidFill>
-                <a:effectLst/>
-                <a:uLnTx/>
-                <a:uFillTx/>
-                <a:latin typeface="+mn-lt"/>
-                <a:ea typeface="+mn-ea"/>
-                <a:cs typeface="+mn-cs"/>
-              </a:rPr>
-              <a:t>Expr</a:t>
-            </a:r>
-            <a:r>
-              <a:rPr kumimoji="0" lang="en-US" sz="2400" b="0" i="0" u="none" strike="noStrike" kern="1200" cap="none" spc="0" normalizeH="0" noProof="0" dirty="0" smtClean="0">
-                <a:ln>
-                  <a:noFill/>
-                </a:ln>
-                <a:solidFill>
-                  <a:schemeClr val="tx1"/>
-                </a:solidFill>
-                <a:effectLst/>
-                <a:uLnTx/>
-                <a:uFillTx/>
-                <a:latin typeface="+mn-lt"/>
-                <a:ea typeface="+mn-ea"/>
-                <a:cs typeface="+mn-cs"/>
-              </a:rPr>
-              <a:t> {</a:t>
-            </a:r>
-          </a:p>
-          <a:p>
-            <a:pPr marL="342900" lvl="0" indent="-342900">
-              <a:lnSpc>
-                <a:spcPct val="90000"/>
-              </a:lnSpc>
-              <a:spcBef>
-                <a:spcPct val="20000"/>
-              </a:spcBef>
-              <a:defRPr/>
-            </a:pPr>
-            <a:r>
-              <a:rPr lang="en-US" sz="2400" dirty="0" smtClean="0"/>
-              <a:t>  Operator op;  </a:t>
-            </a:r>
-            <a:r>
-              <a:rPr kumimoji="0" lang="en-US" sz="2400" b="0" i="0" u="none" strike="noStrike" kern="1200" cap="none" spc="0" normalizeH="0" noProof="0" dirty="0" smtClean="0">
-                <a:ln>
-                  <a:noFill/>
-                </a:ln>
-                <a:solidFill>
-                  <a:schemeClr val="tx1"/>
-                </a:solidFill>
-                <a:effectLst/>
-                <a:uLnTx/>
-                <a:uFillTx/>
-                <a:latin typeface="+mn-lt"/>
-                <a:ea typeface="+mn-ea"/>
-                <a:cs typeface="+mn-cs"/>
-              </a:rPr>
-              <a:t>Expr exp1, exp2;</a:t>
-            </a:r>
-            <a:r>
-              <a:rPr lang="en-US" sz="2400" dirty="0" smtClean="0"/>
-              <a:t>…</a:t>
-            </a:r>
-            <a:endParaRPr kumimoji="0" lang="en-US" sz="2400" b="0" i="0" u="none" strike="noStrike" kern="1200" cap="none" spc="0" normalizeH="0" noProof="0" dirty="0" smtClean="0">
-              <a:ln>
-                <a:noFill/>
-              </a:ln>
-              <a:solidFill>
-                <a:schemeClr val="tx1"/>
-              </a:solidFill>
-              <a:effectLst/>
-              <a:uLnTx/>
-              <a:uFillTx/>
-              <a:latin typeface="+mn-lt"/>
-              <a:ea typeface="+mn-ea"/>
-              <a:cs typeface="+mn-cs"/>
-            </a:endParaRPr>
-          </a:p>
-          <a:p>
-            <a:pPr marL="342900" marR="0" lvl="0" indent="-342900" algn="l" defTabSz="914400" rtl="0" eaLnBrk="1" fontAlgn="auto" latinLnBrk="0" hangingPunct="1">
-              <a:lnSpc>
-                <a:spcPct val="90000"/>
-              </a:lnSpc>
-              <a:spcBef>
-                <a:spcPct val="20000"/>
-              </a:spcBef>
-              <a:spcAft>
-                <a:spcPts val="0"/>
-              </a:spcAft>
-              <a:buClrTx/>
-              <a:buSzTx/>
-              <a:buFontTx/>
-              <a:buNone/>
-              <a:tabLst/>
-              <a:defRPr/>
-            </a:pPr>
-            <a:r>
-              <a:rPr lang="en-US" sz="2400" baseline="0" dirty="0" smtClean="0"/>
-              <a:t>}</a:t>
-            </a:r>
-          </a:p>
-          <a:p>
-            <a:pPr marL="342900" marR="0" lvl="0" indent="-342900" algn="l" defTabSz="914400" rtl="0" eaLnBrk="1" fontAlgn="auto" latinLnBrk="0" hangingPunct="1">
-              <a:lnSpc>
-                <a:spcPct val="90000"/>
-              </a:lnSpc>
-              <a:spcBef>
-                <a:spcPct val="20000"/>
-              </a:spcBef>
-              <a:spcAft>
-                <a:spcPts val="0"/>
-              </a:spcAft>
-              <a:buClrTx/>
-              <a:buSzTx/>
-              <a:buFontTx/>
-              <a:buNone/>
-              <a:tabLst/>
-              <a:defRPr/>
-            </a:pPr>
-            <a:r>
-              <a:rPr lang="en-US" sz="2400" baseline="0" dirty="0" smtClean="0"/>
-              <a:t>class</a:t>
-            </a:r>
-            <a:r>
-              <a:rPr lang="en-US" sz="2400" dirty="0" smtClean="0"/>
-              <a:t> Digit implements </a:t>
-            </a:r>
-            <a:r>
-              <a:rPr lang="en-US" sz="2400" dirty="0" err="1" smtClean="0"/>
-              <a:t>Expr</a:t>
-            </a:r>
-            <a:r>
-              <a:rPr lang="en-US" sz="2400" dirty="0" smtClean="0"/>
-              <a:t> {  … }</a:t>
-            </a:r>
-          </a:p>
-          <a:p>
-            <a:pPr marL="342900" marR="0" lvl="0" indent="-342900" algn="l" defTabSz="914400" rtl="0" eaLnBrk="1" fontAlgn="auto" latinLnBrk="0" hangingPunct="1">
-              <a:lnSpc>
-                <a:spcPct val="90000"/>
-              </a:lnSpc>
-              <a:spcBef>
-                <a:spcPct val="20000"/>
-              </a:spcBef>
-              <a:spcAft>
-                <a:spcPts val="0"/>
-              </a:spcAft>
-              <a:buClrTx/>
-              <a:buSzTx/>
-              <a:buFontTx/>
-              <a:buNone/>
-              <a:tabLst/>
-              <a:defRPr/>
-            </a:pPr>
-            <a:r>
-              <a:rPr lang="en-US" sz="2400" dirty="0" smtClean="0"/>
-              <a:t>class Operator {…}</a:t>
-            </a:r>
-          </a:p>
-        </p:txBody>
-      </p:sp>
+      </p:pic>
     </p:spTree>
   </p:cSld>
   <p:clrMapOvr>
@@ -33156,6 +32986,446 @@
           <a:p>
             <a:r>
               <a:rPr lang="pt-BR" dirty="0" smtClean="0"/>
+              <a:t>Exercício 8</a:t>
+            </a:r>
+            <a:endParaRPr lang="pt-BR" dirty="0"/>
+          </a:p>
+        </p:txBody>
+      </p:sp>
+      <p:sp>
+        <p:nvSpPr>
+          <p:cNvPr id="3" name="Content Placeholder 2"/>
+          <p:cNvSpPr>
+            <a:spLocks noGrp="1"/>
+          </p:cNvSpPr>
+          <p:nvPr>
+            <p:ph idx="1"/>
+          </p:nvPr>
+        </p:nvSpPr>
+        <p:spPr>
+          <a:xfrm>
+            <a:off x="457200" y="1600201"/>
+            <a:ext cx="8229600" cy="2114552"/>
+          </a:xfrm>
+        </p:spPr>
+        <p:txBody>
+          <a:bodyPr/>
+          <a:lstStyle/>
+          <a:p>
+            <a:r>
+              <a:rPr lang="pt-BR" dirty="0" smtClean="0"/>
+              <a:t>Imprima expressões aritméticas em notação pós-fixada a partir de suas árvores sintáticas</a:t>
+            </a:r>
+          </a:p>
+          <a:p>
+            <a:pPr lvl="1"/>
+            <a:r>
+              <a:rPr lang="pt-BR" dirty="0" smtClean="0"/>
+              <a:t>Use definições abaixo</a:t>
+            </a:r>
+          </a:p>
+          <a:p>
+            <a:pPr lvl="1"/>
+            <a:r>
+              <a:rPr lang="pt-BR" dirty="0" smtClean="0"/>
+              <a:t>Explore a árvore em uma determinada ordem</a:t>
+            </a:r>
+            <a:endParaRPr lang="pt-BR" dirty="0"/>
+          </a:p>
+        </p:txBody>
+      </p:sp>
+      <p:sp>
+        <p:nvSpPr>
+          <p:cNvPr id="4" name="Rectangle 3"/>
+          <p:cNvSpPr txBox="1">
+            <a:spLocks noChangeArrowheads="1"/>
+          </p:cNvSpPr>
+          <p:nvPr/>
+        </p:nvSpPr>
+        <p:spPr>
+          <a:xfrm>
+            <a:off x="2046818" y="3933056"/>
+            <a:ext cx="4643470" cy="2520280"/>
+          </a:xfrm>
+          <a:prstGeom prst="rect">
+            <a:avLst/>
+          </a:prstGeom>
+        </p:spPr>
+        <p:style>
+          <a:lnRef idx="2">
+            <a:schemeClr val="dk1"/>
+          </a:lnRef>
+          <a:fillRef idx="1">
+            <a:schemeClr val="lt1"/>
+          </a:fillRef>
+          <a:effectRef idx="0">
+            <a:schemeClr val="dk1"/>
+          </a:effectRef>
+          <a:fontRef idx="minor">
+            <a:schemeClr val="dk1"/>
+          </a:fontRef>
+        </p:style>
+        <p:txBody>
+          <a:bodyPr vert="horz" lIns="91440" tIns="45720" rIns="91440" bIns="45720" rtlCol="0">
+            <a:noAutofit/>
+          </a:bodyPr>
+          <a:lstStyle/>
+          <a:p>
+            <a:pPr marL="342900" marR="0" lvl="0" indent="-342900" algn="l" defTabSz="914400" rtl="0" eaLnBrk="1" fontAlgn="auto" latinLnBrk="0" hangingPunct="1">
+              <a:lnSpc>
+                <a:spcPct val="90000"/>
+              </a:lnSpc>
+              <a:spcBef>
+                <a:spcPct val="20000"/>
+              </a:spcBef>
+              <a:spcAft>
+                <a:spcPts val="0"/>
+              </a:spcAft>
+              <a:buClrTx/>
+              <a:buSzTx/>
+              <a:buFontTx/>
+              <a:buNone/>
+              <a:tabLst/>
+              <a:defRPr/>
+            </a:pPr>
+            <a:r>
+              <a:rPr kumimoji="0" lang="en-US" sz="2400" b="0" i="0" u="none" strike="noStrike" kern="1200" cap="none" spc="0" normalizeH="0" baseline="0" noProof="0" dirty="0" smtClean="0">
+                <a:ln>
+                  <a:noFill/>
+                </a:ln>
+                <a:solidFill>
+                  <a:schemeClr val="tx1"/>
+                </a:solidFill>
+                <a:effectLst/>
+                <a:uLnTx/>
+                <a:uFillTx/>
+                <a:latin typeface="+mn-lt"/>
+                <a:ea typeface="+mn-ea"/>
+                <a:cs typeface="+mn-cs"/>
+              </a:rPr>
+              <a:t>interface </a:t>
+            </a:r>
+            <a:r>
+              <a:rPr kumimoji="0" lang="en-US" sz="2400" b="0" i="0" u="none" strike="noStrike" kern="1200" cap="none" spc="0" normalizeH="0" baseline="0" noProof="0" dirty="0" err="1" smtClean="0">
+                <a:ln>
+                  <a:noFill/>
+                </a:ln>
+                <a:solidFill>
+                  <a:schemeClr val="tx1"/>
+                </a:solidFill>
+                <a:effectLst/>
+                <a:uLnTx/>
+                <a:uFillTx/>
+                <a:latin typeface="+mn-lt"/>
+                <a:ea typeface="+mn-ea"/>
+                <a:cs typeface="+mn-cs"/>
+              </a:rPr>
+              <a:t>Expr</a:t>
+            </a:r>
+            <a:r>
+              <a:rPr kumimoji="0" lang="en-US" sz="2400" b="0" i="0" u="none" strike="noStrike" kern="1200" cap="none" spc="0" normalizeH="0" noProof="0" dirty="0" smtClean="0">
+                <a:ln>
+                  <a:noFill/>
+                </a:ln>
+                <a:solidFill>
+                  <a:schemeClr val="tx1"/>
+                </a:solidFill>
+                <a:effectLst/>
+                <a:uLnTx/>
+                <a:uFillTx/>
+                <a:latin typeface="+mn-lt"/>
+                <a:ea typeface="+mn-ea"/>
+                <a:cs typeface="+mn-cs"/>
+              </a:rPr>
+              <a:t> {…}</a:t>
+            </a:r>
+          </a:p>
+          <a:p>
+            <a:pPr marL="342900" marR="0" lvl="0" indent="-342900" algn="l" defTabSz="914400" rtl="0" eaLnBrk="1" fontAlgn="auto" latinLnBrk="0" hangingPunct="1">
+              <a:lnSpc>
+                <a:spcPct val="90000"/>
+              </a:lnSpc>
+              <a:spcBef>
+                <a:spcPct val="20000"/>
+              </a:spcBef>
+              <a:spcAft>
+                <a:spcPts val="0"/>
+              </a:spcAft>
+              <a:buClrTx/>
+              <a:buSzTx/>
+              <a:buFontTx/>
+              <a:buNone/>
+              <a:tabLst/>
+              <a:defRPr/>
+            </a:pPr>
+            <a:r>
+              <a:rPr kumimoji="0" lang="en-US" sz="2400" b="0" i="0" u="none" strike="noStrike" kern="1200" cap="none" spc="0" normalizeH="0" baseline="0" noProof="0" dirty="0" smtClean="0">
+                <a:ln>
+                  <a:noFill/>
+                </a:ln>
+                <a:solidFill>
+                  <a:schemeClr val="tx1"/>
+                </a:solidFill>
+                <a:effectLst/>
+                <a:uLnTx/>
+                <a:uFillTx/>
+                <a:latin typeface="+mn-lt"/>
+                <a:ea typeface="+mn-ea"/>
+                <a:cs typeface="+mn-cs"/>
+              </a:rPr>
+              <a:t>class </a:t>
+            </a:r>
+            <a:r>
+              <a:rPr kumimoji="0" lang="en-US" sz="2400" b="0" i="0" u="none" strike="noStrike" kern="1200" cap="none" spc="0" normalizeH="0" baseline="0" noProof="0" dirty="0" err="1" smtClean="0">
+                <a:ln>
+                  <a:noFill/>
+                </a:ln>
+                <a:solidFill>
+                  <a:schemeClr val="tx1"/>
+                </a:solidFill>
+                <a:effectLst/>
+                <a:uLnTx/>
+                <a:uFillTx/>
+                <a:latin typeface="+mn-lt"/>
+                <a:ea typeface="+mn-ea"/>
+                <a:cs typeface="+mn-cs"/>
+              </a:rPr>
+              <a:t>BinaryExpr</a:t>
+            </a:r>
+            <a:r>
+              <a:rPr kumimoji="0" lang="en-US" sz="2400" b="0" i="0" u="none" strike="noStrike" kern="1200" cap="none" spc="0" normalizeH="0" noProof="0" dirty="0" smtClean="0">
+                <a:ln>
+                  <a:noFill/>
+                </a:ln>
+                <a:solidFill>
+                  <a:schemeClr val="tx1"/>
+                </a:solidFill>
+                <a:effectLst/>
+                <a:uLnTx/>
+                <a:uFillTx/>
+                <a:latin typeface="+mn-lt"/>
+                <a:ea typeface="+mn-ea"/>
+                <a:cs typeface="+mn-cs"/>
+              </a:rPr>
+              <a:t> implements </a:t>
+            </a:r>
+            <a:r>
+              <a:rPr kumimoji="0" lang="en-US" sz="2400" b="0" i="0" u="none" strike="noStrike" kern="1200" cap="none" spc="0" normalizeH="0" noProof="0" dirty="0" err="1" smtClean="0">
+                <a:ln>
+                  <a:noFill/>
+                </a:ln>
+                <a:solidFill>
+                  <a:schemeClr val="tx1"/>
+                </a:solidFill>
+                <a:effectLst/>
+                <a:uLnTx/>
+                <a:uFillTx/>
+                <a:latin typeface="+mn-lt"/>
+                <a:ea typeface="+mn-ea"/>
+                <a:cs typeface="+mn-cs"/>
+              </a:rPr>
+              <a:t>Expr</a:t>
+            </a:r>
+            <a:r>
+              <a:rPr kumimoji="0" lang="en-US" sz="2400" b="0" i="0" u="none" strike="noStrike" kern="1200" cap="none" spc="0" normalizeH="0" noProof="0" dirty="0" smtClean="0">
+                <a:ln>
+                  <a:noFill/>
+                </a:ln>
+                <a:solidFill>
+                  <a:schemeClr val="tx1"/>
+                </a:solidFill>
+                <a:effectLst/>
+                <a:uLnTx/>
+                <a:uFillTx/>
+                <a:latin typeface="+mn-lt"/>
+                <a:ea typeface="+mn-ea"/>
+                <a:cs typeface="+mn-cs"/>
+              </a:rPr>
+              <a:t> {</a:t>
+            </a:r>
+          </a:p>
+          <a:p>
+            <a:pPr marL="342900" lvl="0" indent="-342900">
+              <a:lnSpc>
+                <a:spcPct val="90000"/>
+              </a:lnSpc>
+              <a:spcBef>
+                <a:spcPct val="20000"/>
+              </a:spcBef>
+              <a:defRPr/>
+            </a:pPr>
+            <a:r>
+              <a:rPr lang="en-US" sz="2400" dirty="0" smtClean="0"/>
+              <a:t>  Operator op;  </a:t>
+            </a:r>
+            <a:r>
+              <a:rPr kumimoji="0" lang="en-US" sz="2400" b="0" i="0" u="none" strike="noStrike" kern="1200" cap="none" spc="0" normalizeH="0" noProof="0" dirty="0" smtClean="0">
+                <a:ln>
+                  <a:noFill/>
+                </a:ln>
+                <a:solidFill>
+                  <a:schemeClr val="tx1"/>
+                </a:solidFill>
+                <a:effectLst/>
+                <a:uLnTx/>
+                <a:uFillTx/>
+                <a:latin typeface="+mn-lt"/>
+                <a:ea typeface="+mn-ea"/>
+                <a:cs typeface="+mn-cs"/>
+              </a:rPr>
+              <a:t>Expr exp1, exp2;</a:t>
+            </a:r>
+            <a:r>
+              <a:rPr lang="en-US" sz="2400" dirty="0" smtClean="0"/>
+              <a:t>…</a:t>
+            </a:r>
+            <a:endParaRPr kumimoji="0" lang="en-US" sz="2400" b="0" i="0" u="none" strike="noStrike" kern="1200" cap="none" spc="0" normalizeH="0" noProof="0" dirty="0" smtClean="0">
+              <a:ln>
+                <a:noFill/>
+              </a:ln>
+              <a:solidFill>
+                <a:schemeClr val="tx1"/>
+              </a:solidFill>
+              <a:effectLst/>
+              <a:uLnTx/>
+              <a:uFillTx/>
+              <a:latin typeface="+mn-lt"/>
+              <a:ea typeface="+mn-ea"/>
+              <a:cs typeface="+mn-cs"/>
+            </a:endParaRPr>
+          </a:p>
+          <a:p>
+            <a:pPr marL="342900" marR="0" lvl="0" indent="-342900" algn="l" defTabSz="914400" rtl="0" eaLnBrk="1" fontAlgn="auto" latinLnBrk="0" hangingPunct="1">
+              <a:lnSpc>
+                <a:spcPct val="90000"/>
+              </a:lnSpc>
+              <a:spcBef>
+                <a:spcPct val="20000"/>
+              </a:spcBef>
+              <a:spcAft>
+                <a:spcPts val="0"/>
+              </a:spcAft>
+              <a:buClrTx/>
+              <a:buSzTx/>
+              <a:buFontTx/>
+              <a:buNone/>
+              <a:tabLst/>
+              <a:defRPr/>
+            </a:pPr>
+            <a:r>
+              <a:rPr lang="en-US" sz="2400" baseline="0" dirty="0" smtClean="0"/>
+              <a:t>}</a:t>
+            </a:r>
+          </a:p>
+          <a:p>
+            <a:pPr marL="342900" marR="0" lvl="0" indent="-342900" algn="l" defTabSz="914400" rtl="0" eaLnBrk="1" fontAlgn="auto" latinLnBrk="0" hangingPunct="1">
+              <a:lnSpc>
+                <a:spcPct val="90000"/>
+              </a:lnSpc>
+              <a:spcBef>
+                <a:spcPct val="20000"/>
+              </a:spcBef>
+              <a:spcAft>
+                <a:spcPts val="0"/>
+              </a:spcAft>
+              <a:buClrTx/>
+              <a:buSzTx/>
+              <a:buFontTx/>
+              <a:buNone/>
+              <a:tabLst/>
+              <a:defRPr/>
+            </a:pPr>
+            <a:r>
+              <a:rPr lang="en-US" sz="2400" baseline="0" dirty="0" smtClean="0"/>
+              <a:t>class</a:t>
+            </a:r>
+            <a:r>
+              <a:rPr lang="en-US" sz="2400" dirty="0" smtClean="0"/>
+              <a:t> Digit implements </a:t>
+            </a:r>
+            <a:r>
+              <a:rPr lang="en-US" sz="2400" dirty="0" err="1" smtClean="0"/>
+              <a:t>Expr</a:t>
+            </a:r>
+            <a:r>
+              <a:rPr lang="en-US" sz="2400" dirty="0" smtClean="0"/>
+              <a:t> {  … }</a:t>
+            </a:r>
+          </a:p>
+          <a:p>
+            <a:pPr marL="342900" marR="0" lvl="0" indent="-342900" algn="l" defTabSz="914400" rtl="0" eaLnBrk="1" fontAlgn="auto" latinLnBrk="0" hangingPunct="1">
+              <a:lnSpc>
+                <a:spcPct val="90000"/>
+              </a:lnSpc>
+              <a:spcBef>
+                <a:spcPct val="20000"/>
+              </a:spcBef>
+              <a:spcAft>
+                <a:spcPts val="0"/>
+              </a:spcAft>
+              <a:buClrTx/>
+              <a:buSzTx/>
+              <a:buFontTx/>
+              <a:buNone/>
+              <a:tabLst/>
+              <a:defRPr/>
+            </a:pPr>
+            <a:r>
+              <a:rPr lang="en-US" sz="2400" dirty="0" smtClean="0"/>
+              <a:t>class Operator {…}</a:t>
+            </a:r>
+          </a:p>
+        </p:txBody>
+      </p:sp>
+    </p:spTree>
+  </p:cSld>
+  <p:clrMapOvr>
+    <a:masterClrMapping/>
+  </p:clrMapOvr>
+  <p:timing>
+    <p:tnLst>
+      <p:par>
+        <p:cTn id="1" dur="indefinite" restart="never" nodeType="tmRoot"/>
+      </p:par>
+    </p:tnLst>
+  </p:timing>
+</p:sld>
+</file>
+
+<file path=ppt/slides/slide62.xml><?xml version="1.0" encoding="utf-8"?>
+<p:sld xmlns:a="http://schemas.openxmlformats.org/drawingml/2006/main" xmlns:r="http://schemas.openxmlformats.org/officeDocument/2006/relationships" xmlns:p="http://schemas.openxmlformats.org/presentationml/2006/main">
+  <p:cSld>
+    <p:spTree>
+      <p:nvGrpSpPr>
+        <p:cNvPr id="1" name=""/>
+        <p:cNvGrpSpPr/>
+        <p:nvPr/>
+      </p:nvGrpSpPr>
+      <p:grpSpPr>
+        <a:xfrm>
+          <a:off x="0" y="0"/>
+          <a:ext cx="0" cy="0"/>
+          <a:chOff x="0" y="0"/>
+          <a:chExt cx="0" cy="0"/>
+        </a:xfrm>
+      </p:grpSpPr>
+      <p:sp>
+        <p:nvSpPr>
+          <p:cNvPr id="2" name="Title 1"/>
+          <p:cNvSpPr>
+            <a:spLocks noGrp="1"/>
+          </p:cNvSpPr>
+          <p:nvPr>
+            <p:ph type="title"/>
+          </p:nvPr>
+        </p:nvSpPr>
+        <p:spPr/>
+        <p:txBody>
+          <a:bodyPr/>
+          <a:lstStyle/>
+          <a:p>
+            <a:r>
+              <a:rPr lang="pt-BR" dirty="0" smtClean="0"/>
               <a:t>Resposta</a:t>
             </a:r>
             <a:endParaRPr lang="pt-BR" dirty="0"/>
@@ -34644,7 +34914,7 @@
 </p:sld>
 </file>
 
-<file path=ppt/slides/slide62.xml><?xml version="1.0" encoding="utf-8"?>
+<file path=ppt/slides/slide63.xml><?xml version="1.0" encoding="utf-8"?>
 <p:sld xmlns:a="http://schemas.openxmlformats.org/drawingml/2006/main" xmlns:r="http://schemas.openxmlformats.org/officeDocument/2006/relationships" xmlns:p="http://schemas.openxmlformats.org/presentationml/2006/main">
   <p:cSld>
     <p:spTree>
@@ -34866,6 +35136,1585 @@
     <p:extLst>
       <p:ext uri="{BB962C8B-B14F-4D97-AF65-F5344CB8AC3E}">
         <p14:creationId xmlns:p14="http://schemas.microsoft.com/office/powerpoint/2010/main" val="860472848"/>
+      </p:ext>
+    </p:extLst>
+  </p:cSld>
+  <p:clrMapOvr>
+    <a:masterClrMapping/>
+  </p:clrMapOvr>
+  <p:timing>
+    <p:tnLst>
+      <p:par>
+        <p:cTn id="1" dur="indefinite" restart="never" nodeType="tmRoot"/>
+      </p:par>
+    </p:tnLst>
+  </p:timing>
+</p:sld>
+</file>
+
+<file path=ppt/slides/slide64.xml><?xml version="1.0" encoding="utf-8"?>
+<p:sld xmlns:a="http://schemas.openxmlformats.org/drawingml/2006/main" xmlns:r="http://schemas.openxmlformats.org/officeDocument/2006/relationships" xmlns:p="http://schemas.openxmlformats.org/presentationml/2006/main">
+  <p:cSld>
+    <p:spTree>
+      <p:nvGrpSpPr>
+        <p:cNvPr id="1" name=""/>
+        <p:cNvGrpSpPr/>
+        <p:nvPr/>
+      </p:nvGrpSpPr>
+      <p:grpSpPr>
+        <a:xfrm>
+          <a:off x="0" y="0"/>
+          <a:ext cx="0" cy="0"/>
+          <a:chOff x="0" y="0"/>
+          <a:chExt cx="0" cy="0"/>
+        </a:xfrm>
+      </p:grpSpPr>
+      <p:sp>
+        <p:nvSpPr>
+          <p:cNvPr id="2" name="Title 1"/>
+          <p:cNvSpPr>
+            <a:spLocks noGrp="1"/>
+          </p:cNvSpPr>
+          <p:nvPr>
+            <p:ph type="title"/>
+          </p:nvPr>
+        </p:nvSpPr>
+        <p:spPr/>
+        <p:txBody>
+          <a:bodyPr/>
+          <a:lstStyle/>
+          <a:p>
+            <a:r>
+              <a:rPr lang="pt-BR" dirty="0" smtClean="0"/>
+              <a:t>Resposta</a:t>
+            </a:r>
+            <a:endParaRPr lang="pt-BR" dirty="0"/>
+          </a:p>
+        </p:txBody>
+      </p:sp>
+      <p:sp>
+        <p:nvSpPr>
+          <p:cNvPr id="4" name="Rectangle 3"/>
+          <p:cNvSpPr txBox="1">
+            <a:spLocks noChangeArrowheads="1"/>
+          </p:cNvSpPr>
+          <p:nvPr/>
+        </p:nvSpPr>
+        <p:spPr>
+          <a:xfrm>
+            <a:off x="214282" y="1500174"/>
+            <a:ext cx="4643470" cy="4593122"/>
+          </a:xfrm>
+          <a:prstGeom prst="rect">
+            <a:avLst/>
+          </a:prstGeom>
+        </p:spPr>
+        <p:style>
+          <a:lnRef idx="2">
+            <a:schemeClr val="dk1"/>
+          </a:lnRef>
+          <a:fillRef idx="1">
+            <a:schemeClr val="lt1"/>
+          </a:fillRef>
+          <a:effectRef idx="0">
+            <a:schemeClr val="dk1"/>
+          </a:effectRef>
+          <a:fontRef idx="minor">
+            <a:schemeClr val="dk1"/>
+          </a:fontRef>
+        </p:style>
+        <p:txBody>
+          <a:bodyPr vert="horz" lIns="91440" tIns="45720" rIns="91440" bIns="45720" rtlCol="0">
+            <a:noAutofit/>
+          </a:bodyPr>
+          <a:lstStyle/>
+          <a:p>
+            <a:pPr marL="342900" marR="0" lvl="0" indent="-342900" algn="l" defTabSz="914400" rtl="0" eaLnBrk="1" fontAlgn="auto" latinLnBrk="0" hangingPunct="1">
+              <a:lnSpc>
+                <a:spcPct val="90000"/>
+              </a:lnSpc>
+              <a:spcBef>
+                <a:spcPct val="20000"/>
+              </a:spcBef>
+              <a:spcAft>
+                <a:spcPts val="0"/>
+              </a:spcAft>
+              <a:buClrTx/>
+              <a:buSzTx/>
+              <a:buFontTx/>
+              <a:buNone/>
+              <a:tabLst/>
+              <a:defRPr/>
+            </a:pPr>
+            <a:r>
+              <a:rPr kumimoji="0" lang="en-US" b="0" i="0" u="none" strike="noStrike" kern="1200" cap="none" spc="0" normalizeH="0" baseline="0" noProof="0" dirty="0" smtClean="0">
+                <a:ln>
+                  <a:noFill/>
+                </a:ln>
+                <a:solidFill>
+                  <a:schemeClr val="tx1"/>
+                </a:solidFill>
+                <a:effectLst/>
+                <a:uLnTx/>
+                <a:uFillTx/>
+                <a:latin typeface="+mn-lt"/>
+                <a:ea typeface="+mn-ea"/>
+                <a:cs typeface="+mn-cs"/>
+              </a:rPr>
+              <a:t>interface </a:t>
+            </a:r>
+            <a:r>
+              <a:rPr kumimoji="0" lang="en-US" b="0" i="0" u="none" strike="noStrike" kern="1200" cap="none" spc="0" normalizeH="0" baseline="0" noProof="0" dirty="0" err="1" smtClean="0">
+                <a:ln>
+                  <a:noFill/>
+                </a:ln>
+                <a:solidFill>
+                  <a:schemeClr val="tx1"/>
+                </a:solidFill>
+                <a:effectLst/>
+                <a:uLnTx/>
+                <a:uFillTx/>
+                <a:latin typeface="+mn-lt"/>
+                <a:ea typeface="+mn-ea"/>
+                <a:cs typeface="+mn-cs"/>
+              </a:rPr>
+              <a:t>Expr</a:t>
+            </a:r>
+            <a:r>
+              <a:rPr kumimoji="0" lang="en-US" b="0" i="0" u="none" strike="noStrike" kern="1200" cap="none" spc="0" normalizeH="0" noProof="0" dirty="0" smtClean="0">
+                <a:ln>
+                  <a:noFill/>
+                </a:ln>
+                <a:solidFill>
+                  <a:schemeClr val="tx1"/>
+                </a:solidFill>
+                <a:effectLst/>
+                <a:uLnTx/>
+                <a:uFillTx/>
+                <a:latin typeface="+mn-lt"/>
+                <a:ea typeface="+mn-ea"/>
+                <a:cs typeface="+mn-cs"/>
+              </a:rPr>
+              <a:t> { </a:t>
+            </a:r>
+          </a:p>
+          <a:p>
+            <a:pPr marL="342900" marR="0" lvl="0" indent="-342900" algn="l" defTabSz="914400" rtl="0" eaLnBrk="1" fontAlgn="auto" latinLnBrk="0" hangingPunct="1">
+              <a:lnSpc>
+                <a:spcPct val="90000"/>
+              </a:lnSpc>
+              <a:spcBef>
+                <a:spcPct val="20000"/>
+              </a:spcBef>
+              <a:spcAft>
+                <a:spcPts val="0"/>
+              </a:spcAft>
+              <a:buClrTx/>
+              <a:buSzTx/>
+              <a:buFontTx/>
+              <a:buNone/>
+              <a:tabLst/>
+              <a:defRPr/>
+            </a:pPr>
+            <a:r>
+              <a:rPr lang="en-US" dirty="0" smtClean="0">
+                <a:solidFill>
+                  <a:schemeClr val="tx1"/>
+                </a:solidFill>
+              </a:rPr>
+              <a:t>  void accept(Visitor </a:t>
+            </a:r>
+            <a:r>
+              <a:rPr lang="en-US" dirty="0" err="1" smtClean="0">
+                <a:solidFill>
+                  <a:schemeClr val="tx1"/>
+                </a:solidFill>
+              </a:rPr>
+              <a:t>vis</a:t>
+            </a:r>
+            <a:r>
+              <a:rPr lang="en-US" dirty="0" smtClean="0">
+                <a:solidFill>
+                  <a:schemeClr val="tx1"/>
+                </a:solidFill>
+              </a:rPr>
+              <a:t>); </a:t>
+            </a:r>
+            <a:r>
+              <a:rPr kumimoji="0" lang="en-US" b="0" i="0" u="none" strike="noStrike" kern="1200" cap="none" spc="0" normalizeH="0" noProof="0" dirty="0" smtClean="0">
+                <a:ln>
+                  <a:noFill/>
+                </a:ln>
+                <a:solidFill>
+                  <a:schemeClr val="tx1"/>
+                </a:solidFill>
+                <a:effectLst/>
+                <a:uLnTx/>
+                <a:uFillTx/>
+                <a:latin typeface="+mn-lt"/>
+                <a:ea typeface="+mn-ea"/>
+                <a:cs typeface="+mn-cs"/>
+              </a:rPr>
+              <a:t>}</a:t>
+            </a:r>
+          </a:p>
+          <a:p>
+            <a:pPr marL="342900" marR="0" lvl="0" indent="-342900" algn="l" defTabSz="914400" rtl="0" eaLnBrk="1" fontAlgn="auto" latinLnBrk="0" hangingPunct="1">
+              <a:lnSpc>
+                <a:spcPct val="90000"/>
+              </a:lnSpc>
+              <a:spcBef>
+                <a:spcPct val="20000"/>
+              </a:spcBef>
+              <a:spcAft>
+                <a:spcPts val="0"/>
+              </a:spcAft>
+              <a:buClrTx/>
+              <a:buSzTx/>
+              <a:buFontTx/>
+              <a:buNone/>
+              <a:tabLst/>
+              <a:defRPr/>
+            </a:pPr>
+            <a:r>
+              <a:rPr kumimoji="0" lang="en-US" b="0" i="0" u="none" strike="noStrike" kern="1200" cap="none" spc="0" normalizeH="0" baseline="0" noProof="0" dirty="0" smtClean="0">
+                <a:ln>
+                  <a:noFill/>
+                </a:ln>
+                <a:solidFill>
+                  <a:schemeClr val="tx1"/>
+                </a:solidFill>
+                <a:effectLst/>
+                <a:uLnTx/>
+                <a:uFillTx/>
+                <a:latin typeface="+mn-lt"/>
+                <a:ea typeface="+mn-ea"/>
+                <a:cs typeface="+mn-cs"/>
+              </a:rPr>
+              <a:t>class </a:t>
+            </a:r>
+            <a:r>
+              <a:rPr kumimoji="0" lang="en-US" b="0" i="0" u="none" strike="noStrike" kern="1200" cap="none" spc="0" normalizeH="0" baseline="0" noProof="0" dirty="0" err="1" smtClean="0">
+                <a:ln>
+                  <a:noFill/>
+                </a:ln>
+                <a:solidFill>
+                  <a:schemeClr val="tx1"/>
+                </a:solidFill>
+                <a:effectLst/>
+                <a:uLnTx/>
+                <a:uFillTx/>
+                <a:latin typeface="+mn-lt"/>
+                <a:ea typeface="+mn-ea"/>
+                <a:cs typeface="+mn-cs"/>
+              </a:rPr>
+              <a:t>BinaryExpr</a:t>
+            </a:r>
+            <a:r>
+              <a:rPr kumimoji="0" lang="en-US" b="0" i="0" u="none" strike="noStrike" kern="1200" cap="none" spc="0" normalizeH="0" noProof="0" dirty="0" smtClean="0">
+                <a:ln>
+                  <a:noFill/>
+                </a:ln>
+                <a:solidFill>
+                  <a:schemeClr val="tx1"/>
+                </a:solidFill>
+                <a:effectLst/>
+                <a:uLnTx/>
+                <a:uFillTx/>
+                <a:latin typeface="+mn-lt"/>
+                <a:ea typeface="+mn-ea"/>
+                <a:cs typeface="+mn-cs"/>
+              </a:rPr>
+              <a:t> implements </a:t>
+            </a:r>
+            <a:r>
+              <a:rPr kumimoji="0" lang="en-US" b="0" i="0" u="none" strike="noStrike" kern="1200" cap="none" spc="0" normalizeH="0" noProof="0" dirty="0" err="1" smtClean="0">
+                <a:ln>
+                  <a:noFill/>
+                </a:ln>
+                <a:solidFill>
+                  <a:schemeClr val="tx1"/>
+                </a:solidFill>
+                <a:effectLst/>
+                <a:uLnTx/>
+                <a:uFillTx/>
+                <a:latin typeface="+mn-lt"/>
+                <a:ea typeface="+mn-ea"/>
+                <a:cs typeface="+mn-cs"/>
+              </a:rPr>
+              <a:t>Expr</a:t>
+            </a:r>
+            <a:r>
+              <a:rPr kumimoji="0" lang="en-US" b="0" i="0" u="none" strike="noStrike" kern="1200" cap="none" spc="0" normalizeH="0" noProof="0" dirty="0" smtClean="0">
+                <a:ln>
+                  <a:noFill/>
+                </a:ln>
+                <a:solidFill>
+                  <a:schemeClr val="tx1"/>
+                </a:solidFill>
+                <a:effectLst/>
+                <a:uLnTx/>
+                <a:uFillTx/>
+                <a:latin typeface="+mn-lt"/>
+                <a:ea typeface="+mn-ea"/>
+                <a:cs typeface="+mn-cs"/>
+              </a:rPr>
+              <a:t> {</a:t>
+            </a:r>
+          </a:p>
+          <a:p>
+            <a:pPr marL="342900" lvl="0" indent="-342900">
+              <a:lnSpc>
+                <a:spcPct val="90000"/>
+              </a:lnSpc>
+              <a:spcBef>
+                <a:spcPct val="20000"/>
+              </a:spcBef>
+              <a:defRPr/>
+            </a:pPr>
+            <a:r>
+              <a:rPr kumimoji="0" lang="en-US" b="0" i="0" u="none" strike="noStrike" kern="1200" cap="none" spc="0" normalizeH="0" noProof="0" dirty="0" smtClean="0">
+                <a:ln>
+                  <a:noFill/>
+                </a:ln>
+                <a:solidFill>
+                  <a:schemeClr val="tx1"/>
+                </a:solidFill>
+                <a:effectLst/>
+                <a:uLnTx/>
+                <a:uFillTx/>
+                <a:latin typeface="+mn-lt"/>
+                <a:ea typeface="+mn-ea"/>
+                <a:cs typeface="+mn-cs"/>
+              </a:rPr>
+              <a:t>  </a:t>
+            </a:r>
+            <a:r>
+              <a:rPr lang="en-US" dirty="0" smtClean="0"/>
+              <a:t>Operator op; </a:t>
+            </a:r>
+            <a:r>
+              <a:rPr kumimoji="0" lang="en-US" b="0" i="0" u="none" strike="noStrike" kern="1200" cap="none" spc="0" normalizeH="0" noProof="0" dirty="0" smtClean="0">
+                <a:ln>
+                  <a:noFill/>
+                </a:ln>
+                <a:solidFill>
+                  <a:schemeClr val="tx1"/>
+                </a:solidFill>
+                <a:effectLst/>
+                <a:uLnTx/>
+                <a:uFillTx/>
+                <a:latin typeface="+mn-lt"/>
+                <a:ea typeface="+mn-ea"/>
+                <a:cs typeface="+mn-cs"/>
+              </a:rPr>
+              <a:t> Expr exp1, exp2;</a:t>
+            </a:r>
+          </a:p>
+          <a:p>
+            <a:pPr marL="342900" marR="0" lvl="0" indent="-342900" algn="l" defTabSz="914400" rtl="0" eaLnBrk="1" fontAlgn="auto" latinLnBrk="0" hangingPunct="1">
+              <a:lnSpc>
+                <a:spcPct val="90000"/>
+              </a:lnSpc>
+              <a:spcBef>
+                <a:spcPct val="20000"/>
+              </a:spcBef>
+              <a:spcAft>
+                <a:spcPts val="0"/>
+              </a:spcAft>
+              <a:buClrTx/>
+              <a:buSzTx/>
+              <a:buFontTx/>
+              <a:buNone/>
+              <a:tabLst/>
+              <a:defRPr/>
+            </a:pPr>
+            <a:r>
+              <a:rPr lang="en-US" dirty="0" smtClean="0">
+                <a:solidFill>
+                  <a:schemeClr val="tx1"/>
+                </a:solidFill>
+              </a:rPr>
+              <a:t>  </a:t>
+            </a:r>
+            <a:r>
+              <a:rPr lang="en-US" dirty="0" smtClean="0"/>
+              <a:t>void accept(Visitor </a:t>
+            </a:r>
+            <a:r>
+              <a:rPr lang="en-US" dirty="0" err="1" smtClean="0"/>
+              <a:t>vis</a:t>
+            </a:r>
+            <a:r>
+              <a:rPr lang="en-US" dirty="0" smtClean="0"/>
+              <a:t>) {</a:t>
+            </a:r>
+          </a:p>
+          <a:p>
+            <a:pPr marL="342900" lvl="0" indent="-342900">
+              <a:lnSpc>
+                <a:spcPct val="90000"/>
+              </a:lnSpc>
+              <a:spcBef>
+                <a:spcPct val="20000"/>
+              </a:spcBef>
+              <a:defRPr/>
+            </a:pPr>
+            <a:r>
+              <a:rPr lang="en-US" dirty="0" smtClean="0"/>
+              <a:t>    </a:t>
+            </a:r>
+            <a:r>
+              <a:rPr lang="en-US" dirty="0" err="1" smtClean="0"/>
+              <a:t>vis.visit</a:t>
+            </a:r>
+            <a:r>
+              <a:rPr lang="en-US" dirty="0" smtClean="0"/>
+              <a:t>(this);</a:t>
+            </a:r>
+          </a:p>
+          <a:p>
+            <a:pPr marL="342900" marR="0" lvl="0" indent="-342900" algn="l" defTabSz="914400" rtl="0" eaLnBrk="1" fontAlgn="auto" latinLnBrk="0" hangingPunct="1">
+              <a:lnSpc>
+                <a:spcPct val="90000"/>
+              </a:lnSpc>
+              <a:spcBef>
+                <a:spcPct val="20000"/>
+              </a:spcBef>
+              <a:spcAft>
+                <a:spcPts val="0"/>
+              </a:spcAft>
+              <a:buClrTx/>
+              <a:buSzTx/>
+              <a:buFontTx/>
+              <a:buNone/>
+              <a:tabLst/>
+              <a:defRPr/>
+            </a:pPr>
+            <a:r>
+              <a:rPr lang="en-US" dirty="0" smtClean="0"/>
+              <a:t>  } </a:t>
+            </a:r>
+            <a:r>
+              <a:rPr lang="en-US" baseline="0" dirty="0" smtClean="0"/>
+              <a:t>}</a:t>
+            </a:r>
+          </a:p>
+          <a:p>
+            <a:pPr marL="342900" marR="0" lvl="0" indent="-342900" algn="l" defTabSz="914400" rtl="0" eaLnBrk="1" fontAlgn="auto" latinLnBrk="0" hangingPunct="1">
+              <a:lnSpc>
+                <a:spcPct val="90000"/>
+              </a:lnSpc>
+              <a:spcBef>
+                <a:spcPct val="20000"/>
+              </a:spcBef>
+              <a:spcAft>
+                <a:spcPts val="0"/>
+              </a:spcAft>
+              <a:buClrTx/>
+              <a:buSzTx/>
+              <a:buFontTx/>
+              <a:buNone/>
+              <a:tabLst/>
+              <a:defRPr/>
+            </a:pPr>
+            <a:r>
+              <a:rPr lang="en-US" baseline="0" dirty="0" smtClean="0"/>
+              <a:t>class</a:t>
+            </a:r>
+            <a:r>
+              <a:rPr lang="en-US" dirty="0" smtClean="0"/>
+              <a:t> Digit implements </a:t>
+            </a:r>
+            <a:r>
+              <a:rPr lang="en-US" dirty="0" err="1" smtClean="0"/>
+              <a:t>Expr</a:t>
+            </a:r>
+            <a:r>
+              <a:rPr lang="en-US" dirty="0" smtClean="0"/>
+              <a:t> {  </a:t>
+            </a:r>
+            <a:r>
+              <a:rPr lang="en-US" dirty="0" err="1" smtClean="0"/>
+              <a:t>int</a:t>
+            </a:r>
+            <a:r>
+              <a:rPr lang="en-US" dirty="0" smtClean="0"/>
+              <a:t> </a:t>
+            </a:r>
+            <a:r>
+              <a:rPr lang="en-US" dirty="0" err="1" smtClean="0"/>
+              <a:t>val</a:t>
+            </a:r>
+            <a:r>
+              <a:rPr lang="en-US" dirty="0" smtClean="0"/>
+              <a:t>;</a:t>
+            </a:r>
+          </a:p>
+          <a:p>
+            <a:pPr marL="342900" lvl="0" indent="-342900">
+              <a:lnSpc>
+                <a:spcPct val="90000"/>
+              </a:lnSpc>
+              <a:spcBef>
+                <a:spcPct val="20000"/>
+              </a:spcBef>
+              <a:defRPr/>
+            </a:pPr>
+            <a:r>
+              <a:rPr lang="en-US" dirty="0" smtClean="0">
+                <a:solidFill>
+                  <a:schemeClr val="tx1"/>
+                </a:solidFill>
+              </a:rPr>
+              <a:t>   </a:t>
+            </a:r>
+            <a:r>
+              <a:rPr lang="en-US" dirty="0" smtClean="0"/>
+              <a:t>void accept(Visitor </a:t>
+            </a:r>
+            <a:r>
+              <a:rPr lang="en-US" dirty="0" err="1" smtClean="0"/>
+              <a:t>vis</a:t>
+            </a:r>
+            <a:r>
+              <a:rPr lang="en-US" dirty="0" smtClean="0"/>
+              <a:t>) {  </a:t>
+            </a:r>
+            <a:r>
+              <a:rPr lang="en-US" dirty="0" err="1" smtClean="0"/>
+              <a:t>vis.visit</a:t>
+            </a:r>
+            <a:r>
+              <a:rPr lang="en-US" dirty="0" smtClean="0"/>
+              <a:t>(this);  }</a:t>
+            </a:r>
+          </a:p>
+          <a:p>
+            <a:pPr marL="342900" marR="0" lvl="0" indent="-342900" algn="l" defTabSz="914400" rtl="0" eaLnBrk="1" fontAlgn="auto" latinLnBrk="0" hangingPunct="1">
+              <a:lnSpc>
+                <a:spcPct val="90000"/>
+              </a:lnSpc>
+              <a:spcBef>
+                <a:spcPct val="20000"/>
+              </a:spcBef>
+              <a:spcAft>
+                <a:spcPts val="0"/>
+              </a:spcAft>
+              <a:buClrTx/>
+              <a:buSzTx/>
+              <a:buFontTx/>
+              <a:buNone/>
+              <a:tabLst/>
+              <a:defRPr/>
+            </a:pPr>
+            <a:r>
+              <a:rPr lang="en-US" dirty="0" smtClean="0"/>
+              <a:t> }</a:t>
+            </a:r>
+          </a:p>
+          <a:p>
+            <a:pPr marL="342900" marR="0" lvl="0" indent="-342900" algn="l" defTabSz="914400" rtl="0" eaLnBrk="1" fontAlgn="auto" latinLnBrk="0" hangingPunct="1">
+              <a:lnSpc>
+                <a:spcPct val="90000"/>
+              </a:lnSpc>
+              <a:spcBef>
+                <a:spcPct val="20000"/>
+              </a:spcBef>
+              <a:spcAft>
+                <a:spcPts val="0"/>
+              </a:spcAft>
+              <a:buClrTx/>
+              <a:buSzTx/>
+              <a:buFontTx/>
+              <a:buNone/>
+              <a:tabLst/>
+              <a:defRPr/>
+            </a:pPr>
+            <a:r>
+              <a:rPr lang="en-US" dirty="0" smtClean="0"/>
+              <a:t>class Operator {  char </a:t>
+            </a:r>
+            <a:r>
+              <a:rPr lang="en-US" dirty="0" err="1" smtClean="0"/>
+              <a:t>val</a:t>
+            </a:r>
+            <a:r>
+              <a:rPr lang="en-US" dirty="0" smtClean="0"/>
+              <a:t>;</a:t>
+            </a:r>
+          </a:p>
+          <a:p>
+            <a:pPr marL="342900" lvl="0" indent="-342900">
+              <a:lnSpc>
+                <a:spcPct val="90000"/>
+              </a:lnSpc>
+              <a:spcBef>
+                <a:spcPct val="20000"/>
+              </a:spcBef>
+              <a:defRPr/>
+            </a:pPr>
+            <a:r>
+              <a:rPr lang="en-US" dirty="0" smtClean="0">
+                <a:solidFill>
+                  <a:schemeClr val="tx1"/>
+                </a:solidFill>
+              </a:rPr>
+              <a:t> </a:t>
+            </a:r>
+            <a:r>
+              <a:rPr lang="en-US" dirty="0" smtClean="0"/>
+              <a:t>void accept(Visitor </a:t>
+            </a:r>
+            <a:r>
+              <a:rPr lang="en-US" dirty="0" err="1" smtClean="0"/>
+              <a:t>vis</a:t>
+            </a:r>
+            <a:r>
+              <a:rPr lang="en-US" dirty="0" smtClean="0"/>
+              <a:t>) { </a:t>
+            </a:r>
+            <a:r>
+              <a:rPr lang="en-US" dirty="0" err="1" smtClean="0"/>
+              <a:t>vis.visit</a:t>
+            </a:r>
+            <a:r>
+              <a:rPr lang="en-US" dirty="0" smtClean="0"/>
+              <a:t>(this); }</a:t>
+            </a:r>
+          </a:p>
+          <a:p>
+            <a:pPr marL="342900" lvl="0" indent="-342900">
+              <a:lnSpc>
+                <a:spcPct val="90000"/>
+              </a:lnSpc>
+              <a:spcBef>
+                <a:spcPct val="20000"/>
+              </a:spcBef>
+              <a:defRPr/>
+            </a:pPr>
+            <a:r>
+              <a:rPr lang="en-US" dirty="0" smtClean="0"/>
+              <a:t>}</a:t>
+            </a:r>
+          </a:p>
+        </p:txBody>
+      </p:sp>
+      <p:sp>
+        <p:nvSpPr>
+          <p:cNvPr id="6" name="Rectangle 3"/>
+          <p:cNvSpPr txBox="1">
+            <a:spLocks noChangeArrowheads="1"/>
+          </p:cNvSpPr>
+          <p:nvPr/>
+        </p:nvSpPr>
+        <p:spPr>
+          <a:xfrm>
+            <a:off x="5364088" y="1268760"/>
+            <a:ext cx="2995660" cy="1800200"/>
+          </a:xfrm>
+          <a:prstGeom prst="rect">
+            <a:avLst/>
+          </a:prstGeom>
+        </p:spPr>
+        <p:style>
+          <a:lnRef idx="2">
+            <a:schemeClr val="dk1"/>
+          </a:lnRef>
+          <a:fillRef idx="1">
+            <a:schemeClr val="lt1"/>
+          </a:fillRef>
+          <a:effectRef idx="0">
+            <a:schemeClr val="dk1"/>
+          </a:effectRef>
+          <a:fontRef idx="minor">
+            <a:schemeClr val="dk1"/>
+          </a:fontRef>
+        </p:style>
+        <p:txBody>
+          <a:bodyPr vert="horz" lIns="91440" tIns="45720" rIns="91440" bIns="45720" rtlCol="0">
+            <a:noAutofit/>
+          </a:bodyPr>
+          <a:lstStyle/>
+          <a:p>
+            <a:pPr marL="342900" marR="0" lvl="0" indent="-342900" algn="l" defTabSz="914400" rtl="0" eaLnBrk="1" fontAlgn="auto" latinLnBrk="0" hangingPunct="1">
+              <a:lnSpc>
+                <a:spcPct val="90000"/>
+              </a:lnSpc>
+              <a:spcBef>
+                <a:spcPct val="20000"/>
+              </a:spcBef>
+              <a:spcAft>
+                <a:spcPts val="0"/>
+              </a:spcAft>
+              <a:buClrTx/>
+              <a:buSzTx/>
+              <a:buFontTx/>
+              <a:buNone/>
+              <a:tabLst/>
+              <a:defRPr/>
+            </a:pPr>
+            <a:r>
+              <a:rPr kumimoji="0" lang="en-US" sz="2000" b="0" i="0" u="none" strike="noStrike" kern="1200" cap="none" spc="0" normalizeH="0" baseline="0" noProof="0" dirty="0" smtClean="0">
+                <a:ln>
+                  <a:noFill/>
+                </a:ln>
+                <a:solidFill>
+                  <a:schemeClr val="tx1"/>
+                </a:solidFill>
+                <a:effectLst/>
+                <a:uLnTx/>
+                <a:uFillTx/>
+                <a:latin typeface="+mn-lt"/>
+                <a:ea typeface="+mn-ea"/>
+                <a:cs typeface="+mn-cs"/>
+              </a:rPr>
+              <a:t>interface Visitor {</a:t>
+            </a:r>
+          </a:p>
+          <a:p>
+            <a:pPr marL="342900" marR="0" lvl="0" indent="-342900" algn="l" defTabSz="914400" rtl="0" eaLnBrk="1" fontAlgn="auto" latinLnBrk="0" hangingPunct="1">
+              <a:lnSpc>
+                <a:spcPct val="90000"/>
+              </a:lnSpc>
+              <a:spcBef>
+                <a:spcPct val="20000"/>
+              </a:spcBef>
+              <a:spcAft>
+                <a:spcPts val="0"/>
+              </a:spcAft>
+              <a:buClrTx/>
+              <a:buSzTx/>
+              <a:buFontTx/>
+              <a:buNone/>
+              <a:tabLst/>
+              <a:defRPr/>
+            </a:pPr>
+            <a:r>
+              <a:rPr lang="en-US" sz="2000" dirty="0" smtClean="0">
+                <a:solidFill>
+                  <a:schemeClr val="tx1"/>
+                </a:solidFill>
+              </a:rPr>
+              <a:t>  void visit(</a:t>
+            </a:r>
+            <a:r>
+              <a:rPr lang="en-US" sz="2000" dirty="0" err="1" smtClean="0">
+                <a:solidFill>
+                  <a:schemeClr val="tx1"/>
+                </a:solidFill>
+              </a:rPr>
+              <a:t>Expr</a:t>
+            </a:r>
+            <a:r>
+              <a:rPr lang="en-US" sz="2000" dirty="0" smtClean="0">
+                <a:solidFill>
+                  <a:schemeClr val="tx1"/>
+                </a:solidFill>
+              </a:rPr>
+              <a:t> p);</a:t>
+            </a:r>
+          </a:p>
+          <a:p>
+            <a:pPr marL="342900" marR="0" lvl="0" indent="-342900" algn="l" defTabSz="914400" rtl="0" eaLnBrk="1" fontAlgn="auto" latinLnBrk="0" hangingPunct="1">
+              <a:lnSpc>
+                <a:spcPct val="90000"/>
+              </a:lnSpc>
+              <a:spcBef>
+                <a:spcPct val="20000"/>
+              </a:spcBef>
+              <a:spcAft>
+                <a:spcPts val="0"/>
+              </a:spcAft>
+              <a:buClrTx/>
+              <a:buSzTx/>
+              <a:buFontTx/>
+              <a:buNone/>
+              <a:tabLst/>
+              <a:defRPr/>
+            </a:pPr>
+            <a:r>
+              <a:rPr kumimoji="0" lang="en-US" sz="2000" b="0" i="0" u="none" strike="noStrike" kern="1200" cap="none" spc="0" normalizeH="0" baseline="0" noProof="0" dirty="0" smtClean="0">
+                <a:ln>
+                  <a:noFill/>
+                </a:ln>
+                <a:solidFill>
+                  <a:schemeClr val="tx1"/>
+                </a:solidFill>
+                <a:effectLst/>
+                <a:uLnTx/>
+                <a:uFillTx/>
+                <a:latin typeface="+mn-lt"/>
+                <a:ea typeface="+mn-ea"/>
+                <a:cs typeface="+mn-cs"/>
+              </a:rPr>
+              <a:t>  void visit(</a:t>
+            </a:r>
+            <a:r>
+              <a:rPr kumimoji="0" lang="en-US" sz="2000" b="0" i="0" u="none" strike="noStrike" kern="1200" cap="none" spc="0" normalizeH="0" baseline="0" noProof="0" dirty="0" err="1" smtClean="0">
+                <a:ln>
+                  <a:noFill/>
+                </a:ln>
+                <a:solidFill>
+                  <a:schemeClr val="tx1"/>
+                </a:solidFill>
+                <a:effectLst/>
+                <a:uLnTx/>
+                <a:uFillTx/>
+                <a:latin typeface="+mn-lt"/>
+                <a:ea typeface="+mn-ea"/>
+                <a:cs typeface="+mn-cs"/>
+              </a:rPr>
+              <a:t>BinaryExpr</a:t>
+            </a:r>
+            <a:r>
+              <a:rPr kumimoji="0" lang="en-US" sz="2000" b="0" i="0" u="none" strike="noStrike" kern="1200" cap="none" spc="0" normalizeH="0" noProof="0" dirty="0" smtClean="0">
+                <a:ln>
+                  <a:noFill/>
+                </a:ln>
+                <a:solidFill>
+                  <a:schemeClr val="tx1"/>
+                </a:solidFill>
+                <a:effectLst/>
+                <a:uLnTx/>
+                <a:uFillTx/>
+                <a:latin typeface="+mn-lt"/>
+                <a:ea typeface="+mn-ea"/>
+                <a:cs typeface="+mn-cs"/>
+              </a:rPr>
+              <a:t> p</a:t>
+            </a:r>
+            <a:r>
+              <a:rPr kumimoji="0" lang="en-US" sz="2000" b="0" i="0" u="none" strike="noStrike" kern="1200" cap="none" spc="0" normalizeH="0" baseline="0" noProof="0" dirty="0" smtClean="0">
+                <a:ln>
+                  <a:noFill/>
+                </a:ln>
+                <a:solidFill>
+                  <a:schemeClr val="tx1"/>
+                </a:solidFill>
+                <a:effectLst/>
+                <a:uLnTx/>
+                <a:uFillTx/>
+                <a:latin typeface="+mn-lt"/>
+                <a:ea typeface="+mn-ea"/>
+                <a:cs typeface="+mn-cs"/>
+              </a:rPr>
+              <a:t>);</a:t>
+            </a:r>
+          </a:p>
+          <a:p>
+            <a:pPr marL="342900" marR="0" lvl="0" indent="-342900" algn="l" defTabSz="914400" rtl="0" eaLnBrk="1" fontAlgn="auto" latinLnBrk="0" hangingPunct="1">
+              <a:lnSpc>
+                <a:spcPct val="90000"/>
+              </a:lnSpc>
+              <a:spcBef>
+                <a:spcPct val="20000"/>
+              </a:spcBef>
+              <a:spcAft>
+                <a:spcPts val="0"/>
+              </a:spcAft>
+              <a:buClrTx/>
+              <a:buSzTx/>
+              <a:buFontTx/>
+              <a:buNone/>
+              <a:tabLst/>
+              <a:defRPr/>
+            </a:pPr>
+            <a:r>
+              <a:rPr lang="en-US" sz="2000" dirty="0" smtClean="0">
+                <a:solidFill>
+                  <a:schemeClr val="tx1"/>
+                </a:solidFill>
+              </a:rPr>
+              <a:t>  void visit(Digit p);</a:t>
+            </a:r>
+          </a:p>
+          <a:p>
+            <a:pPr marL="342900" marR="0" lvl="0" indent="-342900" algn="l" defTabSz="914400" rtl="0" eaLnBrk="1" fontAlgn="auto" latinLnBrk="0" hangingPunct="1">
+              <a:lnSpc>
+                <a:spcPct val="90000"/>
+              </a:lnSpc>
+              <a:spcBef>
+                <a:spcPct val="20000"/>
+              </a:spcBef>
+              <a:spcAft>
+                <a:spcPts val="0"/>
+              </a:spcAft>
+              <a:buClrTx/>
+              <a:buSzTx/>
+              <a:buFontTx/>
+              <a:buNone/>
+              <a:tabLst/>
+              <a:defRPr/>
+            </a:pPr>
+            <a:r>
+              <a:rPr kumimoji="0" lang="en-US" sz="2000" b="0" i="0" u="none" strike="noStrike" kern="1200" cap="none" spc="0" normalizeH="0" noProof="0" dirty="0" smtClean="0">
+                <a:ln>
+                  <a:noFill/>
+                </a:ln>
+                <a:solidFill>
+                  <a:schemeClr val="tx1"/>
+                </a:solidFill>
+                <a:effectLst/>
+                <a:uLnTx/>
+                <a:uFillTx/>
+                <a:latin typeface="+mn-lt"/>
+                <a:ea typeface="+mn-ea"/>
+                <a:cs typeface="+mn-cs"/>
+              </a:rPr>
+              <a:t>  void visit(Operator p</a:t>
+            </a:r>
+            <a:r>
+              <a:rPr kumimoji="0" lang="en-US" sz="2000" b="0" i="0" u="none" strike="noStrike" kern="1200" cap="none" spc="0" normalizeH="0" noProof="0" dirty="0" smtClean="0">
+                <a:ln>
+                  <a:noFill/>
+                </a:ln>
+                <a:solidFill>
+                  <a:schemeClr val="tx1"/>
+                </a:solidFill>
+                <a:effectLst/>
+                <a:uLnTx/>
+                <a:uFillTx/>
+                <a:latin typeface="+mn-lt"/>
+                <a:ea typeface="+mn-ea"/>
+                <a:cs typeface="+mn-cs"/>
+              </a:rPr>
+              <a:t>);</a:t>
+            </a:r>
+            <a:r>
+              <a:rPr lang="en-US" sz="2000" dirty="0">
+                <a:solidFill>
+                  <a:schemeClr val="tx1"/>
+                </a:solidFill>
+              </a:rPr>
+              <a:t> </a:t>
+            </a:r>
+            <a:r>
+              <a:rPr lang="en-US" sz="2000" dirty="0" smtClean="0">
+                <a:solidFill>
+                  <a:schemeClr val="tx1"/>
+                </a:solidFill>
+              </a:rPr>
+              <a:t>}</a:t>
+            </a:r>
+            <a:endParaRPr lang="en-US" sz="2000" dirty="0" smtClean="0"/>
+          </a:p>
+        </p:txBody>
+      </p:sp>
+      <p:sp>
+        <p:nvSpPr>
+          <p:cNvPr id="7" name="Rectangle 3"/>
+          <p:cNvSpPr txBox="1">
+            <a:spLocks noChangeArrowheads="1"/>
+          </p:cNvSpPr>
+          <p:nvPr/>
+        </p:nvSpPr>
+        <p:spPr>
+          <a:xfrm>
+            <a:off x="4306673" y="3284984"/>
+            <a:ext cx="4643470" cy="3414026"/>
+          </a:xfrm>
+          <a:prstGeom prst="rect">
+            <a:avLst/>
+          </a:prstGeom>
+        </p:spPr>
+        <p:style>
+          <a:lnRef idx="2">
+            <a:schemeClr val="dk1"/>
+          </a:lnRef>
+          <a:fillRef idx="1">
+            <a:schemeClr val="lt1"/>
+          </a:fillRef>
+          <a:effectRef idx="0">
+            <a:schemeClr val="dk1"/>
+          </a:effectRef>
+          <a:fontRef idx="minor">
+            <a:schemeClr val="dk1"/>
+          </a:fontRef>
+        </p:style>
+        <p:txBody>
+          <a:bodyPr vert="horz" lIns="91440" tIns="45720" rIns="91440" bIns="45720" rtlCol="0">
+            <a:noAutofit/>
+          </a:bodyPr>
+          <a:lstStyle/>
+          <a:p>
+            <a:pPr marL="342900" marR="0" lvl="0" indent="-342900" algn="l" defTabSz="914400" rtl="0" eaLnBrk="1" fontAlgn="auto" latinLnBrk="0" hangingPunct="1">
+              <a:lnSpc>
+                <a:spcPct val="90000"/>
+              </a:lnSpc>
+              <a:spcBef>
+                <a:spcPct val="20000"/>
+              </a:spcBef>
+              <a:spcAft>
+                <a:spcPts val="0"/>
+              </a:spcAft>
+              <a:buClrTx/>
+              <a:buSzTx/>
+              <a:buFontTx/>
+              <a:buNone/>
+              <a:tabLst/>
+              <a:defRPr/>
+            </a:pPr>
+            <a:r>
+              <a:rPr kumimoji="0" lang="en-US" sz="2000" b="0" i="0" u="none" strike="noStrike" kern="1200" cap="none" spc="0" normalizeH="0" baseline="0" noProof="0" dirty="0" smtClean="0">
+                <a:ln>
+                  <a:noFill/>
+                </a:ln>
+                <a:solidFill>
+                  <a:schemeClr val="tx1"/>
+                </a:solidFill>
+                <a:effectLst/>
+                <a:uLnTx/>
+                <a:uFillTx/>
+                <a:latin typeface="+mn-lt"/>
+                <a:ea typeface="+mn-ea"/>
+                <a:cs typeface="+mn-cs"/>
+              </a:rPr>
+              <a:t>class </a:t>
+            </a:r>
+            <a:r>
+              <a:rPr kumimoji="0" lang="en-US" sz="2000" b="0" i="0" u="none" strike="noStrike" kern="1200" cap="none" spc="0" normalizeH="0" baseline="0" noProof="0" dirty="0" err="1" smtClean="0">
+                <a:ln>
+                  <a:noFill/>
+                </a:ln>
+                <a:solidFill>
+                  <a:schemeClr val="tx1"/>
+                </a:solidFill>
+                <a:effectLst/>
+                <a:uLnTx/>
+                <a:uFillTx/>
+                <a:latin typeface="+mn-lt"/>
+                <a:ea typeface="+mn-ea"/>
+                <a:cs typeface="+mn-cs"/>
+              </a:rPr>
+              <a:t>PosFixPrinter</a:t>
+            </a:r>
+            <a:r>
+              <a:rPr kumimoji="0" lang="en-US" sz="2000" b="0" i="0" u="none" strike="noStrike" kern="1200" cap="none" spc="0" normalizeH="0" baseline="0" noProof="0" dirty="0" smtClean="0">
+                <a:ln>
+                  <a:noFill/>
+                </a:ln>
+                <a:solidFill>
+                  <a:schemeClr val="tx1"/>
+                </a:solidFill>
+                <a:effectLst/>
+                <a:uLnTx/>
+                <a:uFillTx/>
+                <a:latin typeface="+mn-lt"/>
+                <a:ea typeface="+mn-ea"/>
+                <a:cs typeface="+mn-cs"/>
+              </a:rPr>
+              <a:t> implements Visitor {</a:t>
+            </a:r>
+          </a:p>
+          <a:p>
+            <a:pPr marL="342900" marR="0" lvl="0" indent="-342900" algn="l" defTabSz="914400" rtl="0" eaLnBrk="1" fontAlgn="auto" latinLnBrk="0" hangingPunct="1">
+              <a:lnSpc>
+                <a:spcPct val="90000"/>
+              </a:lnSpc>
+              <a:spcBef>
+                <a:spcPct val="20000"/>
+              </a:spcBef>
+              <a:spcAft>
+                <a:spcPts val="0"/>
+              </a:spcAft>
+              <a:buClrTx/>
+              <a:buSzTx/>
+              <a:buFontTx/>
+              <a:buNone/>
+              <a:tabLst/>
+              <a:defRPr/>
+            </a:pPr>
+            <a:r>
+              <a:rPr lang="en-US" sz="2000" dirty="0" smtClean="0">
+                <a:solidFill>
+                  <a:schemeClr val="tx1"/>
+                </a:solidFill>
+              </a:rPr>
+              <a:t>  </a:t>
+            </a:r>
+            <a:r>
+              <a:rPr lang="en-US" sz="2000" dirty="0" err="1" smtClean="0">
+                <a:solidFill>
+                  <a:schemeClr val="tx1"/>
+                </a:solidFill>
+              </a:rPr>
+              <a:t>StringBuffer</a:t>
+            </a:r>
+            <a:r>
+              <a:rPr lang="en-US" sz="2000" dirty="0" smtClean="0">
+                <a:solidFill>
+                  <a:schemeClr val="tx1"/>
+                </a:solidFill>
+              </a:rPr>
+              <a:t> </a:t>
+            </a:r>
+            <a:r>
+              <a:rPr lang="en-US" sz="2000" dirty="0" err="1" smtClean="0">
+                <a:solidFill>
+                  <a:schemeClr val="tx1"/>
+                </a:solidFill>
+              </a:rPr>
+              <a:t>sb</a:t>
+            </a:r>
+            <a:r>
+              <a:rPr lang="en-US" sz="2000" dirty="0" smtClean="0">
+                <a:solidFill>
+                  <a:schemeClr val="tx1"/>
+                </a:solidFill>
+              </a:rPr>
+              <a:t> = new </a:t>
+            </a:r>
+            <a:r>
+              <a:rPr lang="en-US" sz="2000" dirty="0" err="1" smtClean="0">
+                <a:solidFill>
+                  <a:schemeClr val="tx1"/>
+                </a:solidFill>
+              </a:rPr>
+              <a:t>StringBuffer</a:t>
+            </a:r>
+            <a:r>
+              <a:rPr lang="en-US" sz="2000" dirty="0" smtClean="0">
+                <a:solidFill>
+                  <a:schemeClr val="tx1"/>
+                </a:solidFill>
+              </a:rPr>
+              <a:t>();</a:t>
+            </a:r>
+            <a:endParaRPr kumimoji="0" lang="en-US" sz="2000" b="0" i="0" u="none" strike="noStrike" kern="1200" cap="none" spc="0" normalizeH="0" baseline="0" noProof="0" dirty="0" smtClean="0">
+              <a:ln>
+                <a:noFill/>
+              </a:ln>
+              <a:solidFill>
+                <a:schemeClr val="tx1"/>
+              </a:solidFill>
+              <a:effectLst/>
+              <a:uLnTx/>
+              <a:uFillTx/>
+              <a:latin typeface="+mn-lt"/>
+              <a:ea typeface="+mn-ea"/>
+              <a:cs typeface="+mn-cs"/>
+            </a:endParaRPr>
+          </a:p>
+          <a:p>
+            <a:pPr marL="342900" marR="0" lvl="0" indent="-342900" algn="l" defTabSz="914400" rtl="0" eaLnBrk="1" fontAlgn="auto" latinLnBrk="0" hangingPunct="1">
+              <a:lnSpc>
+                <a:spcPct val="90000"/>
+              </a:lnSpc>
+              <a:spcBef>
+                <a:spcPct val="20000"/>
+              </a:spcBef>
+              <a:spcAft>
+                <a:spcPts val="0"/>
+              </a:spcAft>
+              <a:buClrTx/>
+              <a:buSzTx/>
+              <a:buFontTx/>
+              <a:buNone/>
+              <a:tabLst/>
+              <a:defRPr/>
+            </a:pPr>
+            <a:r>
+              <a:rPr lang="en-US" sz="2000" dirty="0" smtClean="0">
+                <a:solidFill>
+                  <a:schemeClr val="tx1"/>
+                </a:solidFill>
+              </a:rPr>
+              <a:t>  void visit(</a:t>
+            </a:r>
+            <a:r>
+              <a:rPr lang="en-US" sz="2000" dirty="0" err="1" smtClean="0">
+                <a:solidFill>
+                  <a:schemeClr val="tx1"/>
+                </a:solidFill>
+              </a:rPr>
+              <a:t>Expr</a:t>
+            </a:r>
+            <a:r>
+              <a:rPr lang="en-US" sz="2000" dirty="0" smtClean="0">
+                <a:solidFill>
+                  <a:schemeClr val="tx1"/>
+                </a:solidFill>
+              </a:rPr>
+              <a:t> p) {}</a:t>
+            </a:r>
+          </a:p>
+          <a:p>
+            <a:pPr marL="342900" marR="0" lvl="0" indent="-342900" algn="l" defTabSz="914400" rtl="0" eaLnBrk="1" fontAlgn="auto" latinLnBrk="0" hangingPunct="1">
+              <a:lnSpc>
+                <a:spcPct val="90000"/>
+              </a:lnSpc>
+              <a:spcBef>
+                <a:spcPct val="20000"/>
+              </a:spcBef>
+              <a:spcAft>
+                <a:spcPts val="0"/>
+              </a:spcAft>
+              <a:buClrTx/>
+              <a:buSzTx/>
+              <a:buFontTx/>
+              <a:buNone/>
+              <a:tabLst/>
+              <a:defRPr/>
+            </a:pPr>
+            <a:r>
+              <a:rPr kumimoji="0" lang="en-US" sz="2000" b="0" i="0" u="none" strike="noStrike" kern="1200" cap="none" spc="0" normalizeH="0" baseline="0" noProof="0" dirty="0" smtClean="0">
+                <a:ln>
+                  <a:noFill/>
+                </a:ln>
+                <a:solidFill>
+                  <a:schemeClr val="tx1"/>
+                </a:solidFill>
+                <a:effectLst/>
+                <a:uLnTx/>
+                <a:uFillTx/>
+                <a:latin typeface="+mn-lt"/>
+                <a:ea typeface="+mn-ea"/>
+                <a:cs typeface="+mn-cs"/>
+              </a:rPr>
+              <a:t>  void visit(</a:t>
+            </a:r>
+            <a:r>
+              <a:rPr kumimoji="0" lang="en-US" sz="2000" b="0" i="0" u="none" strike="noStrike" kern="1200" cap="none" spc="0" normalizeH="0" baseline="0" noProof="0" dirty="0" err="1" smtClean="0">
+                <a:ln>
+                  <a:noFill/>
+                </a:ln>
+                <a:solidFill>
+                  <a:schemeClr val="tx1"/>
+                </a:solidFill>
+                <a:effectLst/>
+                <a:uLnTx/>
+                <a:uFillTx/>
+                <a:latin typeface="+mn-lt"/>
+                <a:ea typeface="+mn-ea"/>
+                <a:cs typeface="+mn-cs"/>
+              </a:rPr>
+              <a:t>BinaryExpr</a:t>
+            </a:r>
+            <a:r>
+              <a:rPr kumimoji="0" lang="en-US" sz="2000" b="0" i="0" u="none" strike="noStrike" kern="1200" cap="none" spc="0" normalizeH="0" baseline="0" noProof="0" dirty="0" smtClean="0">
+                <a:ln>
+                  <a:noFill/>
+                </a:ln>
+                <a:solidFill>
+                  <a:schemeClr val="tx1"/>
+                </a:solidFill>
+                <a:effectLst/>
+                <a:uLnTx/>
+                <a:uFillTx/>
+                <a:latin typeface="+mn-lt"/>
+                <a:ea typeface="+mn-ea"/>
+                <a:cs typeface="+mn-cs"/>
+              </a:rPr>
+              <a:t> be)</a:t>
+            </a:r>
+            <a:r>
+              <a:rPr kumimoji="0" lang="en-US" sz="2000" b="0" i="0" u="none" strike="noStrike" kern="1200" cap="none" spc="0" normalizeH="0" noProof="0" dirty="0" smtClean="0">
+                <a:ln>
+                  <a:noFill/>
+                </a:ln>
+                <a:solidFill>
+                  <a:schemeClr val="tx1"/>
+                </a:solidFill>
+                <a:effectLst/>
+                <a:uLnTx/>
+                <a:uFillTx/>
+                <a:latin typeface="+mn-lt"/>
+                <a:ea typeface="+mn-ea"/>
+                <a:cs typeface="+mn-cs"/>
+              </a:rPr>
+              <a:t> {</a:t>
+            </a:r>
+          </a:p>
+          <a:p>
+            <a:pPr marL="342900" marR="0" lvl="0" indent="-342900" algn="l" defTabSz="914400" rtl="0" eaLnBrk="1" fontAlgn="auto" latinLnBrk="0" hangingPunct="1">
+              <a:lnSpc>
+                <a:spcPct val="90000"/>
+              </a:lnSpc>
+              <a:spcBef>
+                <a:spcPct val="20000"/>
+              </a:spcBef>
+              <a:spcAft>
+                <a:spcPts val="0"/>
+              </a:spcAft>
+              <a:buClrTx/>
+              <a:buSzTx/>
+              <a:buFontTx/>
+              <a:buNone/>
+              <a:tabLst/>
+              <a:defRPr/>
+            </a:pPr>
+            <a:r>
+              <a:rPr lang="en-US" sz="2000" dirty="0">
+                <a:solidFill>
+                  <a:schemeClr val="tx1"/>
+                </a:solidFill>
+              </a:rPr>
+              <a:t> </a:t>
+            </a:r>
+            <a:r>
+              <a:rPr lang="en-US" sz="2000" dirty="0" smtClean="0">
+                <a:solidFill>
+                  <a:schemeClr val="tx1"/>
+                </a:solidFill>
+              </a:rPr>
+              <a:t>   be.exp1.accept(this);</a:t>
+            </a:r>
+          </a:p>
+          <a:p>
+            <a:pPr marL="342900" lvl="0" indent="-342900">
+              <a:lnSpc>
+                <a:spcPct val="90000"/>
+              </a:lnSpc>
+              <a:spcBef>
+                <a:spcPct val="20000"/>
+              </a:spcBef>
+              <a:defRPr/>
+            </a:pPr>
+            <a:r>
+              <a:rPr lang="en-US" sz="2000" dirty="0" smtClean="0">
+                <a:solidFill>
+                  <a:schemeClr val="tx1"/>
+                </a:solidFill>
+              </a:rPr>
+              <a:t>    be.exp2.accept(this);</a:t>
+            </a:r>
+          </a:p>
+          <a:p>
+            <a:pPr marL="342900" lvl="0" indent="-342900">
+              <a:lnSpc>
+                <a:spcPct val="90000"/>
+              </a:lnSpc>
+              <a:spcBef>
+                <a:spcPct val="20000"/>
+              </a:spcBef>
+              <a:defRPr/>
+            </a:pPr>
+            <a:r>
+              <a:rPr lang="en-US" sz="2000" dirty="0" smtClean="0">
+                <a:solidFill>
+                  <a:schemeClr val="tx1"/>
+                </a:solidFill>
+              </a:rPr>
+              <a:t>    </a:t>
+            </a:r>
+            <a:r>
+              <a:rPr lang="en-US" sz="2000" dirty="0" err="1" smtClean="0">
+                <a:solidFill>
+                  <a:schemeClr val="tx1"/>
+                </a:solidFill>
+              </a:rPr>
+              <a:t>be.op.accept</a:t>
+            </a:r>
+            <a:r>
+              <a:rPr lang="en-US" sz="2000" dirty="0" smtClean="0">
+                <a:solidFill>
+                  <a:schemeClr val="tx1"/>
+                </a:solidFill>
+              </a:rPr>
+              <a:t>(this</a:t>
+            </a:r>
+            <a:r>
+              <a:rPr lang="en-US" sz="2000" dirty="0" smtClean="0">
+                <a:solidFill>
+                  <a:schemeClr val="tx1"/>
+                </a:solidFill>
+              </a:rPr>
+              <a:t>);  </a:t>
+            </a:r>
+            <a:r>
+              <a:rPr kumimoji="0" lang="en-US" sz="2000" b="0" i="0" u="none" strike="noStrike" kern="1200" cap="none" spc="0" normalizeH="0" noProof="0" dirty="0" smtClean="0">
+                <a:ln>
+                  <a:noFill/>
+                </a:ln>
+                <a:solidFill>
+                  <a:schemeClr val="tx1"/>
+                </a:solidFill>
+                <a:effectLst/>
+                <a:uLnTx/>
+                <a:uFillTx/>
+                <a:latin typeface="+mn-lt"/>
+                <a:ea typeface="+mn-ea"/>
+                <a:cs typeface="+mn-cs"/>
+              </a:rPr>
+              <a:t>}</a:t>
+            </a:r>
+            <a:endParaRPr kumimoji="0" lang="en-US" sz="2000" b="0" i="0" u="none" strike="noStrike" kern="1200" cap="none" spc="0" normalizeH="0" baseline="0" noProof="0" dirty="0" smtClean="0">
+              <a:ln>
+                <a:noFill/>
+              </a:ln>
+              <a:solidFill>
+                <a:schemeClr val="tx1"/>
+              </a:solidFill>
+              <a:effectLst/>
+              <a:uLnTx/>
+              <a:uFillTx/>
+              <a:latin typeface="+mn-lt"/>
+              <a:ea typeface="+mn-ea"/>
+              <a:cs typeface="+mn-cs"/>
+            </a:endParaRPr>
+          </a:p>
+          <a:p>
+            <a:pPr marL="342900" marR="0" lvl="0" indent="-342900" algn="l" defTabSz="914400" rtl="0" eaLnBrk="1" fontAlgn="auto" latinLnBrk="0" hangingPunct="1">
+              <a:lnSpc>
+                <a:spcPct val="90000"/>
+              </a:lnSpc>
+              <a:spcBef>
+                <a:spcPct val="20000"/>
+              </a:spcBef>
+              <a:spcAft>
+                <a:spcPts val="0"/>
+              </a:spcAft>
+              <a:buClrTx/>
+              <a:buSzTx/>
+              <a:buFontTx/>
+              <a:buNone/>
+              <a:tabLst/>
+              <a:defRPr/>
+            </a:pPr>
+            <a:r>
+              <a:rPr lang="en-US" sz="2000" dirty="0" smtClean="0">
+                <a:solidFill>
+                  <a:schemeClr val="tx1"/>
+                </a:solidFill>
+              </a:rPr>
+              <a:t>  void visit(Digit p){ </a:t>
+            </a:r>
+            <a:r>
+              <a:rPr lang="en-US" sz="2000" dirty="0" err="1" smtClean="0">
+                <a:solidFill>
+                  <a:schemeClr val="tx1"/>
+                </a:solidFill>
+              </a:rPr>
+              <a:t>sb.append</a:t>
+            </a:r>
+            <a:r>
+              <a:rPr lang="en-US" sz="2000" dirty="0" smtClean="0">
+                <a:solidFill>
+                  <a:schemeClr val="tx1"/>
+                </a:solidFill>
+              </a:rPr>
+              <a:t>(p.val); }</a:t>
+            </a:r>
+          </a:p>
+          <a:p>
+            <a:pPr marL="342900" marR="0" lvl="0" indent="-342900" algn="l" defTabSz="914400" rtl="0" eaLnBrk="1" fontAlgn="auto" latinLnBrk="0" hangingPunct="1">
+              <a:lnSpc>
+                <a:spcPct val="90000"/>
+              </a:lnSpc>
+              <a:spcBef>
+                <a:spcPct val="20000"/>
+              </a:spcBef>
+              <a:spcAft>
+                <a:spcPts val="0"/>
+              </a:spcAft>
+              <a:buClrTx/>
+              <a:buSzTx/>
+              <a:buFontTx/>
+              <a:buNone/>
+              <a:tabLst/>
+              <a:defRPr/>
+            </a:pPr>
+            <a:r>
+              <a:rPr kumimoji="0" lang="en-US" sz="2000" b="0" i="0" u="none" strike="noStrike" kern="1200" cap="none" spc="0" normalizeH="0" noProof="0" dirty="0" smtClean="0">
+                <a:ln>
+                  <a:noFill/>
+                </a:ln>
+                <a:solidFill>
+                  <a:schemeClr val="tx1"/>
+                </a:solidFill>
+                <a:effectLst/>
+                <a:uLnTx/>
+                <a:uFillTx/>
+                <a:latin typeface="+mn-lt"/>
+                <a:ea typeface="+mn-ea"/>
+                <a:cs typeface="+mn-cs"/>
+              </a:rPr>
+              <a:t>  void visit(Operator p) { </a:t>
+            </a:r>
+            <a:r>
+              <a:rPr kumimoji="0" lang="en-US" sz="2000" b="0" i="0" u="none" strike="noStrike" kern="1200" cap="none" spc="0" normalizeH="0" noProof="0" dirty="0" err="1" smtClean="0">
+                <a:ln>
+                  <a:noFill/>
+                </a:ln>
+                <a:solidFill>
+                  <a:schemeClr val="tx1"/>
+                </a:solidFill>
+                <a:effectLst/>
+                <a:uLnTx/>
+                <a:uFillTx/>
+                <a:latin typeface="+mn-lt"/>
+                <a:ea typeface="+mn-ea"/>
+                <a:cs typeface="+mn-cs"/>
+              </a:rPr>
+              <a:t>sb.append</a:t>
+            </a:r>
+            <a:r>
+              <a:rPr kumimoji="0" lang="en-US" sz="2000" b="0" i="0" u="none" strike="noStrike" kern="1200" cap="none" spc="0" normalizeH="0" noProof="0" dirty="0" smtClean="0">
+                <a:ln>
+                  <a:noFill/>
+                </a:ln>
+                <a:solidFill>
+                  <a:schemeClr val="tx1"/>
+                </a:solidFill>
+                <a:effectLst/>
+                <a:uLnTx/>
+                <a:uFillTx/>
+                <a:latin typeface="+mn-lt"/>
+                <a:ea typeface="+mn-ea"/>
+                <a:cs typeface="+mn-cs"/>
+              </a:rPr>
+              <a:t>(p.val); }</a:t>
+            </a:r>
+            <a:endParaRPr kumimoji="0" lang="en-US" sz="2000" b="0" i="0" u="none" strike="noStrike" kern="1200" cap="none" spc="0" normalizeH="0" baseline="0" noProof="0" dirty="0" smtClean="0">
+              <a:ln>
+                <a:noFill/>
+              </a:ln>
+              <a:solidFill>
+                <a:schemeClr val="tx1"/>
+              </a:solidFill>
+              <a:effectLst/>
+              <a:uLnTx/>
+              <a:uFillTx/>
+              <a:latin typeface="+mn-lt"/>
+              <a:ea typeface="+mn-ea"/>
+              <a:cs typeface="+mn-cs"/>
+            </a:endParaRPr>
+          </a:p>
+          <a:p>
+            <a:pPr marL="342900" marR="0" lvl="0" indent="-342900" algn="l" defTabSz="914400" rtl="0" eaLnBrk="1" fontAlgn="auto" latinLnBrk="0" hangingPunct="1">
+              <a:lnSpc>
+                <a:spcPct val="90000"/>
+              </a:lnSpc>
+              <a:spcBef>
+                <a:spcPct val="20000"/>
+              </a:spcBef>
+              <a:spcAft>
+                <a:spcPts val="0"/>
+              </a:spcAft>
+              <a:buClrTx/>
+              <a:buSzTx/>
+              <a:buFontTx/>
+              <a:buNone/>
+              <a:tabLst/>
+              <a:defRPr/>
+            </a:pPr>
+            <a:r>
+              <a:rPr lang="en-US" sz="2000" dirty="0" smtClean="0">
+                <a:solidFill>
+                  <a:schemeClr val="tx1"/>
+                </a:solidFill>
+              </a:rPr>
+              <a:t>}</a:t>
+            </a:r>
+            <a:endParaRPr lang="en-US" sz="2000" dirty="0" smtClean="0"/>
+          </a:p>
+        </p:txBody>
+      </p:sp>
+    </p:spTree>
+    <p:extLst>
+      <p:ext uri="{BB962C8B-B14F-4D97-AF65-F5344CB8AC3E}">
+        <p14:creationId xmlns:p14="http://schemas.microsoft.com/office/powerpoint/2010/main" val="4283298947"/>
       </p:ext>
     </p:extLst>
   </p:cSld>

--- a/slides-aulas/conceitos-basicos.pptx
+++ b/slides-aulas/conceitos-basicos.pptx
@@ -5,10 +5,10 @@
     <p:sldMasterId id="2147483684" r:id="rId1"/>
   </p:sldMasterIdLst>
   <p:notesMasterIdLst>
-    <p:notesMasterId r:id="rId66"/>
+    <p:notesMasterId r:id="rId67"/>
   </p:notesMasterIdLst>
   <p:handoutMasterIdLst>
-    <p:handoutMasterId r:id="rId67"/>
+    <p:handoutMasterId r:id="rId68"/>
   </p:handoutMasterIdLst>
   <p:sldIdLst>
     <p:sldId id="529" r:id="rId2"/>
@@ -64,17 +64,18 @@
     <p:sldId id="522" r:id="rId52"/>
     <p:sldId id="520" r:id="rId53"/>
     <p:sldId id="471" r:id="rId54"/>
-    <p:sldId id="472" r:id="rId55"/>
-    <p:sldId id="475" r:id="rId56"/>
-    <p:sldId id="477" r:id="rId57"/>
-    <p:sldId id="532" r:id="rId58"/>
-    <p:sldId id="478" r:id="rId59"/>
-    <p:sldId id="481" r:id="rId60"/>
-    <p:sldId id="496" r:id="rId61"/>
-    <p:sldId id="479" r:id="rId62"/>
-    <p:sldId id="482" r:id="rId63"/>
-    <p:sldId id="528" r:id="rId64"/>
-    <p:sldId id="533" r:id="rId65"/>
+    <p:sldId id="534" r:id="rId55"/>
+    <p:sldId id="472" r:id="rId56"/>
+    <p:sldId id="475" r:id="rId57"/>
+    <p:sldId id="477" r:id="rId58"/>
+    <p:sldId id="532" r:id="rId59"/>
+    <p:sldId id="478" r:id="rId60"/>
+    <p:sldId id="481" r:id="rId61"/>
+    <p:sldId id="496" r:id="rId62"/>
+    <p:sldId id="479" r:id="rId63"/>
+    <p:sldId id="482" r:id="rId64"/>
+    <p:sldId id="528" r:id="rId65"/>
+    <p:sldId id="533" r:id="rId66"/>
   </p:sldIdLst>
   <p:sldSz cx="9144000" cy="6858000" type="screen4x3"/>
   <p:notesSz cx="6743700" cy="9855200"/>
@@ -258,7 +259,7 @@
           <a:p>
             <a:fld id="{88E4DDD5-393D-4522-8D73-EB6946FE5A72}" type="datetimeFigureOut">
               <a:rPr lang="en-US" smtClean="0"/>
-              <a:t>3/19/2018</a:t>
+              <a:t>8/28/2018</a:t>
             </a:fld>
             <a:endParaRPr lang="en-US"/>
           </a:p>
@@ -424,7 +425,7 @@
             <a:fld id="{F42525A5-B25A-49AC-8F63-94028D46B0E3}" type="datetimeFigureOut">
               <a:rPr lang="pt-BR" smtClean="0"/>
               <a:pPr/>
-              <a:t>19/03/2018</a:t>
+              <a:t>28/08/2018</a:t>
             </a:fld>
             <a:endParaRPr lang="pt-BR"/>
           </a:p>
@@ -1484,7 +1485,7 @@
             <a:fld id="{421CBF7D-D235-4929-9373-909BBCE9BA6E}" type="slidenum">
               <a:rPr lang="pt-BR" smtClean="0"/>
               <a:pPr/>
-              <a:t>59</a:t>
+              <a:t>60</a:t>
             </a:fld>
             <a:endParaRPr lang="pt-BR"/>
           </a:p>
@@ -1566,7 +1567,7 @@
             <a:fld id="{421CBF7D-D235-4929-9373-909BBCE9BA6E}" type="slidenum">
               <a:rPr lang="pt-BR" smtClean="0"/>
               <a:pPr/>
-              <a:t>60</a:t>
+              <a:t>61</a:t>
             </a:fld>
             <a:endParaRPr lang="pt-BR"/>
           </a:p>
@@ -1762,7 +1763,7 @@
             <a:fld id="{2E700DB3-DBF0-4086-B675-117E7A9610B8}" type="datetimeFigureOut">
               <a:rPr lang="pt-BR" smtClean="0"/>
               <a:pPr/>
-              <a:t>19/03/2018</a:t>
+              <a:t>28/08/2018</a:t>
             </a:fld>
             <a:endParaRPr lang="pt-BR"/>
           </a:p>
@@ -1934,7 +1935,7 @@
             <a:fld id="{2E700DB3-DBF0-4086-B675-117E7A9610B8}" type="datetimeFigureOut">
               <a:rPr lang="pt-BR" smtClean="0"/>
               <a:pPr/>
-              <a:t>19/03/2018</a:t>
+              <a:t>28/08/2018</a:t>
             </a:fld>
             <a:endParaRPr lang="pt-BR"/>
           </a:p>
@@ -2123,7 +2124,7 @@
             <a:fld id="{2E700DB3-DBF0-4086-B675-117E7A9610B8}" type="datetimeFigureOut">
               <a:rPr lang="pt-BR" smtClean="0"/>
               <a:pPr/>
-              <a:t>19/03/2018</a:t>
+              <a:t>28/08/2018</a:t>
             </a:fld>
             <a:endParaRPr lang="pt-BR"/>
           </a:p>
@@ -2302,7 +2303,7 @@
             <a:fld id="{2E700DB3-DBF0-4086-B675-117E7A9610B8}" type="datetimeFigureOut">
               <a:rPr lang="pt-BR" smtClean="0"/>
               <a:pPr/>
-              <a:t>19/03/2018</a:t>
+              <a:t>28/08/2018</a:t>
             </a:fld>
             <a:endParaRPr lang="pt-BR"/>
           </a:p>
@@ -2550,7 +2551,7 @@
             <a:fld id="{2E700DB3-DBF0-4086-B675-117E7A9610B8}" type="datetimeFigureOut">
               <a:rPr lang="pt-BR" smtClean="0"/>
               <a:pPr/>
-              <a:t>19/03/2018</a:t>
+              <a:t>28/08/2018</a:t>
             </a:fld>
             <a:endParaRPr lang="pt-BR"/>
           </a:p>
@@ -2840,7 +2841,7 @@
             <a:fld id="{2E700DB3-DBF0-4086-B675-117E7A9610B8}" type="datetimeFigureOut">
               <a:rPr lang="pt-BR" smtClean="0"/>
               <a:pPr/>
-              <a:t>19/03/2018</a:t>
+              <a:t>28/08/2018</a:t>
             </a:fld>
             <a:endParaRPr lang="pt-BR"/>
           </a:p>
@@ -3264,7 +3265,7 @@
             <a:fld id="{2E700DB3-DBF0-4086-B675-117E7A9610B8}" type="datetimeFigureOut">
               <a:rPr lang="pt-BR" smtClean="0"/>
               <a:pPr/>
-              <a:t>19/03/2018</a:t>
+              <a:t>28/08/2018</a:t>
             </a:fld>
             <a:endParaRPr lang="pt-BR"/>
           </a:p>
@@ -3384,7 +3385,7 @@
             <a:fld id="{2E700DB3-DBF0-4086-B675-117E7A9610B8}" type="datetimeFigureOut">
               <a:rPr lang="pt-BR" smtClean="0"/>
               <a:pPr/>
-              <a:t>19/03/2018</a:t>
+              <a:t>28/08/2018</a:t>
             </a:fld>
             <a:endParaRPr lang="pt-BR"/>
           </a:p>
@@ -3488,7 +3489,7 @@
             <a:fld id="{2E700DB3-DBF0-4086-B675-117E7A9610B8}" type="datetimeFigureOut">
               <a:rPr lang="pt-BR" smtClean="0"/>
               <a:pPr/>
-              <a:t>19/03/2018</a:t>
+              <a:t>28/08/2018</a:t>
             </a:fld>
             <a:endParaRPr lang="pt-BR"/>
           </a:p>
@@ -3774,7 +3775,7 @@
             <a:fld id="{2E700DB3-DBF0-4086-B675-117E7A9610B8}" type="datetimeFigureOut">
               <a:rPr lang="pt-BR" smtClean="0"/>
               <a:pPr/>
-              <a:t>19/03/2018</a:t>
+              <a:t>28/08/2018</a:t>
             </a:fld>
             <a:endParaRPr lang="pt-BR"/>
           </a:p>
@@ -4036,7 +4037,7 @@
             <a:fld id="{2E700DB3-DBF0-4086-B675-117E7A9610B8}" type="datetimeFigureOut">
               <a:rPr lang="pt-BR" smtClean="0"/>
               <a:pPr/>
-              <a:t>19/03/2018</a:t>
+              <a:t>28/08/2018</a:t>
             </a:fld>
             <a:endParaRPr lang="pt-BR"/>
           </a:p>
@@ -4258,7 +4259,7 @@
             <a:fld id="{2E700DB3-DBF0-4086-B675-117E7A9610B8}" type="datetimeFigureOut">
               <a:rPr lang="pt-BR" smtClean="0"/>
               <a:pPr/>
-              <a:t>19/03/2018</a:t>
+              <a:t>28/08/2018</a:t>
             </a:fld>
             <a:endParaRPr lang="pt-BR"/>
           </a:p>
@@ -18437,20 +18438,8 @@
           <a:lstStyle/>
           <a:p>
             <a:r>
-              <a:rPr lang="en-US" dirty="0"/>
-              <a:t>Parser </a:t>
-            </a:r>
-            <a:r>
               <a:rPr lang="en-US" dirty="0" err="1" smtClean="0"/>
-              <a:t>Recursivo</a:t>
-            </a:r>
-            <a:r>
-              <a:rPr lang="en-US" dirty="0" smtClean="0"/>
-              <a:t> </a:t>
-            </a:r>
-            <a:r>
-              <a:rPr lang="en-US" dirty="0" err="1" smtClean="0"/>
-              <a:t>Descendente</a:t>
+              <a:t>Características</a:t>
             </a:r>
             <a:endParaRPr lang="pt-BR" dirty="0" smtClean="0"/>
           </a:p>
@@ -18469,7 +18458,7 @@
         <p:spPr>
           <a:xfrm>
             <a:off x="457200" y="1600200"/>
-            <a:ext cx="8363272" cy="4525963"/>
+            <a:ext cx="8507288" cy="4525963"/>
           </a:xfrm>
         </p:spPr>
         <p:txBody>
@@ -18480,56 +18469,87 @@
           <a:p>
             <a:r>
               <a:rPr lang="pt-BR" dirty="0" smtClean="0"/>
-              <a:t>Características</a:t>
-            </a:r>
-          </a:p>
-          <a:p>
-            <a:pPr lvl="1"/>
+              <a:t>Preditivo—Não há dúvida qual produção aplicar</a:t>
+            </a:r>
+          </a:p>
+          <a:p>
+            <a:r>
+              <a:rPr lang="pt-BR" dirty="0" smtClean="0"/>
+              <a:t>Recursivo—Usa funções recursivas para </a:t>
+            </a:r>
+            <a:r>
+              <a:rPr lang="pt-BR" dirty="0" err="1" smtClean="0"/>
+              <a:t>parsing</a:t>
+            </a:r>
+            <a:endParaRPr lang="pt-BR" dirty="0" smtClean="0"/>
+          </a:p>
+          <a:p>
+            <a:r>
+              <a:rPr lang="pt-BR" dirty="0" smtClean="0"/>
+              <a:t>Descendente—</a:t>
+            </a:r>
             <a:r>
               <a:rPr lang="pt-BR" dirty="0" err="1" smtClean="0"/>
               <a:t>Parser</a:t>
             </a:r>
             <a:r>
               <a:rPr lang="pt-BR" dirty="0" smtClean="0"/>
-              <a:t> top-</a:t>
+              <a:t> é top-</a:t>
             </a:r>
             <a:r>
               <a:rPr lang="pt-BR" dirty="0" err="1" smtClean="0"/>
               <a:t>down</a:t>
             </a:r>
-            <a:r>
-              <a:rPr lang="pt-BR" dirty="0" smtClean="0"/>
-              <a:t> e preditivo</a:t>
-            </a:r>
-          </a:p>
-          <a:p>
-            <a:pPr lvl="2"/>
-            <a:r>
-              <a:rPr lang="pt-BR" dirty="0" smtClean="0"/>
+            <a:endParaRPr lang="pt-BR" dirty="0"/>
+          </a:p>
+        </p:txBody>
+      </p:sp>
+      <p:sp>
+        <p:nvSpPr>
+          <p:cNvPr id="4" name="Rectangle 3"/>
+          <p:cNvSpPr/>
+          <p:nvPr/>
+        </p:nvSpPr>
+        <p:spPr>
+          <a:xfrm>
+            <a:off x="1043608" y="4221088"/>
+            <a:ext cx="7128792" cy="1077218"/>
+          </a:xfrm>
+          <a:prstGeom prst="rect">
+            <a:avLst/>
+          </a:prstGeom>
+        </p:spPr>
+        <p:style>
+          <a:lnRef idx="2">
+            <a:schemeClr val="dk1"/>
+          </a:lnRef>
+          <a:fillRef idx="1">
+            <a:schemeClr val="lt1"/>
+          </a:fillRef>
+          <a:effectRef idx="0">
+            <a:schemeClr val="dk1"/>
+          </a:effectRef>
+          <a:fontRef idx="minor">
+            <a:schemeClr val="dk1"/>
+          </a:fontRef>
+        </p:style>
+        <p:txBody>
+          <a:bodyPr wrap="square">
+            <a:spAutoFit/>
+          </a:bodyPr>
+          <a:lstStyle/>
+          <a:p>
+            <a:pPr algn="ctr"/>
+            <a:r>
+              <a:rPr lang="pt-BR" sz="3200" dirty="0" smtClean="0"/>
               <a:t>Simples de se implementar</a:t>
             </a:r>
-            <a:r>
-              <a:rPr lang="pt-BR" dirty="0"/>
-              <a:t> </a:t>
-            </a:r>
-            <a:r>
-              <a:rPr lang="pt-BR" dirty="0" smtClean="0"/>
-              <a:t>(intuitivo)</a:t>
-            </a:r>
-          </a:p>
-          <a:p>
-            <a:pPr lvl="2"/>
-            <a:r>
-              <a:rPr lang="pt-BR" dirty="0" smtClean="0"/>
-              <a:t>Não </a:t>
-            </a:r>
-            <a:r>
-              <a:rPr lang="pt-BR" dirty="0"/>
-              <a:t>funcionam para qualquer </a:t>
-            </a:r>
-            <a:r>
-              <a:rPr lang="pt-BR" dirty="0" smtClean="0"/>
-              <a:t>gramática!</a:t>
+          </a:p>
+          <a:p>
+            <a:pPr algn="ctr"/>
+            <a:r>
+              <a:rPr lang="pt-BR" sz="3200" dirty="0" smtClean="0"/>
+              <a:t>Não funcionam para qualquer gramática</a:t>
             </a:r>
           </a:p>
         </p:txBody>
@@ -18582,20 +18602,8 @@
           <a:lstStyle/>
           <a:p>
             <a:r>
-              <a:rPr lang="en-US" dirty="0"/>
-              <a:t>Parser </a:t>
-            </a:r>
-            <a:r>
               <a:rPr lang="en-US" dirty="0" err="1" smtClean="0"/>
-              <a:t>Recursivo</a:t>
-            </a:r>
-            <a:r>
-              <a:rPr lang="en-US" dirty="0" smtClean="0"/>
-              <a:t> </a:t>
-            </a:r>
-            <a:r>
-              <a:rPr lang="en-US" dirty="0" err="1" smtClean="0"/>
-              <a:t>Descendente</a:t>
+              <a:t>Abordagem</a:t>
             </a:r>
             <a:endParaRPr lang="pt-BR" dirty="0" smtClean="0"/>
           </a:p>
@@ -18613,8 +18621,8 @@
         </p:nvSpPr>
         <p:spPr>
           <a:xfrm>
-            <a:off x="457200" y="1600200"/>
-            <a:ext cx="8686800" cy="4525963"/>
+            <a:off x="179512" y="1711349"/>
+            <a:ext cx="9155360" cy="4525963"/>
           </a:xfrm>
         </p:spPr>
         <p:txBody>
@@ -18625,25 +18633,16 @@
           <a:p>
             <a:r>
               <a:rPr lang="pt-BR" dirty="0" smtClean="0"/>
-              <a:t>Abordagem</a:t>
-            </a:r>
-          </a:p>
-          <a:p>
-            <a:pPr lvl="1"/>
-            <a:r>
-              <a:rPr lang="pt-BR" dirty="0" smtClean="0"/>
               <a:t>Um procedimento para cada símbolo não-terminal</a:t>
             </a:r>
           </a:p>
           <a:p>
-            <a:pPr lvl="1"/>
             <a:r>
               <a:rPr lang="pt-BR" dirty="0" smtClean="0"/>
               <a:t>Recursão reflete recursão da gramática</a:t>
             </a:r>
           </a:p>
           <a:p>
-            <a:pPr lvl="1"/>
             <a:r>
               <a:rPr lang="pt-BR" dirty="0" smtClean="0"/>
               <a:t>Símbolos </a:t>
@@ -22699,7 +22698,31 @@
             </a:r>
             <a:r>
               <a:rPr lang="pt-BR" dirty="0" smtClean="0"/>
-              <a:t>() para tratar produção </a:t>
+              <a:t> para chamar </a:t>
+            </a:r>
+            <a:r>
+              <a:rPr lang="pt-BR" dirty="0" err="1" smtClean="0"/>
+              <a:t>expr</a:t>
+            </a:r>
+            <a:r>
+              <a:rPr lang="pt-BR" dirty="0"/>
+              <a:t> </a:t>
+            </a:r>
+            <a:r>
+              <a:rPr lang="pt-BR" dirty="0" smtClean="0"/>
+              <a:t>diretamente ao invés de </a:t>
+            </a:r>
+            <a:r>
+              <a:rPr lang="pt-BR" dirty="0" err="1" smtClean="0"/>
+              <a:t>optexpr</a:t>
+            </a:r>
+            <a:r>
+              <a:rPr lang="pt-BR" dirty="0"/>
+              <a:t> </a:t>
+            </a:r>
+            <a:r>
+              <a:rPr lang="pt-BR" dirty="0" smtClean="0"/>
+              <a:t>(resolvendo, assim, a produção com </a:t>
             </a:r>
             <a:r>
               <a:rPr lang="pt-BR" dirty="0" err="1" smtClean="0"/>
@@ -22707,7 +22730,7 @@
             </a:r>
             <a:r>
               <a:rPr lang="pt-BR" dirty="0" smtClean="0"/>
-              <a:t> abaixo</a:t>
+              <a:t>).</a:t>
             </a:r>
             <a:endParaRPr lang="pt-BR" dirty="0"/>
           </a:p>
@@ -22723,7 +22746,7 @@
         </p:nvSpPr>
         <p:spPr>
           <a:xfrm>
-            <a:off x="2571736" y="3071810"/>
+            <a:off x="2562625" y="4221088"/>
             <a:ext cx="3357586" cy="642942"/>
           </a:xfrm>
           <a:prstGeom prst="rect">
@@ -22984,8 +23007,8 @@
         </p:nvSpPr>
         <p:spPr>
           <a:xfrm>
-            <a:off x="642910" y="1571612"/>
-            <a:ext cx="8072494" cy="4114800"/>
+            <a:off x="179512" y="1571612"/>
+            <a:ext cx="8535892" cy="4114800"/>
           </a:xfrm>
         </p:spPr>
         <p:txBody>
@@ -23094,7 +23117,7 @@
               <a:t> != TO_SEMI_COL) </a:t>
             </a:r>
             <a:r>
-              <a:rPr lang="en-US" sz="2000" dirty="0" err="1" smtClean="0"/>
+              <a:rPr lang="en-US" sz="2000" b="1" dirty="0" err="1" smtClean="0"/>
               <a:t>expr</a:t>
             </a:r>
             <a:r>
@@ -23122,7 +23145,7 @@
               <a:t> != TO_SEMI_COL) </a:t>
             </a:r>
             <a:r>
-              <a:rPr lang="en-US" sz="2000" dirty="0" err="1" smtClean="0"/>
+              <a:rPr lang="en-US" sz="2000" b="1" dirty="0" err="1" smtClean="0"/>
               <a:t>expr</a:t>
             </a:r>
             <a:r>
@@ -23150,7 +23173,7 @@
               <a:t> != TO_CL) </a:t>
             </a:r>
             <a:r>
-              <a:rPr lang="en-US" sz="2000" dirty="0" err="1" smtClean="0"/>
+              <a:rPr lang="en-US" sz="2000" b="1" dirty="0" err="1" smtClean="0"/>
               <a:t>expr</a:t>
             </a:r>
             <a:r>
@@ -29393,7 +29416,7 @@
         <p:spPr>
           <a:xfrm>
             <a:off x="457200" y="1600200"/>
-            <a:ext cx="8363272" cy="4525963"/>
+            <a:ext cx="8686800" cy="4525963"/>
           </a:xfrm>
         </p:spPr>
         <p:txBody>
@@ -29403,34 +29426,7 @@
             <a:pPr eaLnBrk="1" hangingPunct="1"/>
             <a:r>
               <a:rPr lang="pt-BR" dirty="0" smtClean="0"/>
-              <a:t>É preciso definir tipos para nós da árvore</a:t>
-            </a:r>
-          </a:p>
-          <a:p>
-            <a:pPr lvl="1"/>
-            <a:r>
-              <a:rPr lang="pt-BR" dirty="0" smtClean="0"/>
-              <a:t>E.g., classes para </a:t>
-            </a:r>
-            <a:r>
-              <a:rPr lang="pt-BR" i="1" dirty="0" err="1" smtClean="0"/>
-              <a:t>expr</a:t>
-            </a:r>
-            <a:r>
-              <a:rPr lang="pt-BR" dirty="0" smtClean="0"/>
-              <a:t> e </a:t>
-            </a:r>
-            <a:r>
-              <a:rPr lang="pt-BR" i="1" dirty="0" err="1" smtClean="0"/>
-              <a:t>stmt</a:t>
-            </a:r>
-            <a:r>
-              <a:rPr lang="pt-BR" i="1" dirty="0" smtClean="0"/>
-              <a:t> </a:t>
-            </a:r>
-            <a:r>
-              <a:rPr lang="pt-BR" dirty="0" smtClean="0"/>
-              <a:t>no exemplo anterior</a:t>
+              <a:t>É preciso definir tipos de dados para construir árvore sintática</a:t>
             </a:r>
           </a:p>
           <a:p>
@@ -29445,40 +29441,37 @@
             </a:r>
           </a:p>
           <a:p>
-            <a:r>
-              <a:rPr lang="pt-BR" dirty="0" smtClean="0"/>
-              <a:t>Árvore </a:t>
-            </a:r>
-            <a:r>
-              <a:rPr lang="pt-BR" b="1" dirty="0" smtClean="0"/>
-              <a:t>abstrata</a:t>
-            </a:r>
-            <a:r>
-              <a:rPr lang="pt-BR" dirty="0" smtClean="0"/>
-              <a:t> vs. </a:t>
-            </a:r>
-            <a:r>
-              <a:rPr lang="pt-BR" b="1" dirty="0" smtClean="0"/>
-              <a:t>concreta</a:t>
-            </a:r>
-          </a:p>
-          <a:p>
-            <a:pPr lvl="1"/>
-            <a:r>
-              <a:rPr lang="pt-BR" dirty="0" smtClean="0">
-                <a:sym typeface="Wingdings" pitchFamily="-111" charset="2"/>
-              </a:rPr>
-              <a:t>Abstrata ignora distinções superficiais ou implícitas</a:t>
-            </a:r>
-          </a:p>
-          <a:p>
-            <a:pPr lvl="2"/>
-            <a:r>
-              <a:rPr lang="pt-BR" dirty="0" smtClean="0">
-                <a:sym typeface="Wingdings" pitchFamily="-111" charset="2"/>
-              </a:rPr>
-              <a:t>E.g., parênteses, ponto-e-vírgula, etc.</a:t>
-            </a:r>
+            <a:pPr marL="342900" lvl="1" indent="-342900">
+              <a:buFont typeface="Arial" panose="020B0604020202020204" pitchFamily="34" charset="0"/>
+              <a:buChar char="•"/>
+            </a:pPr>
+            <a:r>
+              <a:rPr lang="pt-BR" dirty="0"/>
+              <a:t>E.g., classes para </a:t>
+            </a:r>
+            <a:r>
+              <a:rPr lang="pt-BR" i="1" dirty="0" err="1"/>
+              <a:t>expr</a:t>
+            </a:r>
+            <a:r>
+              <a:rPr lang="pt-BR" dirty="0"/>
+              <a:t> e </a:t>
+            </a:r>
+            <a:r>
+              <a:rPr lang="pt-BR" i="1" dirty="0" err="1"/>
+              <a:t>stmt</a:t>
+            </a:r>
+            <a:r>
+              <a:rPr lang="pt-BR" i="1" dirty="0"/>
+              <a:t> </a:t>
+            </a:r>
+            <a:r>
+              <a:rPr lang="pt-BR" dirty="0"/>
+              <a:t>no exemplo anterior</a:t>
+            </a:r>
+          </a:p>
+          <a:p>
+            <a:endParaRPr lang="pt-BR" dirty="0" smtClean="0"/>
           </a:p>
           <a:p>
             <a:pPr lvl="1"/>
@@ -29502,6 +29495,126 @@
 </file>
 
 <file path=ppt/slides/slide54.xml><?xml version="1.0" encoding="utf-8"?>
+<p:sld xmlns:a="http://schemas.openxmlformats.org/drawingml/2006/main" xmlns:r="http://schemas.openxmlformats.org/officeDocument/2006/relationships" xmlns:p="http://schemas.openxmlformats.org/presentationml/2006/main">
+  <p:cSld>
+    <p:spTree>
+      <p:nvGrpSpPr>
+        <p:cNvPr id="1" name=""/>
+        <p:cNvGrpSpPr/>
+        <p:nvPr/>
+      </p:nvGrpSpPr>
+      <p:grpSpPr>
+        <a:xfrm>
+          <a:off x="0" y="0"/>
+          <a:ext cx="0" cy="0"/>
+          <a:chOff x="0" y="0"/>
+          <a:chExt cx="0" cy="0"/>
+        </a:xfrm>
+      </p:grpSpPr>
+      <p:sp>
+        <p:nvSpPr>
+          <p:cNvPr id="2" name="Título 1"/>
+          <p:cNvSpPr>
+            <a:spLocks noGrp="1"/>
+          </p:cNvSpPr>
+          <p:nvPr>
+            <p:ph type="title"/>
+          </p:nvPr>
+        </p:nvSpPr>
+        <p:spPr/>
+        <p:txBody>
+          <a:bodyPr>
+            <a:normAutofit/>
+          </a:bodyPr>
+          <a:lstStyle/>
+          <a:p>
+            <a:r>
+              <a:rPr lang="pt-BR" dirty="0"/>
+              <a:t>Árvore </a:t>
+            </a:r>
+            <a:r>
+              <a:rPr lang="pt-BR" dirty="0" smtClean="0"/>
+              <a:t>Abstrata (AST)</a:t>
+            </a:r>
+            <a:endParaRPr lang="pt-BR" dirty="0"/>
+          </a:p>
+        </p:txBody>
+      </p:sp>
+      <p:sp>
+        <p:nvSpPr>
+          <p:cNvPr id="3" name="Espaço Reservado para Conteúdo 2"/>
+          <p:cNvSpPr>
+            <a:spLocks noGrp="1"/>
+          </p:cNvSpPr>
+          <p:nvPr>
+            <p:ph idx="1"/>
+          </p:nvPr>
+        </p:nvSpPr>
+        <p:spPr/>
+        <p:txBody>
+          <a:bodyPr/>
+          <a:lstStyle/>
+          <a:p>
+            <a:r>
+              <a:rPr lang="pt-BR" dirty="0" smtClean="0">
+                <a:sym typeface="Wingdings" pitchFamily="-111" charset="2"/>
+              </a:rPr>
+              <a:t>AST ignora símbolos irrelevantes após </a:t>
+            </a:r>
+            <a:r>
+              <a:rPr lang="pt-BR" dirty="0" err="1" smtClean="0">
+                <a:sym typeface="Wingdings" pitchFamily="-111" charset="2"/>
+              </a:rPr>
+              <a:t>parsing</a:t>
+            </a:r>
+            <a:endParaRPr lang="pt-BR" dirty="0" smtClean="0">
+              <a:sym typeface="Wingdings" pitchFamily="-111" charset="2"/>
+            </a:endParaRPr>
+          </a:p>
+          <a:p>
+            <a:pPr lvl="1"/>
+            <a:r>
+              <a:rPr lang="pt-BR" dirty="0" smtClean="0">
+                <a:sym typeface="Wingdings" pitchFamily="-111" charset="2"/>
+              </a:rPr>
+              <a:t>E.g., parênteses, ponto-e-vírgula, etc.</a:t>
+            </a:r>
+          </a:p>
+          <a:p>
+            <a:r>
+              <a:rPr lang="pt-BR" dirty="0" smtClean="0"/>
+              <a:t>Árvore concreta (não abstrata) é usada para ilustração, apenas</a:t>
+            </a:r>
+            <a:endParaRPr lang="pt-BR" dirty="0" smtClean="0">
+              <a:sym typeface="Wingdings" pitchFamily="-111" charset="2"/>
+            </a:endParaRPr>
+          </a:p>
+          <a:p>
+            <a:endParaRPr lang="pt-BR" dirty="0"/>
+          </a:p>
+        </p:txBody>
+      </p:sp>
+    </p:spTree>
+    <p:extLst>
+      <p:ext uri="{BB962C8B-B14F-4D97-AF65-F5344CB8AC3E}">
+        <p14:creationId xmlns:p14="http://schemas.microsoft.com/office/powerpoint/2010/main" val="1317064740"/>
+      </p:ext>
+    </p:extLst>
+  </p:cSld>
+  <p:clrMapOvr>
+    <a:masterClrMapping/>
+  </p:clrMapOvr>
+  <p:timing>
+    <p:tnLst>
+      <p:par>
+        <p:cTn id="1" dur="indefinite" restart="never" nodeType="tmRoot"/>
+      </p:par>
+    </p:tnLst>
+  </p:timing>
+</p:sld>
+</file>
+
+<file path=ppt/slides/slide55.xml><?xml version="1.0" encoding="utf-8"?>
 <p:sld xmlns:a="http://schemas.openxmlformats.org/drawingml/2006/main" xmlns:r="http://schemas.openxmlformats.org/officeDocument/2006/relationships" xmlns:p="http://schemas.openxmlformats.org/presentationml/2006/main">
   <p:cSld>
     <p:spTree>
@@ -30550,7 +30663,7 @@
 </p:sld>
 </file>
 
-<file path=ppt/slides/slide55.xml><?xml version="1.0" encoding="utf-8"?>
+<file path=ppt/slides/slide56.xml><?xml version="1.0" encoding="utf-8"?>
 <p:sld xmlns:a="http://schemas.openxmlformats.org/drawingml/2006/main" xmlns:r="http://schemas.openxmlformats.org/officeDocument/2006/relationships" xmlns:p="http://schemas.openxmlformats.org/presentationml/2006/main">
   <p:cSld>
     <p:spTree>
@@ -31623,91 +31736,6 @@
 </p:sld>
 </file>
 
-<file path=ppt/slides/slide56.xml><?xml version="1.0" encoding="utf-8"?>
-<p:sld xmlns:a="http://schemas.openxmlformats.org/drawingml/2006/main" xmlns:r="http://schemas.openxmlformats.org/officeDocument/2006/relationships" xmlns:p="http://schemas.openxmlformats.org/presentationml/2006/main">
-  <p:cSld>
-    <p:spTree>
-      <p:nvGrpSpPr>
-        <p:cNvPr id="1" name=""/>
-        <p:cNvGrpSpPr/>
-        <p:nvPr/>
-      </p:nvGrpSpPr>
-      <p:grpSpPr>
-        <a:xfrm>
-          <a:off x="0" y="0"/>
-          <a:ext cx="0" cy="0"/>
-          <a:chOff x="0" y="0"/>
-          <a:chExt cx="0" cy="0"/>
-        </a:xfrm>
-      </p:grpSpPr>
-      <p:sp>
-        <p:nvSpPr>
-          <p:cNvPr id="2" name="Title 1"/>
-          <p:cNvSpPr>
-            <a:spLocks noGrp="1"/>
-          </p:cNvSpPr>
-          <p:nvPr>
-            <p:ph type="title"/>
-          </p:nvPr>
-        </p:nvSpPr>
-        <p:spPr/>
-        <p:txBody>
-          <a:bodyPr/>
-          <a:lstStyle/>
-          <a:p>
-            <a:r>
-              <a:rPr lang="pt-BR" dirty="0" smtClean="0"/>
-              <a:t>Exercício 7</a:t>
-            </a:r>
-            <a:endParaRPr lang="pt-BR" dirty="0"/>
-          </a:p>
-        </p:txBody>
-      </p:sp>
-      <p:sp>
-        <p:nvSpPr>
-          <p:cNvPr id="3" name="Content Placeholder 2"/>
-          <p:cNvSpPr>
-            <a:spLocks noGrp="1"/>
-          </p:cNvSpPr>
-          <p:nvPr>
-            <p:ph idx="1"/>
-          </p:nvPr>
-        </p:nvSpPr>
-        <p:spPr>
-          <a:xfrm>
-            <a:off x="457200" y="1600201"/>
-            <a:ext cx="8229600" cy="1540768"/>
-          </a:xfrm>
-        </p:spPr>
-        <p:txBody>
-          <a:bodyPr>
-            <a:normAutofit/>
-          </a:bodyPr>
-          <a:lstStyle/>
-          <a:p>
-            <a:r>
-              <a:rPr lang="pt-BR" dirty="0" smtClean="0"/>
-              <a:t>Elabore (manualmente) a árvore abstrata e a árvore concreta para a expressão ( 5 + 3 ) * 2</a:t>
-            </a:r>
-            <a:endParaRPr lang="pt-BR" dirty="0"/>
-          </a:p>
-        </p:txBody>
-      </p:sp>
-    </p:spTree>
-  </p:cSld>
-  <p:clrMapOvr>
-    <a:masterClrMapping/>
-  </p:clrMapOvr>
-  <p:timing>
-    <p:tnLst>
-      <p:par>
-        <p:cTn id="1" dur="indefinite" restart="never" nodeType="tmRoot"/>
-      </p:par>
-    </p:tnLst>
-  </p:timing>
-</p:sld>
-</file>
-
 <file path=ppt/slides/slide57.xml><?xml version="1.0" encoding="utf-8"?>
 <p:sld xmlns:a="http://schemas.openxmlformats.org/drawingml/2006/main" xmlns:r="http://schemas.openxmlformats.org/officeDocument/2006/relationships" xmlns:p="http://schemas.openxmlformats.org/presentationml/2006/main">
   <p:cSld>
@@ -31766,238 +31794,757 @@
         </p:spPr>
         <p:txBody>
           <a:bodyPr>
-            <a:normAutofit/>
+            <a:normAutofit lnSpcReduction="10000"/>
           </a:bodyPr>
           <a:lstStyle/>
           <a:p>
             <a:r>
               <a:rPr lang="pt-BR" dirty="0" smtClean="0"/>
-              <a:t>Elabore (manualmente) a árvore abstrata e a árvore concreta para a expressão ( 5 + 3 ) * 2</a:t>
+              <a:t>Construa a árvore </a:t>
+            </a:r>
+            <a:r>
+              <a:rPr lang="pt-BR" dirty="0"/>
+              <a:t>abstrata </a:t>
+            </a:r>
+            <a:r>
+              <a:rPr lang="pt-BR" dirty="0" smtClean="0"/>
+              <a:t>para </a:t>
+            </a:r>
+            <a:r>
+              <a:rPr lang="pt-BR" dirty="0"/>
+              <a:t>a expressão </a:t>
+            </a:r>
+            <a:r>
+              <a:rPr lang="pt-BR" dirty="0" smtClean="0"/>
+              <a:t>(5+3)*2 usando as estruturas de dados apresentadas anteriormente</a:t>
             </a:r>
             <a:endParaRPr lang="pt-BR" dirty="0"/>
           </a:p>
         </p:txBody>
       </p:sp>
-      <p:sp>
-        <p:nvSpPr>
-          <p:cNvPr id="4" name="CaixaDeTexto 3"/>
-          <p:cNvSpPr txBox="1"/>
+      <p:grpSp>
+        <p:nvGrpSpPr>
+          <p:cNvPr id="4" name="Group 22"/>
+          <p:cNvGrpSpPr>
+            <a:grpSpLocks/>
+          </p:cNvGrpSpPr>
           <p:nvPr/>
-        </p:nvSpPr>
-        <p:spPr>
+        </p:nvGrpSpPr>
+        <p:grpSpPr bwMode="auto">
           <a:xfrm>
-            <a:off x="721745" y="2780928"/>
-            <a:ext cx="7251922" cy="4247317"/>
+            <a:off x="5943600" y="3038772"/>
+            <a:ext cx="2057400" cy="1318922"/>
+            <a:chOff x="6324600" y="4167478"/>
+            <a:chExt cx="2057272" cy="1318922"/>
           </a:xfrm>
-          <a:prstGeom prst="rect">
+        </p:grpSpPr>
+        <p:sp>
+          <p:nvSpPr>
+            <p:cNvPr id="5" name="Rectangle 4"/>
+            <p:cNvSpPr>
+              <a:spLocks noChangeArrowheads="1"/>
+            </p:cNvSpPr>
+            <p:nvPr/>
+          </p:nvSpPr>
+          <p:spPr bwMode="auto">
+            <a:xfrm>
+              <a:off x="6324600" y="4495800"/>
+              <a:ext cx="2057272" cy="990600"/>
+            </a:xfrm>
+            <a:prstGeom prst="rect">
+              <a:avLst/>
+            </a:prstGeom>
+            <a:ln>
+              <a:headEnd/>
+              <a:tailEnd/>
+            </a:ln>
+          </p:spPr>
+          <p:style>
+            <a:lnRef idx="2">
+              <a:schemeClr val="dk1"/>
+            </a:lnRef>
+            <a:fillRef idx="1">
+              <a:schemeClr val="lt1"/>
+            </a:fillRef>
+            <a:effectRef idx="0">
+              <a:schemeClr val="dk1"/>
+            </a:effectRef>
+            <a:fontRef idx="minor">
+              <a:schemeClr val="dk1"/>
+            </a:fontRef>
+          </p:style>
+          <p:txBody>
+            <a:bodyPr wrap="none" anchor="ctr"/>
+            <a:lstStyle/>
+            <a:p>
+              <a:pPr algn="ctr">
+                <a:defRPr/>
+              </a:pPr>
+              <a:endParaRPr lang="pt-BR" b="0" dirty="0">
+                <a:solidFill>
+                  <a:schemeClr val="dk1"/>
+                </a:solidFill>
+                <a:latin typeface="+mn-lt"/>
+                <a:ea typeface="+mn-ea"/>
+              </a:endParaRPr>
+            </a:p>
+          </p:txBody>
+        </p:sp>
+        <p:sp>
+          <p:nvSpPr>
+            <p:cNvPr id="6" name="Text Box 7"/>
+            <p:cNvSpPr txBox="1">
+              <a:spLocks noChangeArrowheads="1"/>
+            </p:cNvSpPr>
+            <p:nvPr/>
+          </p:nvSpPr>
+          <p:spPr bwMode="auto">
+            <a:xfrm>
+              <a:off x="6553199" y="4167478"/>
+              <a:ext cx="1091898" cy="369332"/>
+            </a:xfrm>
+            <a:prstGeom prst="rect">
+              <a:avLst/>
+            </a:prstGeom>
+            <a:noFill/>
+            <a:ln w="9525">
+              <a:noFill/>
+              <a:miter lim="800000"/>
+              <a:headEnd/>
+              <a:tailEnd/>
+            </a:ln>
+          </p:spPr>
+          <p:txBody>
+            <a:bodyPr wrap="none">
+              <a:spAutoFit/>
+            </a:bodyPr>
+            <a:lstStyle/>
+            <a:p>
+              <a:r>
+                <a:rPr lang="en-US" dirty="0"/>
+                <a:t>class</a:t>
+              </a:r>
+              <a:r>
+                <a:rPr lang="en-US" b="0" dirty="0"/>
+                <a:t> </a:t>
+              </a:r>
+              <a:r>
+                <a:rPr lang="en-US" b="0" dirty="0" err="1" smtClean="0"/>
+                <a:t>Expr</a:t>
+              </a:r>
+              <a:endParaRPr lang="pt-BR" b="0" dirty="0"/>
+            </a:p>
+          </p:txBody>
+        </p:sp>
+      </p:grpSp>
+      <p:grpSp>
+        <p:nvGrpSpPr>
+          <p:cNvPr id="7" name="Group 21"/>
+          <p:cNvGrpSpPr>
+            <a:grpSpLocks/>
+          </p:cNvGrpSpPr>
+          <p:nvPr/>
+        </p:nvGrpSpPr>
+        <p:grpSpPr bwMode="auto">
+          <a:xfrm>
+            <a:off x="152400" y="5124472"/>
+            <a:ext cx="2057400" cy="1447800"/>
+            <a:chOff x="6324600" y="4038600"/>
+            <a:chExt cx="2057400" cy="1447800"/>
+          </a:xfrm>
+        </p:grpSpPr>
+        <p:sp>
+          <p:nvSpPr>
+            <p:cNvPr id="8" name="Rectangle 4"/>
+            <p:cNvSpPr>
+              <a:spLocks noChangeArrowheads="1"/>
+            </p:cNvSpPr>
+            <p:nvPr/>
+          </p:nvSpPr>
+          <p:spPr bwMode="auto">
+            <a:xfrm>
+              <a:off x="6324600" y="4495800"/>
+              <a:ext cx="2057400" cy="990600"/>
+            </a:xfrm>
+            <a:prstGeom prst="rect">
+              <a:avLst/>
+            </a:prstGeom>
+            <a:ln>
+              <a:headEnd/>
+              <a:tailEnd/>
+            </a:ln>
+          </p:spPr>
+          <p:style>
+            <a:lnRef idx="2">
+              <a:schemeClr val="dk1"/>
+            </a:lnRef>
+            <a:fillRef idx="1">
+              <a:schemeClr val="lt1"/>
+            </a:fillRef>
+            <a:effectRef idx="0">
+              <a:schemeClr val="dk1"/>
+            </a:effectRef>
+            <a:fontRef idx="minor">
+              <a:schemeClr val="dk1"/>
+            </a:fontRef>
+          </p:style>
+          <p:txBody>
+            <a:bodyPr wrap="none" anchor="ctr"/>
+            <a:lstStyle/>
+            <a:p>
+              <a:pPr>
+                <a:defRPr/>
+              </a:pPr>
+              <a:r>
+                <a:rPr lang="pt-BR" b="0" dirty="0" err="1">
+                  <a:solidFill>
+                    <a:schemeClr val="dk1"/>
+                  </a:solidFill>
+                  <a:latin typeface="+mn-lt"/>
+                  <a:ea typeface="+mn-ea"/>
+                </a:rPr>
+                <a:t>Int</a:t>
+              </a:r>
+              <a:r>
+                <a:rPr lang="pt-BR" b="0" dirty="0">
+                  <a:solidFill>
+                    <a:schemeClr val="dk1"/>
+                  </a:solidFill>
+                  <a:latin typeface="+mn-lt"/>
+                  <a:ea typeface="+mn-ea"/>
+                </a:rPr>
+                <a:t> IL;</a:t>
+              </a:r>
+            </a:p>
+          </p:txBody>
+        </p:sp>
+        <p:sp>
+          <p:nvSpPr>
+            <p:cNvPr id="9" name="Text Box 7"/>
+            <p:cNvSpPr txBox="1">
+              <a:spLocks noChangeArrowheads="1"/>
+            </p:cNvSpPr>
+            <p:nvPr/>
+          </p:nvSpPr>
+          <p:spPr bwMode="auto">
+            <a:xfrm>
+              <a:off x="6324600" y="4038600"/>
+              <a:ext cx="2039290" cy="461665"/>
+            </a:xfrm>
+            <a:prstGeom prst="rect">
+              <a:avLst/>
+            </a:prstGeom>
+            <a:noFill/>
+            <a:ln w="9525">
+              <a:noFill/>
+              <a:miter lim="800000"/>
+              <a:headEnd/>
+              <a:tailEnd/>
+            </a:ln>
+          </p:spPr>
+          <p:txBody>
+            <a:bodyPr wrap="none">
+              <a:spAutoFit/>
+            </a:bodyPr>
+            <a:lstStyle/>
+            <a:p>
+              <a:r>
+                <a:rPr lang="en-US"/>
+                <a:t>class</a:t>
+              </a:r>
+              <a:r>
+                <a:rPr lang="en-US" b="0"/>
+                <a:t> IntLiteral</a:t>
+              </a:r>
+              <a:endParaRPr lang="pt-BR" b="0"/>
+            </a:p>
+          </p:txBody>
+        </p:sp>
+      </p:grpSp>
+      <p:grpSp>
+        <p:nvGrpSpPr>
+          <p:cNvPr id="10" name="Group 21"/>
+          <p:cNvGrpSpPr>
+            <a:grpSpLocks/>
+          </p:cNvGrpSpPr>
+          <p:nvPr/>
+        </p:nvGrpSpPr>
+        <p:grpSpPr bwMode="auto">
+          <a:xfrm>
+            <a:off x="2590800" y="5124472"/>
+            <a:ext cx="2312988" cy="1447800"/>
+            <a:chOff x="6248400" y="4114800"/>
+            <a:chExt cx="2313454" cy="1447800"/>
+          </a:xfrm>
+        </p:grpSpPr>
+        <p:sp>
+          <p:nvSpPr>
+            <p:cNvPr id="11" name="Rectangle 4"/>
+            <p:cNvSpPr>
+              <a:spLocks noChangeArrowheads="1"/>
+            </p:cNvSpPr>
+            <p:nvPr/>
+          </p:nvSpPr>
+          <p:spPr bwMode="auto">
+            <a:xfrm>
+              <a:off x="6248400" y="4572000"/>
+              <a:ext cx="2057815" cy="990600"/>
+            </a:xfrm>
+            <a:prstGeom prst="rect">
+              <a:avLst/>
+            </a:prstGeom>
+            <a:ln>
+              <a:headEnd/>
+              <a:tailEnd/>
+            </a:ln>
+          </p:spPr>
+          <p:style>
+            <a:lnRef idx="2">
+              <a:schemeClr val="dk1"/>
+            </a:lnRef>
+            <a:fillRef idx="1">
+              <a:schemeClr val="lt1"/>
+            </a:fillRef>
+            <a:effectRef idx="0">
+              <a:schemeClr val="dk1"/>
+            </a:effectRef>
+            <a:fontRef idx="minor">
+              <a:schemeClr val="dk1"/>
+            </a:fontRef>
+          </p:style>
+          <p:txBody>
+            <a:bodyPr wrap="none" anchor="ctr"/>
+            <a:lstStyle/>
+            <a:p>
+              <a:pPr>
+                <a:defRPr/>
+              </a:pPr>
+              <a:r>
+                <a:rPr lang="pt-BR" b="0" dirty="0" err="1">
+                  <a:solidFill>
+                    <a:schemeClr val="dk1"/>
+                  </a:solidFill>
+                  <a:latin typeface="+mn-lt"/>
+                  <a:ea typeface="+mn-ea"/>
+                </a:rPr>
+                <a:t>Operator</a:t>
+              </a:r>
+              <a:r>
+                <a:rPr lang="pt-BR" b="0" dirty="0">
+                  <a:solidFill>
+                    <a:schemeClr val="dk1"/>
+                  </a:solidFill>
+                  <a:latin typeface="+mn-lt"/>
+                  <a:ea typeface="+mn-ea"/>
+                </a:rPr>
+                <a:t> </a:t>
+              </a:r>
+              <a:r>
+                <a:rPr lang="pt-BR" b="0" dirty="0" err="1">
+                  <a:solidFill>
+                    <a:schemeClr val="dk1"/>
+                  </a:solidFill>
+                  <a:latin typeface="+mn-lt"/>
+                  <a:ea typeface="+mn-ea"/>
+                </a:rPr>
+                <a:t>Op</a:t>
+              </a:r>
+              <a:r>
+                <a:rPr lang="pt-BR" b="0" dirty="0">
+                  <a:solidFill>
+                    <a:schemeClr val="dk1"/>
+                  </a:solidFill>
+                  <a:latin typeface="+mn-lt"/>
+                  <a:ea typeface="+mn-ea"/>
+                </a:rPr>
+                <a:t>;</a:t>
+              </a:r>
+              <a:br>
+                <a:rPr lang="pt-BR" b="0" dirty="0">
+                  <a:solidFill>
+                    <a:schemeClr val="dk1"/>
+                  </a:solidFill>
+                  <a:latin typeface="+mn-lt"/>
+                  <a:ea typeface="+mn-ea"/>
+                </a:rPr>
+              </a:br>
+              <a:r>
+                <a:rPr lang="pt-BR" b="0" dirty="0" err="1">
+                  <a:solidFill>
+                    <a:schemeClr val="dk1"/>
+                  </a:solidFill>
+                  <a:latin typeface="+mn-lt"/>
+                  <a:ea typeface="+mn-ea"/>
+                </a:rPr>
+                <a:t>Expr</a:t>
+              </a:r>
+              <a:r>
+                <a:rPr lang="pt-BR" b="0" dirty="0">
+                  <a:solidFill>
+                    <a:schemeClr val="dk1"/>
+                  </a:solidFill>
+                  <a:latin typeface="+mn-lt"/>
+                  <a:ea typeface="+mn-ea"/>
+                </a:rPr>
+                <a:t> E1, E2;</a:t>
+              </a:r>
+              <a:br>
+                <a:rPr lang="pt-BR" b="0" dirty="0">
+                  <a:solidFill>
+                    <a:schemeClr val="dk1"/>
+                  </a:solidFill>
+                  <a:latin typeface="+mn-lt"/>
+                  <a:ea typeface="+mn-ea"/>
+                </a:rPr>
+              </a:br>
+              <a:endParaRPr lang="pt-BR" b="0" dirty="0">
+                <a:solidFill>
+                  <a:schemeClr val="dk1"/>
+                </a:solidFill>
+                <a:latin typeface="+mn-lt"/>
+                <a:ea typeface="+mn-ea"/>
+              </a:endParaRPr>
+            </a:p>
+          </p:txBody>
+        </p:sp>
+        <p:sp>
+          <p:nvSpPr>
+            <p:cNvPr id="12" name="Text Box 7"/>
+            <p:cNvSpPr txBox="1">
+              <a:spLocks noChangeArrowheads="1"/>
+            </p:cNvSpPr>
+            <p:nvPr/>
+          </p:nvSpPr>
+          <p:spPr bwMode="auto">
+            <a:xfrm>
+              <a:off x="6248400" y="4114800"/>
+              <a:ext cx="2313454" cy="461665"/>
+            </a:xfrm>
+            <a:prstGeom prst="rect">
+              <a:avLst/>
+            </a:prstGeom>
+            <a:noFill/>
+            <a:ln w="9525">
+              <a:noFill/>
+              <a:miter lim="800000"/>
+              <a:headEnd/>
+              <a:tailEnd/>
+            </a:ln>
+          </p:spPr>
+          <p:txBody>
+            <a:bodyPr wrap="none">
+              <a:spAutoFit/>
+            </a:bodyPr>
+            <a:lstStyle/>
+            <a:p>
+              <a:r>
+                <a:rPr lang="en-US"/>
+                <a:t>class</a:t>
+              </a:r>
+              <a:r>
+                <a:rPr lang="en-US" b="0"/>
+                <a:t> BinaryExpr</a:t>
+              </a:r>
+              <a:endParaRPr lang="pt-BR" b="0"/>
+            </a:p>
+          </p:txBody>
+        </p:sp>
+      </p:grpSp>
+      <p:grpSp>
+        <p:nvGrpSpPr>
+          <p:cNvPr id="13" name="Group 21"/>
+          <p:cNvGrpSpPr>
+            <a:grpSpLocks/>
+          </p:cNvGrpSpPr>
+          <p:nvPr/>
+        </p:nvGrpSpPr>
+        <p:grpSpPr bwMode="auto">
+          <a:xfrm>
+            <a:off x="5715000" y="5124472"/>
+            <a:ext cx="2249488" cy="1447800"/>
+            <a:chOff x="6324600" y="4038600"/>
+            <a:chExt cx="2249334" cy="1447800"/>
+          </a:xfrm>
+        </p:grpSpPr>
+        <p:sp>
+          <p:nvSpPr>
+            <p:cNvPr id="14" name="Rectangle 4"/>
+            <p:cNvSpPr>
+              <a:spLocks noChangeArrowheads="1"/>
+            </p:cNvSpPr>
+            <p:nvPr/>
+          </p:nvSpPr>
+          <p:spPr bwMode="auto">
+            <a:xfrm>
+              <a:off x="6324600" y="4495800"/>
+              <a:ext cx="2057259" cy="990600"/>
+            </a:xfrm>
+            <a:prstGeom prst="rect">
+              <a:avLst/>
+            </a:prstGeom>
+            <a:ln>
+              <a:headEnd/>
+              <a:tailEnd/>
+            </a:ln>
+          </p:spPr>
+          <p:style>
+            <a:lnRef idx="2">
+              <a:schemeClr val="dk1"/>
+            </a:lnRef>
+            <a:fillRef idx="1">
+              <a:schemeClr val="lt1"/>
+            </a:fillRef>
+            <a:effectRef idx="0">
+              <a:schemeClr val="dk1"/>
+            </a:effectRef>
+            <a:fontRef idx="minor">
+              <a:schemeClr val="dk1"/>
+            </a:fontRef>
+          </p:style>
+          <p:txBody>
+            <a:bodyPr wrap="none" anchor="ctr"/>
+            <a:lstStyle/>
+            <a:p>
+              <a:pPr>
+                <a:defRPr/>
+              </a:pPr>
+              <a:r>
+                <a:rPr lang="pt-BR" b="0" dirty="0" err="1">
+                  <a:solidFill>
+                    <a:schemeClr val="dk1"/>
+                  </a:solidFill>
+                  <a:latin typeface="+mn-lt"/>
+                  <a:ea typeface="+mn-ea"/>
+                </a:rPr>
+                <a:t>Operator</a:t>
+              </a:r>
+              <a:r>
+                <a:rPr lang="pt-BR" b="0" dirty="0">
+                  <a:solidFill>
+                    <a:schemeClr val="dk1"/>
+                  </a:solidFill>
+                  <a:latin typeface="+mn-lt"/>
+                  <a:ea typeface="+mn-ea"/>
+                </a:rPr>
+                <a:t> </a:t>
+              </a:r>
+              <a:r>
+                <a:rPr lang="pt-BR" b="0" dirty="0" err="1">
+                  <a:solidFill>
+                    <a:schemeClr val="dk1"/>
+                  </a:solidFill>
+                  <a:latin typeface="+mn-lt"/>
+                  <a:ea typeface="+mn-ea"/>
+                </a:rPr>
+                <a:t>Op</a:t>
+              </a:r>
+              <a:r>
+                <a:rPr lang="pt-BR" b="0" dirty="0">
+                  <a:solidFill>
+                    <a:schemeClr val="dk1"/>
+                  </a:solidFill>
+                  <a:latin typeface="+mn-lt"/>
+                  <a:ea typeface="+mn-ea"/>
+                </a:rPr>
+                <a:t>;</a:t>
+              </a:r>
+              <a:br>
+                <a:rPr lang="pt-BR" b="0" dirty="0">
+                  <a:solidFill>
+                    <a:schemeClr val="dk1"/>
+                  </a:solidFill>
+                  <a:latin typeface="+mn-lt"/>
+                  <a:ea typeface="+mn-ea"/>
+                </a:rPr>
+              </a:br>
+              <a:r>
+                <a:rPr lang="pt-BR" b="0" dirty="0" err="1">
+                  <a:solidFill>
+                    <a:schemeClr val="dk1"/>
+                  </a:solidFill>
+                  <a:latin typeface="+mn-lt"/>
+                  <a:ea typeface="+mn-ea"/>
+                </a:rPr>
+                <a:t>Expr</a:t>
+              </a:r>
+              <a:r>
+                <a:rPr lang="pt-BR" b="0" dirty="0">
+                  <a:solidFill>
+                    <a:schemeClr val="dk1"/>
+                  </a:solidFill>
+                  <a:latin typeface="+mn-lt"/>
+                  <a:ea typeface="+mn-ea"/>
+                </a:rPr>
+                <a:t> E;</a:t>
+              </a:r>
+              <a:br>
+                <a:rPr lang="pt-BR" b="0" dirty="0">
+                  <a:solidFill>
+                    <a:schemeClr val="dk1"/>
+                  </a:solidFill>
+                  <a:latin typeface="+mn-lt"/>
+                  <a:ea typeface="+mn-ea"/>
+                </a:rPr>
+              </a:br>
+              <a:endParaRPr lang="pt-BR" b="0" dirty="0">
+                <a:solidFill>
+                  <a:schemeClr val="dk1"/>
+                </a:solidFill>
+                <a:latin typeface="+mn-lt"/>
+                <a:ea typeface="+mn-ea"/>
+              </a:endParaRPr>
+            </a:p>
+          </p:txBody>
+        </p:sp>
+        <p:sp>
+          <p:nvSpPr>
+            <p:cNvPr id="15" name="Text Box 7"/>
+            <p:cNvSpPr txBox="1">
+              <a:spLocks noChangeArrowheads="1"/>
+            </p:cNvSpPr>
+            <p:nvPr/>
+          </p:nvSpPr>
+          <p:spPr bwMode="auto">
+            <a:xfrm>
+              <a:off x="6324600" y="4038600"/>
+              <a:ext cx="2249334" cy="461665"/>
+            </a:xfrm>
+            <a:prstGeom prst="rect">
+              <a:avLst/>
+            </a:prstGeom>
+            <a:noFill/>
+            <a:ln w="9525">
+              <a:noFill/>
+              <a:miter lim="800000"/>
+              <a:headEnd/>
+              <a:tailEnd/>
+            </a:ln>
+          </p:spPr>
+          <p:txBody>
+            <a:bodyPr wrap="none">
+              <a:spAutoFit/>
+            </a:bodyPr>
+            <a:lstStyle/>
+            <a:p>
+              <a:r>
+                <a:rPr lang="en-US"/>
+                <a:t>class</a:t>
+              </a:r>
+              <a:r>
+                <a:rPr lang="en-US" b="0"/>
+                <a:t> UnaryExpr</a:t>
+              </a:r>
+              <a:endParaRPr lang="pt-BR" b="0"/>
+            </a:p>
+          </p:txBody>
+        </p:sp>
+      </p:grpSp>
+      <p:cxnSp>
+        <p:nvCxnSpPr>
+          <p:cNvPr id="16" name="AutoShape 17"/>
+          <p:cNvCxnSpPr>
+            <a:cxnSpLocks noChangeShapeType="1"/>
+            <a:endCxn id="5" idx="2"/>
+          </p:cNvCxnSpPr>
+          <p:nvPr/>
+        </p:nvCxnSpPr>
+        <p:spPr bwMode="auto">
+          <a:xfrm flipV="1">
+            <a:off x="1171575" y="4357694"/>
+            <a:ext cx="5800725" cy="766778"/>
+          </a:xfrm>
+          <a:prstGeom prst="straightConnector1">
             <a:avLst/>
           </a:prstGeom>
           <a:noFill/>
+          <a:ln w="25400">
+            <a:solidFill>
+              <a:srgbClr val="000000"/>
+            </a:solidFill>
+            <a:round/>
+            <a:headEnd/>
+            <a:tailEnd/>
+          </a:ln>
+          <a:effectLst>
+            <a:outerShdw dist="20000" dir="5400000" rotWithShape="0">
+              <a:srgbClr val="808080">
+                <a:alpha val="37999"/>
+              </a:srgbClr>
+            </a:outerShdw>
+          </a:effectLst>
         </p:spPr>
-        <p:txBody>
-          <a:bodyPr wrap="none" rtlCol="0">
-            <a:spAutoFit/>
-          </a:bodyPr>
-          <a:lstStyle/>
-          <a:p>
-            <a:r>
-              <a:rPr lang="en-US" dirty="0" smtClean="0"/>
-              <a:t>interface Expression {}</a:t>
-            </a:r>
-          </a:p>
-          <a:p>
-            <a:endParaRPr lang="en-US" dirty="0" smtClean="0"/>
-          </a:p>
-          <a:p>
-            <a:r>
-              <a:rPr lang="en-US" dirty="0" smtClean="0"/>
-              <a:t>class </a:t>
-            </a:r>
-            <a:r>
-              <a:rPr lang="en-US" dirty="0" err="1" smtClean="0"/>
-              <a:t>BinaryExpression</a:t>
-            </a:r>
-            <a:r>
-              <a:rPr lang="en-US" dirty="0" smtClean="0"/>
-              <a:t> implements Expression {</a:t>
-            </a:r>
-          </a:p>
-          <a:p>
-            <a:r>
-              <a:rPr lang="en-US" dirty="0"/>
-              <a:t> </a:t>
-            </a:r>
-            <a:r>
-              <a:rPr lang="en-US" dirty="0" smtClean="0"/>
-              <a:t> String operator; // e.g., “plus”, “minus”, “</a:t>
-            </a:r>
-            <a:r>
-              <a:rPr lang="en-US" dirty="0" err="1" smtClean="0"/>
-              <a:t>mult</a:t>
-            </a:r>
-            <a:r>
-              <a:rPr lang="en-US" dirty="0" smtClean="0"/>
-              <a:t>”</a:t>
-            </a:r>
-          </a:p>
-          <a:p>
-            <a:r>
-              <a:rPr lang="en-US" dirty="0" smtClean="0"/>
-              <a:t>  Expression left, right; }</a:t>
-            </a:r>
-          </a:p>
-          <a:p>
-            <a:endParaRPr lang="en-US" dirty="0" smtClean="0"/>
-          </a:p>
-          <a:p>
-            <a:r>
-              <a:rPr lang="en-US" dirty="0" smtClean="0"/>
-              <a:t>class Digit implements Expression {  </a:t>
-            </a:r>
-            <a:r>
-              <a:rPr lang="en-US" dirty="0" err="1" smtClean="0"/>
-              <a:t>int</a:t>
-            </a:r>
-            <a:r>
-              <a:rPr lang="en-US" dirty="0" smtClean="0"/>
-              <a:t> digit; }</a:t>
-            </a:r>
-          </a:p>
-          <a:p>
-            <a:endParaRPr lang="en-US" dirty="0" smtClean="0"/>
-          </a:p>
-          <a:p>
-            <a:r>
-              <a:rPr lang="en-US" dirty="0" smtClean="0"/>
-              <a:t>public static void main(String[] </a:t>
-            </a:r>
-            <a:r>
-              <a:rPr lang="en-US" dirty="0" err="1" smtClean="0"/>
-              <a:t>args</a:t>
-            </a:r>
-            <a:r>
-              <a:rPr lang="en-US" dirty="0" smtClean="0"/>
-              <a:t>) {</a:t>
-            </a:r>
-          </a:p>
-          <a:p>
-            <a:r>
-              <a:rPr lang="en-US" dirty="0"/>
-              <a:t> </a:t>
-            </a:r>
-            <a:r>
-              <a:rPr lang="en-US" dirty="0" smtClean="0"/>
-              <a:t> // generates </a:t>
-            </a:r>
-            <a:r>
-              <a:rPr lang="en-US" dirty="0"/>
-              <a:t>the following </a:t>
-            </a:r>
-            <a:r>
-              <a:rPr lang="en-US" dirty="0" smtClean="0"/>
-              <a:t>AST</a:t>
-            </a:r>
-          </a:p>
-          <a:p>
-            <a:r>
-              <a:rPr lang="en-US" dirty="0"/>
-              <a:t> </a:t>
-            </a:r>
-            <a:r>
-              <a:rPr lang="en-US" dirty="0" smtClean="0"/>
-              <a:t> // Expression </a:t>
-            </a:r>
-            <a:r>
-              <a:rPr lang="en-US" dirty="0" err="1" smtClean="0"/>
-              <a:t>ast</a:t>
-            </a:r>
-            <a:r>
-              <a:rPr lang="en-US" dirty="0" smtClean="0"/>
-              <a:t> = </a:t>
-            </a:r>
-            <a:r>
-              <a:rPr lang="en-US" dirty="0" err="1" smtClean="0"/>
-              <a:t>compiler.parse</a:t>
-            </a:r>
-            <a:r>
-              <a:rPr lang="en-US" dirty="0" smtClean="0"/>
-              <a:t>(“(5 + 3) * 2”) </a:t>
-            </a:r>
-          </a:p>
-          <a:p>
-            <a:r>
-              <a:rPr lang="en-US" dirty="0"/>
-              <a:t> </a:t>
-            </a:r>
-            <a:r>
-              <a:rPr lang="en-US" dirty="0" smtClean="0"/>
-              <a:t> Expression </a:t>
-            </a:r>
-            <a:r>
-              <a:rPr lang="en-US" dirty="0" err="1" smtClean="0"/>
-              <a:t>ast</a:t>
-            </a:r>
-            <a:r>
-              <a:rPr lang="en-US" dirty="0" smtClean="0"/>
-              <a:t> = new </a:t>
-            </a:r>
-            <a:r>
-              <a:rPr lang="en-US" dirty="0" err="1" smtClean="0"/>
-              <a:t>BinaryExpresion</a:t>
-            </a:r>
-            <a:r>
-              <a:rPr lang="en-US" dirty="0" smtClean="0"/>
-              <a:t>(“</a:t>
-            </a:r>
-            <a:r>
-              <a:rPr lang="en-US" dirty="0" err="1" smtClean="0"/>
-              <a:t>mult</a:t>
-            </a:r>
-            <a:r>
-              <a:rPr lang="en-US" dirty="0" smtClean="0"/>
-              <a:t>”, </a:t>
-            </a:r>
-          </a:p>
-          <a:p>
-            <a:r>
-              <a:rPr lang="en-US" dirty="0"/>
-              <a:t> </a:t>
-            </a:r>
-            <a:r>
-              <a:rPr lang="en-US" dirty="0" smtClean="0"/>
-              <a:t>                                new </a:t>
-            </a:r>
-            <a:r>
-              <a:rPr lang="en-US" dirty="0" err="1" smtClean="0"/>
-              <a:t>BinaryExpression</a:t>
-            </a:r>
-            <a:r>
-              <a:rPr lang="en-US" dirty="0" smtClean="0"/>
-              <a:t>(“plus”, new Digit(5), new Digit(3)),</a:t>
-            </a:r>
-          </a:p>
-          <a:p>
-            <a:r>
-              <a:rPr lang="en-US" dirty="0"/>
-              <a:t> </a:t>
-            </a:r>
-            <a:r>
-              <a:rPr lang="en-US" dirty="0" smtClean="0"/>
-              <a:t>                                new Digit(2)); }</a:t>
-            </a:r>
-            <a:endParaRPr lang="en-US" dirty="0"/>
-          </a:p>
-          <a:p>
-            <a:endParaRPr lang="pt-BR" dirty="0"/>
-          </a:p>
-        </p:txBody>
-      </p:sp>
+      </p:cxnSp>
+      <p:cxnSp>
+        <p:nvCxnSpPr>
+          <p:cNvPr id="17" name="AutoShape 17"/>
+          <p:cNvCxnSpPr>
+            <a:cxnSpLocks noChangeShapeType="1"/>
+            <a:endCxn id="5" idx="2"/>
+          </p:cNvCxnSpPr>
+          <p:nvPr/>
+        </p:nvCxnSpPr>
+        <p:spPr bwMode="auto">
+          <a:xfrm flipV="1">
+            <a:off x="3748088" y="4357694"/>
+            <a:ext cx="3224212" cy="766778"/>
+          </a:xfrm>
+          <a:prstGeom prst="straightConnector1">
+            <a:avLst/>
+          </a:prstGeom>
+          <a:noFill/>
+          <a:ln w="25400">
+            <a:solidFill>
+              <a:srgbClr val="000000"/>
+            </a:solidFill>
+            <a:round/>
+            <a:headEnd/>
+            <a:tailEnd/>
+          </a:ln>
+          <a:effectLst>
+            <a:outerShdw dist="20000" dir="5400000" rotWithShape="0">
+              <a:srgbClr val="808080">
+                <a:alpha val="37999"/>
+              </a:srgbClr>
+            </a:outerShdw>
+          </a:effectLst>
+        </p:spPr>
+      </p:cxnSp>
+      <p:cxnSp>
+        <p:nvCxnSpPr>
+          <p:cNvPr id="18" name="AutoShape 17"/>
+          <p:cNvCxnSpPr>
+            <a:cxnSpLocks noChangeShapeType="1"/>
+            <a:endCxn id="5" idx="2"/>
+          </p:cNvCxnSpPr>
+          <p:nvPr/>
+        </p:nvCxnSpPr>
+        <p:spPr bwMode="auto">
+          <a:xfrm rot="5400000" flipH="1" flipV="1">
+            <a:off x="6522236" y="4674408"/>
+            <a:ext cx="766778" cy="133350"/>
+          </a:xfrm>
+          <a:prstGeom prst="straightConnector1">
+            <a:avLst/>
+          </a:prstGeom>
+          <a:noFill/>
+          <a:ln w="25400">
+            <a:solidFill>
+              <a:srgbClr val="000000"/>
+            </a:solidFill>
+            <a:round/>
+            <a:headEnd/>
+            <a:tailEnd/>
+          </a:ln>
+          <a:effectLst>
+            <a:outerShdw dist="20000" dir="5400000" rotWithShape="0">
+              <a:srgbClr val="808080">
+                <a:alpha val="37999"/>
+              </a:srgbClr>
+            </a:outerShdw>
+          </a:effectLst>
+        </p:spPr>
+      </p:cxnSp>
     </p:spTree>
-    <p:extLst>
-      <p:ext uri="{BB962C8B-B14F-4D97-AF65-F5344CB8AC3E}">
-        <p14:creationId xmlns:p14="http://schemas.microsoft.com/office/powerpoint/2010/main" val="3546526889"/>
-      </p:ext>
-    </p:extLst>
   </p:cSld>
   <p:clrMapOvr>
     <a:masterClrMapping/>
@@ -32046,7 +32593,7 @@
           <a:p>
             <a:r>
               <a:rPr lang="pt-BR" dirty="0" smtClean="0"/>
-              <a:t>Exploração dos nós da árvore</a:t>
+              <a:t>Exercício 7</a:t>
             </a:r>
             <a:endParaRPr lang="pt-BR" dirty="0"/>
           </a:p>
@@ -32062,108 +32609,245 @@
             <p:ph idx="1"/>
           </p:nvPr>
         </p:nvSpPr>
-        <p:spPr/>
+        <p:spPr>
+          <a:xfrm>
+            <a:off x="457200" y="1600201"/>
+            <a:ext cx="8229600" cy="1540768"/>
+          </a:xfrm>
+        </p:spPr>
         <p:txBody>
-          <a:bodyPr/>
+          <a:bodyPr>
+            <a:normAutofit lnSpcReduction="10000"/>
+          </a:bodyPr>
           <a:lstStyle/>
           <a:p>
             <a:r>
-              <a:rPr lang="pt-BR" dirty="0" smtClean="0"/>
-              <a:t>Padrão de projeto </a:t>
-            </a:r>
-            <a:r>
-              <a:rPr lang="pt-BR" b="1" dirty="0" err="1" smtClean="0"/>
-              <a:t>Visitor</a:t>
-            </a:r>
-            <a:r>
-              <a:rPr lang="pt-BR" b="1" dirty="0" smtClean="0"/>
-              <a:t>*</a:t>
-            </a:r>
-            <a:r>
-              <a:rPr lang="pt-BR" dirty="0" smtClean="0"/>
-              <a:t> define como visitar nós de uma estrutura hierárquica</a:t>
-            </a:r>
-          </a:p>
-          <a:p>
-            <a:pPr lvl="1"/>
-            <a:r>
-              <a:rPr lang="pt-BR" dirty="0" smtClean="0"/>
-              <a:t>Tipo de retorno deve ser consistente</a:t>
-            </a:r>
-          </a:p>
-          <a:p>
-            <a:pPr lvl="1"/>
-            <a:r>
-              <a:rPr lang="pt-BR" dirty="0" smtClean="0"/>
-              <a:t>Bastante comum em compiladores</a:t>
-            </a:r>
-          </a:p>
-          <a:p>
-            <a:pPr marL="457200" lvl="1" indent="0">
-              <a:buNone/>
-            </a:pPr>
-            <a:endParaRPr lang="pt-BR" dirty="0" smtClean="0"/>
-          </a:p>
-          <a:p>
-            <a:pPr>
-              <a:buNone/>
-            </a:pPr>
-            <a:r>
-              <a:rPr lang="pt-BR" dirty="0" smtClean="0"/>
-              <a:t>* Design </a:t>
-            </a:r>
-            <a:r>
-              <a:rPr lang="pt-BR" dirty="0" err="1" smtClean="0"/>
-              <a:t>Patterns</a:t>
-            </a:r>
-            <a:r>
-              <a:rPr lang="pt-BR" dirty="0" smtClean="0"/>
-              <a:t>: </a:t>
-            </a:r>
-            <a:r>
-              <a:rPr lang="pt-BR" dirty="0" err="1" smtClean="0"/>
-              <a:t>Elements</a:t>
-            </a:r>
-            <a:r>
-              <a:rPr lang="pt-BR" dirty="0" smtClean="0"/>
+              <a:rPr lang="pt-BR" dirty="0"/>
+              <a:t>Construa a árvore abstrata para a expressão (5+3)*2 usando as estruturas de dados apresentadas anteriormente</a:t>
+            </a:r>
+          </a:p>
+        </p:txBody>
+      </p:sp>
+      <p:sp>
+        <p:nvSpPr>
+          <p:cNvPr id="4" name="CaixaDeTexto 3"/>
+          <p:cNvSpPr txBox="1"/>
+          <p:nvPr/>
+        </p:nvSpPr>
+        <p:spPr>
+          <a:xfrm>
+            <a:off x="827584" y="2924944"/>
+            <a:ext cx="7251922" cy="4247317"/>
+          </a:xfrm>
+          <a:prstGeom prst="rect">
+            <a:avLst/>
+          </a:prstGeom>
+          <a:noFill/>
+        </p:spPr>
+        <p:txBody>
+          <a:bodyPr wrap="none" rtlCol="0">
+            <a:spAutoFit/>
+          </a:bodyPr>
+          <a:lstStyle/>
+          <a:p>
+            <a:r>
+              <a:rPr lang="en-US" dirty="0"/>
+              <a:t>interface Expression {}</a:t>
+            </a:r>
+          </a:p>
+          <a:p>
+            <a:endParaRPr lang="en-US" dirty="0"/>
+          </a:p>
+          <a:p>
+            <a:r>
+              <a:rPr lang="en-US" dirty="0"/>
+              <a:t>class </a:t>
+            </a:r>
+            <a:r>
+              <a:rPr lang="en-US" dirty="0" err="1"/>
+              <a:t>BinaryExpression</a:t>
+            </a:r>
+            <a:r>
+              <a:rPr lang="en-US" dirty="0"/>
+              <a:t> implements Expression {</a:t>
+            </a:r>
+          </a:p>
+          <a:p>
+            <a:r>
+              <a:rPr lang="en-US" dirty="0"/>
+              <a:t>  String operator; // e.g., “plus”, “minus”, “</a:t>
+            </a:r>
+            <a:r>
+              <a:rPr lang="en-US" dirty="0" err="1"/>
+              <a:t>mult</a:t>
+            </a:r>
+            <a:r>
+              <a:rPr lang="en-US" dirty="0"/>
+              <a:t>”</a:t>
+            </a:r>
+          </a:p>
+          <a:p>
+            <a:r>
+              <a:rPr lang="en-US" dirty="0"/>
+              <a:t>  Expression left, right; }</a:t>
+            </a:r>
+          </a:p>
+          <a:p>
+            <a:endParaRPr lang="en-US" dirty="0" smtClean="0"/>
+          </a:p>
+          <a:p>
+            <a:r>
+              <a:rPr lang="en-US" dirty="0" smtClean="0"/>
+              <a:t>class Digit implements Expression {  </a:t>
+            </a:r>
+            <a:r>
+              <a:rPr lang="en-US" dirty="0" err="1" smtClean="0"/>
+              <a:t>int</a:t>
+            </a:r>
+            <a:r>
+              <a:rPr lang="en-US" dirty="0" smtClean="0"/>
+              <a:t> digit; }</a:t>
+            </a:r>
+          </a:p>
+          <a:p>
+            <a:endParaRPr lang="en-US" dirty="0" smtClean="0"/>
+          </a:p>
+          <a:p>
+            <a:r>
+              <a:rPr lang="en-US" dirty="0" smtClean="0"/>
+              <a:t>public static void main(String[] </a:t>
+            </a:r>
+            <a:r>
+              <a:rPr lang="en-US" dirty="0" err="1" smtClean="0"/>
+              <a:t>args</a:t>
+            </a:r>
+            <a:r>
+              <a:rPr lang="en-US" dirty="0" smtClean="0"/>
+              <a:t>) {</a:t>
+            </a:r>
+          </a:p>
+          <a:p>
+            <a:r>
+              <a:rPr lang="en-US" dirty="0"/>
               <a:t> </a:t>
             </a:r>
             <a:r>
-              <a:rPr lang="pt-BR" dirty="0" err="1" smtClean="0"/>
-              <a:t>of</a:t>
-            </a:r>
-            <a:r>
-              <a:rPr lang="pt-BR" dirty="0" smtClean="0"/>
+              <a:rPr lang="en-US" dirty="0" smtClean="0"/>
+              <a:t> // generates </a:t>
+            </a:r>
+            <a:r>
+              <a:rPr lang="en-US" dirty="0"/>
+              <a:t>the following </a:t>
+            </a:r>
+            <a:r>
+              <a:rPr lang="en-US" dirty="0" smtClean="0"/>
+              <a:t>AST</a:t>
+            </a:r>
+          </a:p>
+          <a:p>
+            <a:r>
+              <a:rPr lang="en-US" dirty="0"/>
               <a:t> </a:t>
             </a:r>
             <a:r>
-              <a:rPr lang="pt-BR" dirty="0" err="1" smtClean="0"/>
-              <a:t>Reusable</a:t>
-            </a:r>
-            <a:r>
-              <a:rPr lang="pt-BR" dirty="0" smtClean="0"/>
+              <a:rPr lang="en-US" dirty="0" smtClean="0"/>
+              <a:t> // Expression </a:t>
+            </a:r>
+            <a:r>
+              <a:rPr lang="en-US" dirty="0" err="1" smtClean="0"/>
+              <a:t>ast</a:t>
+            </a:r>
+            <a:r>
+              <a:rPr lang="en-US" dirty="0" smtClean="0"/>
+              <a:t> = </a:t>
+            </a:r>
+            <a:r>
+              <a:rPr lang="en-US" dirty="0" smtClean="0"/>
+              <a:t>(Expression) </a:t>
+            </a:r>
+            <a:r>
+              <a:rPr lang="en-US" dirty="0" err="1" smtClean="0"/>
+              <a:t>compiler.parse</a:t>
+            </a:r>
+            <a:r>
+              <a:rPr lang="en-US" dirty="0" smtClean="0"/>
+              <a:t>(“(5 + 3) * 2”) </a:t>
+            </a:r>
+          </a:p>
+          <a:p>
+            <a:r>
+              <a:rPr lang="en-US" dirty="0"/>
               <a:t> </a:t>
             </a:r>
             <a:r>
-              <a:rPr lang="pt-BR" dirty="0" err="1" smtClean="0"/>
-              <a:t>Object-Oriented</a:t>
-            </a:r>
-            <a:r>
-              <a:rPr lang="pt-BR" dirty="0" smtClean="0"/>
-              <a:t> Software.  </a:t>
-            </a:r>
-            <a:r>
-              <a:rPr lang="pt-BR" dirty="0" err="1" smtClean="0"/>
-              <a:t>Gamma</a:t>
-            </a:r>
-            <a:r>
-              <a:rPr lang="pt-BR" dirty="0" smtClean="0"/>
-              <a:t> e outros. </a:t>
-            </a:r>
+              <a:rPr lang="en-US" dirty="0" smtClean="0"/>
+              <a:t> Expression </a:t>
+            </a:r>
+            <a:r>
+              <a:rPr lang="en-US" dirty="0" err="1" smtClean="0"/>
+              <a:t>ast</a:t>
+            </a:r>
+            <a:r>
+              <a:rPr lang="en-US" dirty="0" smtClean="0"/>
+              <a:t> = new </a:t>
+            </a:r>
+            <a:r>
+              <a:rPr lang="en-US" dirty="0" err="1" smtClean="0"/>
+              <a:t>BinaryExpresion</a:t>
+            </a:r>
+            <a:r>
+              <a:rPr lang="en-US" dirty="0" smtClean="0"/>
+              <a:t>(“</a:t>
+            </a:r>
+            <a:r>
+              <a:rPr lang="en-US" dirty="0" err="1" smtClean="0"/>
+              <a:t>mult</a:t>
+            </a:r>
+            <a:r>
+              <a:rPr lang="en-US" dirty="0" smtClean="0"/>
+              <a:t>”, </a:t>
+            </a:r>
+          </a:p>
+          <a:p>
+            <a:r>
+              <a:rPr lang="en-US" dirty="0"/>
+              <a:t> </a:t>
+            </a:r>
+            <a:r>
+              <a:rPr lang="en-US" dirty="0" smtClean="0"/>
+              <a:t>                                new </a:t>
+            </a:r>
+            <a:r>
+              <a:rPr lang="en-US" dirty="0" err="1" smtClean="0"/>
+              <a:t>BinaryExpression</a:t>
+            </a:r>
+            <a:r>
+              <a:rPr lang="en-US" dirty="0" smtClean="0"/>
+              <a:t>(“plus”, new Digit(5), new Digit(3)),</a:t>
+            </a:r>
+          </a:p>
+          <a:p>
+            <a:r>
+              <a:rPr lang="en-US" dirty="0"/>
+              <a:t> </a:t>
+            </a:r>
+            <a:r>
+              <a:rPr lang="en-US" dirty="0" smtClean="0"/>
+              <a:t>                                new Digit(2)); }</a:t>
+            </a:r>
+            <a:endParaRPr lang="en-US" dirty="0"/>
+          </a:p>
+          <a:p>
+            <a:endParaRPr lang="pt-BR" dirty="0"/>
           </a:p>
         </p:txBody>
       </p:sp>
     </p:spTree>
+    <p:extLst>
+      <p:ext uri="{BB962C8B-B14F-4D97-AF65-F5344CB8AC3E}">
+        <p14:creationId xmlns:p14="http://schemas.microsoft.com/office/powerpoint/2010/main" val="3546526889"/>
+      </p:ext>
+    </p:extLst>
   </p:cSld>
   <p:clrMapOvr>
     <a:masterClrMapping/>
@@ -32211,59 +32895,124 @@
           <a:lstStyle/>
           <a:p>
             <a:r>
-              <a:rPr lang="en-US" dirty="0" smtClean="0"/>
-              <a:t>Visitor</a:t>
-            </a:r>
-            <a:r>
               <a:rPr lang="pt-BR" dirty="0" smtClean="0"/>
-              <a:t> design </a:t>
-            </a:r>
-            <a:r>
-              <a:rPr lang="pt-BR" dirty="0" err="1" smtClean="0"/>
-              <a:t>pattern</a:t>
+              <a:t>Exploração dos nós da árvore</a:t>
             </a:r>
             <a:endParaRPr lang="pt-BR" dirty="0"/>
           </a:p>
         </p:txBody>
       </p:sp>
-      <p:pic>
-        <p:nvPicPr>
-          <p:cNvPr id="4" name="Content Placeholder 3" descr="VisitorPatternUML.png"/>
-          <p:cNvPicPr>
-            <a:picLocks noGrp="1" noChangeAspect="1"/>
-          </p:cNvPicPr>
+      <p:sp>
+        <p:nvSpPr>
+          <p:cNvPr id="3" name="Content Placeholder 2"/>
+          <p:cNvSpPr>
+            <a:spLocks noGrp="1"/>
+          </p:cNvSpPr>
           <p:nvPr>
             <p:ph idx="1"/>
           </p:nvPr>
-        </p:nvPicPr>
-        <p:blipFill>
-          <a:blip r:embed="rId3"/>
-          <a:stretch>
-            <a:fillRect/>
-          </a:stretch>
-        </p:blipFill>
-        <p:spPr>
-          <a:xfrm>
-            <a:off x="571472" y="1689119"/>
-            <a:ext cx="7920435" cy="4525963"/>
-          </a:xfrm>
-          <a:prstGeom prst="rect">
-            <a:avLst/>
-          </a:prstGeom>
-          <a:ln w="76200">
-            <a:solidFill>
-              <a:schemeClr val="tx1"/>
-            </a:solidFill>
-          </a:ln>
-          <a:effectLst>
-            <a:outerShdw blurRad="292100" dist="139700" dir="2700000" algn="tl" rotWithShape="0">
-              <a:srgbClr val="333333">
-                <a:alpha val="65000"/>
-              </a:srgbClr>
-            </a:outerShdw>
-          </a:effectLst>
-        </p:spPr>
-      </p:pic>
+        </p:nvSpPr>
+        <p:spPr/>
+        <p:txBody>
+          <a:bodyPr/>
+          <a:lstStyle/>
+          <a:p>
+            <a:r>
+              <a:rPr lang="pt-BR" dirty="0" smtClean="0"/>
+              <a:t>Padrão de projeto </a:t>
+            </a:r>
+            <a:r>
+              <a:rPr lang="pt-BR" b="1" dirty="0" err="1" smtClean="0"/>
+              <a:t>Visitor</a:t>
+            </a:r>
+            <a:r>
+              <a:rPr lang="pt-BR" b="1" dirty="0" smtClean="0"/>
+              <a:t>*</a:t>
+            </a:r>
+            <a:r>
+              <a:rPr lang="pt-BR" dirty="0" smtClean="0"/>
+              <a:t> define como visitar nós de uma estrutura hierárquica</a:t>
+            </a:r>
+          </a:p>
+          <a:p>
+            <a:pPr lvl="1"/>
+            <a:r>
+              <a:rPr lang="pt-BR" dirty="0" smtClean="0"/>
+              <a:t>Tipo de retorno deve ser consistente</a:t>
+            </a:r>
+          </a:p>
+          <a:p>
+            <a:pPr lvl="1"/>
+            <a:r>
+              <a:rPr lang="pt-BR" dirty="0" smtClean="0"/>
+              <a:t>Bastante comum em compiladores</a:t>
+            </a:r>
+          </a:p>
+          <a:p>
+            <a:pPr marL="457200" lvl="1" indent="0">
+              <a:buNone/>
+            </a:pPr>
+            <a:endParaRPr lang="pt-BR" dirty="0" smtClean="0"/>
+          </a:p>
+          <a:p>
+            <a:pPr>
+              <a:buNone/>
+            </a:pPr>
+            <a:r>
+              <a:rPr lang="pt-BR" dirty="0" smtClean="0"/>
+              <a:t>* Design </a:t>
+            </a:r>
+            <a:r>
+              <a:rPr lang="pt-BR" dirty="0" err="1" smtClean="0"/>
+              <a:t>Patterns</a:t>
+            </a:r>
+            <a:r>
+              <a:rPr lang="pt-BR" dirty="0" smtClean="0"/>
+              <a:t>: </a:t>
+            </a:r>
+            <a:r>
+              <a:rPr lang="pt-BR" dirty="0" err="1" smtClean="0"/>
+              <a:t>Elements</a:t>
+            </a:r>
+            <a:r>
+              <a:rPr lang="pt-BR" dirty="0" smtClean="0"/>
+              <a:t> </a:t>
+            </a:r>
+            <a:r>
+              <a:rPr lang="pt-BR" dirty="0" err="1" smtClean="0"/>
+              <a:t>of</a:t>
+            </a:r>
+            <a:r>
+              <a:rPr lang="pt-BR" dirty="0" smtClean="0"/>
+              <a:t> </a:t>
+            </a:r>
+            <a:r>
+              <a:rPr lang="pt-BR" dirty="0" err="1" smtClean="0"/>
+              <a:t>Reusable</a:t>
+            </a:r>
+            <a:r>
+              <a:rPr lang="pt-BR" dirty="0" smtClean="0"/>
+              <a:t> </a:t>
+            </a:r>
+            <a:r>
+              <a:rPr lang="pt-BR" dirty="0" err="1" smtClean="0"/>
+              <a:t>Object-Oriented</a:t>
+            </a:r>
+            <a:r>
+              <a:rPr lang="pt-BR" dirty="0" smtClean="0"/>
+              <a:t> Software.  </a:t>
+            </a:r>
+            <a:r>
+              <a:rPr lang="pt-BR" dirty="0" err="1" smtClean="0"/>
+              <a:t>Gamma</a:t>
+            </a:r>
+            <a:r>
+              <a:rPr lang="pt-BR" dirty="0" smtClean="0"/>
+              <a:t> e outros. </a:t>
+            </a:r>
+          </a:p>
+        </p:txBody>
+      </p:sp>
     </p:spTree>
   </p:cSld>
   <p:clrMapOvr>
@@ -32985,398 +33734,59 @@
           <a:lstStyle/>
           <a:p>
             <a:r>
+              <a:rPr lang="en-US" dirty="0" smtClean="0"/>
+              <a:t>Visitor</a:t>
+            </a:r>
+            <a:r>
               <a:rPr lang="pt-BR" dirty="0" smtClean="0"/>
-              <a:t>Exercício 8</a:t>
+              <a:t> design </a:t>
+            </a:r>
+            <a:r>
+              <a:rPr lang="pt-BR" dirty="0" err="1" smtClean="0"/>
+              <a:t>pattern</a:t>
             </a:r>
             <a:endParaRPr lang="pt-BR" dirty="0"/>
           </a:p>
         </p:txBody>
       </p:sp>
-      <p:sp>
-        <p:nvSpPr>
-          <p:cNvPr id="3" name="Content Placeholder 2"/>
-          <p:cNvSpPr>
-            <a:spLocks noGrp="1"/>
-          </p:cNvSpPr>
+      <p:pic>
+        <p:nvPicPr>
+          <p:cNvPr id="4" name="Content Placeholder 3" descr="VisitorPatternUML.png"/>
+          <p:cNvPicPr>
+            <a:picLocks noGrp="1" noChangeAspect="1"/>
+          </p:cNvPicPr>
           <p:nvPr>
             <p:ph idx="1"/>
           </p:nvPr>
-        </p:nvSpPr>
+        </p:nvPicPr>
+        <p:blipFill>
+          <a:blip r:embed="rId3"/>
+          <a:stretch>
+            <a:fillRect/>
+          </a:stretch>
+        </p:blipFill>
         <p:spPr>
           <a:xfrm>
-            <a:off x="457200" y="1600201"/>
-            <a:ext cx="8229600" cy="2114552"/>
-          </a:xfrm>
-        </p:spPr>
-        <p:txBody>
-          <a:bodyPr/>
-          <a:lstStyle/>
-          <a:p>
-            <a:r>
-              <a:rPr lang="pt-BR" dirty="0" smtClean="0"/>
-              <a:t>Imprima expressões aritméticas em notação pós-fixada a partir de suas árvores sintáticas</a:t>
-            </a:r>
-          </a:p>
-          <a:p>
-            <a:pPr lvl="1"/>
-            <a:r>
-              <a:rPr lang="pt-BR" dirty="0" smtClean="0"/>
-              <a:t>Use definições abaixo</a:t>
-            </a:r>
-          </a:p>
-          <a:p>
-            <a:pPr lvl="1"/>
-            <a:r>
-              <a:rPr lang="pt-BR" dirty="0" smtClean="0"/>
-              <a:t>Explore a árvore em uma determinada ordem</a:t>
-            </a:r>
-            <a:endParaRPr lang="pt-BR" dirty="0"/>
-          </a:p>
-        </p:txBody>
-      </p:sp>
-      <p:sp>
-        <p:nvSpPr>
-          <p:cNvPr id="4" name="Rectangle 3"/>
-          <p:cNvSpPr txBox="1">
-            <a:spLocks noChangeArrowheads="1"/>
-          </p:cNvSpPr>
-          <p:nvPr/>
-        </p:nvSpPr>
-        <p:spPr>
-          <a:xfrm>
-            <a:off x="2046818" y="3933056"/>
-            <a:ext cx="4643470" cy="2520280"/>
+            <a:off x="571472" y="1689119"/>
+            <a:ext cx="7920435" cy="4525963"/>
           </a:xfrm>
           <a:prstGeom prst="rect">
             <a:avLst/>
           </a:prstGeom>
+          <a:ln w="76200">
+            <a:solidFill>
+              <a:schemeClr val="tx1"/>
+            </a:solidFill>
+          </a:ln>
+          <a:effectLst>
+            <a:outerShdw blurRad="292100" dist="139700" dir="2700000" algn="tl" rotWithShape="0">
+              <a:srgbClr val="333333">
+                <a:alpha val="65000"/>
+              </a:srgbClr>
+            </a:outerShdw>
+          </a:effectLst>
         </p:spPr>
-        <p:style>
-          <a:lnRef idx="2">
-            <a:schemeClr val="dk1"/>
-          </a:lnRef>
-          <a:fillRef idx="1">
-            <a:schemeClr val="lt1"/>
-          </a:fillRef>
-          <a:effectRef idx="0">
-            <a:schemeClr val="dk1"/>
-          </a:effectRef>
-          <a:fontRef idx="minor">
-            <a:schemeClr val="dk1"/>
-          </a:fontRef>
-        </p:style>
-        <p:txBody>
-          <a:bodyPr vert="horz" lIns="91440" tIns="45720" rIns="91440" bIns="45720" rtlCol="0">
-            <a:noAutofit/>
-          </a:bodyPr>
-          <a:lstStyle/>
-          <a:p>
-            <a:pPr marL="342900" marR="0" lvl="0" indent="-342900" algn="l" defTabSz="914400" rtl="0" eaLnBrk="1" fontAlgn="auto" latinLnBrk="0" hangingPunct="1">
-              <a:lnSpc>
-                <a:spcPct val="90000"/>
-              </a:lnSpc>
-              <a:spcBef>
-                <a:spcPct val="20000"/>
-              </a:spcBef>
-              <a:spcAft>
-                <a:spcPts val="0"/>
-              </a:spcAft>
-              <a:buClrTx/>
-              <a:buSzTx/>
-              <a:buFontTx/>
-              <a:buNone/>
-              <a:tabLst/>
-              <a:defRPr/>
-            </a:pPr>
-            <a:r>
-              <a:rPr kumimoji="0" lang="en-US" sz="2400" b="0" i="0" u="none" strike="noStrike" kern="1200" cap="none" spc="0" normalizeH="0" baseline="0" noProof="0" dirty="0" smtClean="0">
-                <a:ln>
-                  <a:noFill/>
-                </a:ln>
-                <a:solidFill>
-                  <a:schemeClr val="tx1"/>
-                </a:solidFill>
-                <a:effectLst/>
-                <a:uLnTx/>
-                <a:uFillTx/>
-                <a:latin typeface="+mn-lt"/>
-                <a:ea typeface="+mn-ea"/>
-                <a:cs typeface="+mn-cs"/>
-              </a:rPr>
-              <a:t>interface </a:t>
-            </a:r>
-            <a:r>
-              <a:rPr kumimoji="0" lang="en-US" sz="2400" b="0" i="0" u="none" strike="noStrike" kern="1200" cap="none" spc="0" normalizeH="0" baseline="0" noProof="0" dirty="0" err="1" smtClean="0">
-                <a:ln>
-                  <a:noFill/>
-                </a:ln>
-                <a:solidFill>
-                  <a:schemeClr val="tx1"/>
-                </a:solidFill>
-                <a:effectLst/>
-                <a:uLnTx/>
-                <a:uFillTx/>
-                <a:latin typeface="+mn-lt"/>
-                <a:ea typeface="+mn-ea"/>
-                <a:cs typeface="+mn-cs"/>
-              </a:rPr>
-              <a:t>Expr</a:t>
-            </a:r>
-            <a:r>
-              <a:rPr kumimoji="0" lang="en-US" sz="2400" b="0" i="0" u="none" strike="noStrike" kern="1200" cap="none" spc="0" normalizeH="0" noProof="0" dirty="0" smtClean="0">
-                <a:ln>
-                  <a:noFill/>
-                </a:ln>
-                <a:solidFill>
-                  <a:schemeClr val="tx1"/>
-                </a:solidFill>
-                <a:effectLst/>
-                <a:uLnTx/>
-                <a:uFillTx/>
-                <a:latin typeface="+mn-lt"/>
-                <a:ea typeface="+mn-ea"/>
-                <a:cs typeface="+mn-cs"/>
-              </a:rPr>
-              <a:t> {…}</a:t>
-            </a:r>
-          </a:p>
-          <a:p>
-            <a:pPr marL="342900" marR="0" lvl="0" indent="-342900" algn="l" defTabSz="914400" rtl="0" eaLnBrk="1" fontAlgn="auto" latinLnBrk="0" hangingPunct="1">
-              <a:lnSpc>
-                <a:spcPct val="90000"/>
-              </a:lnSpc>
-              <a:spcBef>
-                <a:spcPct val="20000"/>
-              </a:spcBef>
-              <a:spcAft>
-                <a:spcPts val="0"/>
-              </a:spcAft>
-              <a:buClrTx/>
-              <a:buSzTx/>
-              <a:buFontTx/>
-              <a:buNone/>
-              <a:tabLst/>
-              <a:defRPr/>
-            </a:pPr>
-            <a:r>
-              <a:rPr kumimoji="0" lang="en-US" sz="2400" b="0" i="0" u="none" strike="noStrike" kern="1200" cap="none" spc="0" normalizeH="0" baseline="0" noProof="0" dirty="0" smtClean="0">
-                <a:ln>
-                  <a:noFill/>
-                </a:ln>
-                <a:solidFill>
-                  <a:schemeClr val="tx1"/>
-                </a:solidFill>
-                <a:effectLst/>
-                <a:uLnTx/>
-                <a:uFillTx/>
-                <a:latin typeface="+mn-lt"/>
-                <a:ea typeface="+mn-ea"/>
-                <a:cs typeface="+mn-cs"/>
-              </a:rPr>
-              <a:t>class </a:t>
-            </a:r>
-            <a:r>
-              <a:rPr kumimoji="0" lang="en-US" sz="2400" b="0" i="0" u="none" strike="noStrike" kern="1200" cap="none" spc="0" normalizeH="0" baseline="0" noProof="0" dirty="0" err="1" smtClean="0">
-                <a:ln>
-                  <a:noFill/>
-                </a:ln>
-                <a:solidFill>
-                  <a:schemeClr val="tx1"/>
-                </a:solidFill>
-                <a:effectLst/>
-                <a:uLnTx/>
-                <a:uFillTx/>
-                <a:latin typeface="+mn-lt"/>
-                <a:ea typeface="+mn-ea"/>
-                <a:cs typeface="+mn-cs"/>
-              </a:rPr>
-              <a:t>BinaryExpr</a:t>
-            </a:r>
-            <a:r>
-              <a:rPr kumimoji="0" lang="en-US" sz="2400" b="0" i="0" u="none" strike="noStrike" kern="1200" cap="none" spc="0" normalizeH="0" noProof="0" dirty="0" smtClean="0">
-                <a:ln>
-                  <a:noFill/>
-                </a:ln>
-                <a:solidFill>
-                  <a:schemeClr val="tx1"/>
-                </a:solidFill>
-                <a:effectLst/>
-                <a:uLnTx/>
-                <a:uFillTx/>
-                <a:latin typeface="+mn-lt"/>
-                <a:ea typeface="+mn-ea"/>
-                <a:cs typeface="+mn-cs"/>
-              </a:rPr>
-              <a:t> implements </a:t>
-            </a:r>
-            <a:r>
-              <a:rPr kumimoji="0" lang="en-US" sz="2400" b="0" i="0" u="none" strike="noStrike" kern="1200" cap="none" spc="0" normalizeH="0" noProof="0" dirty="0" err="1" smtClean="0">
-                <a:ln>
-                  <a:noFill/>
-                </a:ln>
-                <a:solidFill>
-                  <a:schemeClr val="tx1"/>
-                </a:solidFill>
-                <a:effectLst/>
-                <a:uLnTx/>
-                <a:uFillTx/>
-                <a:latin typeface="+mn-lt"/>
-                <a:ea typeface="+mn-ea"/>
-                <a:cs typeface="+mn-cs"/>
-              </a:rPr>
-              <a:t>Expr</a:t>
-            </a:r>
-            <a:r>
-              <a:rPr kumimoji="0" lang="en-US" sz="2400" b="0" i="0" u="none" strike="noStrike" kern="1200" cap="none" spc="0" normalizeH="0" noProof="0" dirty="0" smtClean="0">
-                <a:ln>
-                  <a:noFill/>
-                </a:ln>
-                <a:solidFill>
-                  <a:schemeClr val="tx1"/>
-                </a:solidFill>
-                <a:effectLst/>
-                <a:uLnTx/>
-                <a:uFillTx/>
-                <a:latin typeface="+mn-lt"/>
-                <a:ea typeface="+mn-ea"/>
-                <a:cs typeface="+mn-cs"/>
-              </a:rPr>
-              <a:t> {</a:t>
-            </a:r>
-          </a:p>
-          <a:p>
-            <a:pPr marL="342900" lvl="0" indent="-342900">
-              <a:lnSpc>
-                <a:spcPct val="90000"/>
-              </a:lnSpc>
-              <a:spcBef>
-                <a:spcPct val="20000"/>
-              </a:spcBef>
-              <a:defRPr/>
-            </a:pPr>
-            <a:r>
-              <a:rPr lang="en-US" sz="2400" dirty="0" smtClean="0"/>
-              <a:t>  Operator op;  </a:t>
-            </a:r>
-            <a:r>
-              <a:rPr kumimoji="0" lang="en-US" sz="2400" b="0" i="0" u="none" strike="noStrike" kern="1200" cap="none" spc="0" normalizeH="0" noProof="0" dirty="0" smtClean="0">
-                <a:ln>
-                  <a:noFill/>
-                </a:ln>
-                <a:solidFill>
-                  <a:schemeClr val="tx1"/>
-                </a:solidFill>
-                <a:effectLst/>
-                <a:uLnTx/>
-                <a:uFillTx/>
-                <a:latin typeface="+mn-lt"/>
-                <a:ea typeface="+mn-ea"/>
-                <a:cs typeface="+mn-cs"/>
-              </a:rPr>
-              <a:t>Expr exp1, exp2;</a:t>
-            </a:r>
-            <a:r>
-              <a:rPr lang="en-US" sz="2400" dirty="0" smtClean="0"/>
-              <a:t>…</a:t>
-            </a:r>
-            <a:endParaRPr kumimoji="0" lang="en-US" sz="2400" b="0" i="0" u="none" strike="noStrike" kern="1200" cap="none" spc="0" normalizeH="0" noProof="0" dirty="0" smtClean="0">
-              <a:ln>
-                <a:noFill/>
-              </a:ln>
-              <a:solidFill>
-                <a:schemeClr val="tx1"/>
-              </a:solidFill>
-              <a:effectLst/>
-              <a:uLnTx/>
-              <a:uFillTx/>
-              <a:latin typeface="+mn-lt"/>
-              <a:ea typeface="+mn-ea"/>
-              <a:cs typeface="+mn-cs"/>
-            </a:endParaRPr>
-          </a:p>
-          <a:p>
-            <a:pPr marL="342900" marR="0" lvl="0" indent="-342900" algn="l" defTabSz="914400" rtl="0" eaLnBrk="1" fontAlgn="auto" latinLnBrk="0" hangingPunct="1">
-              <a:lnSpc>
-                <a:spcPct val="90000"/>
-              </a:lnSpc>
-              <a:spcBef>
-                <a:spcPct val="20000"/>
-              </a:spcBef>
-              <a:spcAft>
-                <a:spcPts val="0"/>
-              </a:spcAft>
-              <a:buClrTx/>
-              <a:buSzTx/>
-              <a:buFontTx/>
-              <a:buNone/>
-              <a:tabLst/>
-              <a:defRPr/>
-            </a:pPr>
-            <a:r>
-              <a:rPr lang="en-US" sz="2400" baseline="0" dirty="0" smtClean="0"/>
-              <a:t>}</a:t>
-            </a:r>
-          </a:p>
-          <a:p>
-            <a:pPr marL="342900" marR="0" lvl="0" indent="-342900" algn="l" defTabSz="914400" rtl="0" eaLnBrk="1" fontAlgn="auto" latinLnBrk="0" hangingPunct="1">
-              <a:lnSpc>
-                <a:spcPct val="90000"/>
-              </a:lnSpc>
-              <a:spcBef>
-                <a:spcPct val="20000"/>
-              </a:spcBef>
-              <a:spcAft>
-                <a:spcPts val="0"/>
-              </a:spcAft>
-              <a:buClrTx/>
-              <a:buSzTx/>
-              <a:buFontTx/>
-              <a:buNone/>
-              <a:tabLst/>
-              <a:defRPr/>
-            </a:pPr>
-            <a:r>
-              <a:rPr lang="en-US" sz="2400" baseline="0" dirty="0" smtClean="0"/>
-              <a:t>class</a:t>
-            </a:r>
-            <a:r>
-              <a:rPr lang="en-US" sz="2400" dirty="0" smtClean="0"/>
-              <a:t> Digit implements </a:t>
-            </a:r>
-            <a:r>
-              <a:rPr lang="en-US" sz="2400" dirty="0" err="1" smtClean="0"/>
-              <a:t>Expr</a:t>
-            </a:r>
-            <a:r>
-              <a:rPr lang="en-US" sz="2400" dirty="0" smtClean="0"/>
-              <a:t> {  … }</a:t>
-            </a:r>
-          </a:p>
-          <a:p>
-            <a:pPr marL="342900" marR="0" lvl="0" indent="-342900" algn="l" defTabSz="914400" rtl="0" eaLnBrk="1" fontAlgn="auto" latinLnBrk="0" hangingPunct="1">
-              <a:lnSpc>
-                <a:spcPct val="90000"/>
-              </a:lnSpc>
-              <a:spcBef>
-                <a:spcPct val="20000"/>
-              </a:spcBef>
-              <a:spcAft>
-                <a:spcPts val="0"/>
-              </a:spcAft>
-              <a:buClrTx/>
-              <a:buSzTx/>
-              <a:buFontTx/>
-              <a:buNone/>
-              <a:tabLst/>
-              <a:defRPr/>
-            </a:pPr>
-            <a:r>
-              <a:rPr lang="en-US" sz="2400" dirty="0" smtClean="0"/>
-              <a:t>class Operator {…}</a:t>
-            </a:r>
-          </a:p>
-        </p:txBody>
-      </p:sp>
+      </p:pic>
     </p:spTree>
   </p:cSld>
   <p:clrMapOvr>
@@ -33426,6 +33836,446 @@
           <a:p>
             <a:r>
               <a:rPr lang="pt-BR" dirty="0" smtClean="0"/>
+              <a:t>Exercício 8</a:t>
+            </a:r>
+            <a:endParaRPr lang="pt-BR" dirty="0"/>
+          </a:p>
+        </p:txBody>
+      </p:sp>
+      <p:sp>
+        <p:nvSpPr>
+          <p:cNvPr id="3" name="Content Placeholder 2"/>
+          <p:cNvSpPr>
+            <a:spLocks noGrp="1"/>
+          </p:cNvSpPr>
+          <p:nvPr>
+            <p:ph idx="1"/>
+          </p:nvPr>
+        </p:nvSpPr>
+        <p:spPr>
+          <a:xfrm>
+            <a:off x="457200" y="1600201"/>
+            <a:ext cx="8229600" cy="2114552"/>
+          </a:xfrm>
+        </p:spPr>
+        <p:txBody>
+          <a:bodyPr/>
+          <a:lstStyle/>
+          <a:p>
+            <a:r>
+              <a:rPr lang="pt-BR" dirty="0" smtClean="0"/>
+              <a:t>Imprima expressões aritméticas em notação pós-fixada a partir de suas árvores sintáticas</a:t>
+            </a:r>
+          </a:p>
+          <a:p>
+            <a:pPr lvl="1"/>
+            <a:r>
+              <a:rPr lang="pt-BR" dirty="0" smtClean="0"/>
+              <a:t>Use definições abaixo</a:t>
+            </a:r>
+          </a:p>
+          <a:p>
+            <a:pPr lvl="1"/>
+            <a:r>
+              <a:rPr lang="pt-BR" dirty="0" smtClean="0"/>
+              <a:t>Explore a árvore em uma determinada ordem</a:t>
+            </a:r>
+            <a:endParaRPr lang="pt-BR" dirty="0"/>
+          </a:p>
+        </p:txBody>
+      </p:sp>
+      <p:sp>
+        <p:nvSpPr>
+          <p:cNvPr id="4" name="Rectangle 3"/>
+          <p:cNvSpPr txBox="1">
+            <a:spLocks noChangeArrowheads="1"/>
+          </p:cNvSpPr>
+          <p:nvPr/>
+        </p:nvSpPr>
+        <p:spPr>
+          <a:xfrm>
+            <a:off x="2046818" y="3933056"/>
+            <a:ext cx="4643470" cy="2520280"/>
+          </a:xfrm>
+          <a:prstGeom prst="rect">
+            <a:avLst/>
+          </a:prstGeom>
+        </p:spPr>
+        <p:style>
+          <a:lnRef idx="2">
+            <a:schemeClr val="dk1"/>
+          </a:lnRef>
+          <a:fillRef idx="1">
+            <a:schemeClr val="lt1"/>
+          </a:fillRef>
+          <a:effectRef idx="0">
+            <a:schemeClr val="dk1"/>
+          </a:effectRef>
+          <a:fontRef idx="minor">
+            <a:schemeClr val="dk1"/>
+          </a:fontRef>
+        </p:style>
+        <p:txBody>
+          <a:bodyPr vert="horz" lIns="91440" tIns="45720" rIns="91440" bIns="45720" rtlCol="0">
+            <a:noAutofit/>
+          </a:bodyPr>
+          <a:lstStyle/>
+          <a:p>
+            <a:pPr marL="342900" marR="0" lvl="0" indent="-342900" algn="l" defTabSz="914400" rtl="0" eaLnBrk="1" fontAlgn="auto" latinLnBrk="0" hangingPunct="1">
+              <a:lnSpc>
+                <a:spcPct val="90000"/>
+              </a:lnSpc>
+              <a:spcBef>
+                <a:spcPct val="20000"/>
+              </a:spcBef>
+              <a:spcAft>
+                <a:spcPts val="0"/>
+              </a:spcAft>
+              <a:buClrTx/>
+              <a:buSzTx/>
+              <a:buFontTx/>
+              <a:buNone/>
+              <a:tabLst/>
+              <a:defRPr/>
+            </a:pPr>
+            <a:r>
+              <a:rPr kumimoji="0" lang="en-US" sz="2400" b="0" i="0" u="none" strike="noStrike" kern="1200" cap="none" spc="0" normalizeH="0" baseline="0" noProof="0" dirty="0" smtClean="0">
+                <a:ln>
+                  <a:noFill/>
+                </a:ln>
+                <a:solidFill>
+                  <a:schemeClr val="tx1"/>
+                </a:solidFill>
+                <a:effectLst/>
+                <a:uLnTx/>
+                <a:uFillTx/>
+                <a:latin typeface="+mn-lt"/>
+                <a:ea typeface="+mn-ea"/>
+                <a:cs typeface="+mn-cs"/>
+              </a:rPr>
+              <a:t>interface </a:t>
+            </a:r>
+            <a:r>
+              <a:rPr kumimoji="0" lang="en-US" sz="2400" b="0" i="0" u="none" strike="noStrike" kern="1200" cap="none" spc="0" normalizeH="0" baseline="0" noProof="0" dirty="0" err="1" smtClean="0">
+                <a:ln>
+                  <a:noFill/>
+                </a:ln>
+                <a:solidFill>
+                  <a:schemeClr val="tx1"/>
+                </a:solidFill>
+                <a:effectLst/>
+                <a:uLnTx/>
+                <a:uFillTx/>
+                <a:latin typeface="+mn-lt"/>
+                <a:ea typeface="+mn-ea"/>
+                <a:cs typeface="+mn-cs"/>
+              </a:rPr>
+              <a:t>Expr</a:t>
+            </a:r>
+            <a:r>
+              <a:rPr kumimoji="0" lang="en-US" sz="2400" b="0" i="0" u="none" strike="noStrike" kern="1200" cap="none" spc="0" normalizeH="0" noProof="0" dirty="0" smtClean="0">
+                <a:ln>
+                  <a:noFill/>
+                </a:ln>
+                <a:solidFill>
+                  <a:schemeClr val="tx1"/>
+                </a:solidFill>
+                <a:effectLst/>
+                <a:uLnTx/>
+                <a:uFillTx/>
+                <a:latin typeface="+mn-lt"/>
+                <a:ea typeface="+mn-ea"/>
+                <a:cs typeface="+mn-cs"/>
+              </a:rPr>
+              <a:t> {…}</a:t>
+            </a:r>
+          </a:p>
+          <a:p>
+            <a:pPr marL="342900" marR="0" lvl="0" indent="-342900" algn="l" defTabSz="914400" rtl="0" eaLnBrk="1" fontAlgn="auto" latinLnBrk="0" hangingPunct="1">
+              <a:lnSpc>
+                <a:spcPct val="90000"/>
+              </a:lnSpc>
+              <a:spcBef>
+                <a:spcPct val="20000"/>
+              </a:spcBef>
+              <a:spcAft>
+                <a:spcPts val="0"/>
+              </a:spcAft>
+              <a:buClrTx/>
+              <a:buSzTx/>
+              <a:buFontTx/>
+              <a:buNone/>
+              <a:tabLst/>
+              <a:defRPr/>
+            </a:pPr>
+            <a:r>
+              <a:rPr kumimoji="0" lang="en-US" sz="2400" b="0" i="0" u="none" strike="noStrike" kern="1200" cap="none" spc="0" normalizeH="0" baseline="0" noProof="0" dirty="0" smtClean="0">
+                <a:ln>
+                  <a:noFill/>
+                </a:ln>
+                <a:solidFill>
+                  <a:schemeClr val="tx1"/>
+                </a:solidFill>
+                <a:effectLst/>
+                <a:uLnTx/>
+                <a:uFillTx/>
+                <a:latin typeface="+mn-lt"/>
+                <a:ea typeface="+mn-ea"/>
+                <a:cs typeface="+mn-cs"/>
+              </a:rPr>
+              <a:t>class </a:t>
+            </a:r>
+            <a:r>
+              <a:rPr kumimoji="0" lang="en-US" sz="2400" b="0" i="0" u="none" strike="noStrike" kern="1200" cap="none" spc="0" normalizeH="0" baseline="0" noProof="0" dirty="0" err="1" smtClean="0">
+                <a:ln>
+                  <a:noFill/>
+                </a:ln>
+                <a:solidFill>
+                  <a:schemeClr val="tx1"/>
+                </a:solidFill>
+                <a:effectLst/>
+                <a:uLnTx/>
+                <a:uFillTx/>
+                <a:latin typeface="+mn-lt"/>
+                <a:ea typeface="+mn-ea"/>
+                <a:cs typeface="+mn-cs"/>
+              </a:rPr>
+              <a:t>BinaryExpr</a:t>
+            </a:r>
+            <a:r>
+              <a:rPr kumimoji="0" lang="en-US" sz="2400" b="0" i="0" u="none" strike="noStrike" kern="1200" cap="none" spc="0" normalizeH="0" noProof="0" dirty="0" smtClean="0">
+                <a:ln>
+                  <a:noFill/>
+                </a:ln>
+                <a:solidFill>
+                  <a:schemeClr val="tx1"/>
+                </a:solidFill>
+                <a:effectLst/>
+                <a:uLnTx/>
+                <a:uFillTx/>
+                <a:latin typeface="+mn-lt"/>
+                <a:ea typeface="+mn-ea"/>
+                <a:cs typeface="+mn-cs"/>
+              </a:rPr>
+              <a:t> implements </a:t>
+            </a:r>
+            <a:r>
+              <a:rPr kumimoji="0" lang="en-US" sz="2400" b="0" i="0" u="none" strike="noStrike" kern="1200" cap="none" spc="0" normalizeH="0" noProof="0" dirty="0" err="1" smtClean="0">
+                <a:ln>
+                  <a:noFill/>
+                </a:ln>
+                <a:solidFill>
+                  <a:schemeClr val="tx1"/>
+                </a:solidFill>
+                <a:effectLst/>
+                <a:uLnTx/>
+                <a:uFillTx/>
+                <a:latin typeface="+mn-lt"/>
+                <a:ea typeface="+mn-ea"/>
+                <a:cs typeface="+mn-cs"/>
+              </a:rPr>
+              <a:t>Expr</a:t>
+            </a:r>
+            <a:r>
+              <a:rPr kumimoji="0" lang="en-US" sz="2400" b="0" i="0" u="none" strike="noStrike" kern="1200" cap="none" spc="0" normalizeH="0" noProof="0" dirty="0" smtClean="0">
+                <a:ln>
+                  <a:noFill/>
+                </a:ln>
+                <a:solidFill>
+                  <a:schemeClr val="tx1"/>
+                </a:solidFill>
+                <a:effectLst/>
+                <a:uLnTx/>
+                <a:uFillTx/>
+                <a:latin typeface="+mn-lt"/>
+                <a:ea typeface="+mn-ea"/>
+                <a:cs typeface="+mn-cs"/>
+              </a:rPr>
+              <a:t> {</a:t>
+            </a:r>
+          </a:p>
+          <a:p>
+            <a:pPr marL="342900" lvl="0" indent="-342900">
+              <a:lnSpc>
+                <a:spcPct val="90000"/>
+              </a:lnSpc>
+              <a:spcBef>
+                <a:spcPct val="20000"/>
+              </a:spcBef>
+              <a:defRPr/>
+            </a:pPr>
+            <a:r>
+              <a:rPr lang="en-US" sz="2400" dirty="0" smtClean="0"/>
+              <a:t>  Operator op;  </a:t>
+            </a:r>
+            <a:r>
+              <a:rPr kumimoji="0" lang="en-US" sz="2400" b="0" i="0" u="none" strike="noStrike" kern="1200" cap="none" spc="0" normalizeH="0" noProof="0" dirty="0" smtClean="0">
+                <a:ln>
+                  <a:noFill/>
+                </a:ln>
+                <a:solidFill>
+                  <a:schemeClr val="tx1"/>
+                </a:solidFill>
+                <a:effectLst/>
+                <a:uLnTx/>
+                <a:uFillTx/>
+                <a:latin typeface="+mn-lt"/>
+                <a:ea typeface="+mn-ea"/>
+                <a:cs typeface="+mn-cs"/>
+              </a:rPr>
+              <a:t>Expr exp1, exp2;</a:t>
+            </a:r>
+            <a:r>
+              <a:rPr lang="en-US" sz="2400" dirty="0" smtClean="0"/>
+              <a:t>…</a:t>
+            </a:r>
+            <a:endParaRPr kumimoji="0" lang="en-US" sz="2400" b="0" i="0" u="none" strike="noStrike" kern="1200" cap="none" spc="0" normalizeH="0" noProof="0" dirty="0" smtClean="0">
+              <a:ln>
+                <a:noFill/>
+              </a:ln>
+              <a:solidFill>
+                <a:schemeClr val="tx1"/>
+              </a:solidFill>
+              <a:effectLst/>
+              <a:uLnTx/>
+              <a:uFillTx/>
+              <a:latin typeface="+mn-lt"/>
+              <a:ea typeface="+mn-ea"/>
+              <a:cs typeface="+mn-cs"/>
+            </a:endParaRPr>
+          </a:p>
+          <a:p>
+            <a:pPr marL="342900" marR="0" lvl="0" indent="-342900" algn="l" defTabSz="914400" rtl="0" eaLnBrk="1" fontAlgn="auto" latinLnBrk="0" hangingPunct="1">
+              <a:lnSpc>
+                <a:spcPct val="90000"/>
+              </a:lnSpc>
+              <a:spcBef>
+                <a:spcPct val="20000"/>
+              </a:spcBef>
+              <a:spcAft>
+                <a:spcPts val="0"/>
+              </a:spcAft>
+              <a:buClrTx/>
+              <a:buSzTx/>
+              <a:buFontTx/>
+              <a:buNone/>
+              <a:tabLst/>
+              <a:defRPr/>
+            </a:pPr>
+            <a:r>
+              <a:rPr lang="en-US" sz="2400" baseline="0" dirty="0" smtClean="0"/>
+              <a:t>}</a:t>
+            </a:r>
+          </a:p>
+          <a:p>
+            <a:pPr marL="342900" marR="0" lvl="0" indent="-342900" algn="l" defTabSz="914400" rtl="0" eaLnBrk="1" fontAlgn="auto" latinLnBrk="0" hangingPunct="1">
+              <a:lnSpc>
+                <a:spcPct val="90000"/>
+              </a:lnSpc>
+              <a:spcBef>
+                <a:spcPct val="20000"/>
+              </a:spcBef>
+              <a:spcAft>
+                <a:spcPts val="0"/>
+              </a:spcAft>
+              <a:buClrTx/>
+              <a:buSzTx/>
+              <a:buFontTx/>
+              <a:buNone/>
+              <a:tabLst/>
+              <a:defRPr/>
+            </a:pPr>
+            <a:r>
+              <a:rPr lang="en-US" sz="2400" baseline="0" dirty="0" smtClean="0"/>
+              <a:t>class</a:t>
+            </a:r>
+            <a:r>
+              <a:rPr lang="en-US" sz="2400" dirty="0" smtClean="0"/>
+              <a:t> Digit implements </a:t>
+            </a:r>
+            <a:r>
+              <a:rPr lang="en-US" sz="2400" dirty="0" err="1" smtClean="0"/>
+              <a:t>Expr</a:t>
+            </a:r>
+            <a:r>
+              <a:rPr lang="en-US" sz="2400" dirty="0" smtClean="0"/>
+              <a:t> {  … }</a:t>
+            </a:r>
+          </a:p>
+          <a:p>
+            <a:pPr marL="342900" marR="0" lvl="0" indent="-342900" algn="l" defTabSz="914400" rtl="0" eaLnBrk="1" fontAlgn="auto" latinLnBrk="0" hangingPunct="1">
+              <a:lnSpc>
+                <a:spcPct val="90000"/>
+              </a:lnSpc>
+              <a:spcBef>
+                <a:spcPct val="20000"/>
+              </a:spcBef>
+              <a:spcAft>
+                <a:spcPts val="0"/>
+              </a:spcAft>
+              <a:buClrTx/>
+              <a:buSzTx/>
+              <a:buFontTx/>
+              <a:buNone/>
+              <a:tabLst/>
+              <a:defRPr/>
+            </a:pPr>
+            <a:r>
+              <a:rPr lang="en-US" sz="2400" dirty="0" smtClean="0"/>
+              <a:t>class Operator {…}</a:t>
+            </a:r>
+          </a:p>
+        </p:txBody>
+      </p:sp>
+    </p:spTree>
+  </p:cSld>
+  <p:clrMapOvr>
+    <a:masterClrMapping/>
+  </p:clrMapOvr>
+  <p:timing>
+    <p:tnLst>
+      <p:par>
+        <p:cTn id="1" dur="indefinite" restart="never" nodeType="tmRoot"/>
+      </p:par>
+    </p:tnLst>
+  </p:timing>
+</p:sld>
+</file>
+
+<file path=ppt/slides/slide63.xml><?xml version="1.0" encoding="utf-8"?>
+<p:sld xmlns:a="http://schemas.openxmlformats.org/drawingml/2006/main" xmlns:r="http://schemas.openxmlformats.org/officeDocument/2006/relationships" xmlns:p="http://schemas.openxmlformats.org/presentationml/2006/main">
+  <p:cSld>
+    <p:spTree>
+      <p:nvGrpSpPr>
+        <p:cNvPr id="1" name=""/>
+        <p:cNvGrpSpPr/>
+        <p:nvPr/>
+      </p:nvGrpSpPr>
+      <p:grpSpPr>
+        <a:xfrm>
+          <a:off x="0" y="0"/>
+          <a:ext cx="0" cy="0"/>
+          <a:chOff x="0" y="0"/>
+          <a:chExt cx="0" cy="0"/>
+        </a:xfrm>
+      </p:grpSpPr>
+      <p:sp>
+        <p:nvSpPr>
+          <p:cNvPr id="2" name="Title 1"/>
+          <p:cNvSpPr>
+            <a:spLocks noGrp="1"/>
+          </p:cNvSpPr>
+          <p:nvPr>
+            <p:ph type="title"/>
+          </p:nvPr>
+        </p:nvSpPr>
+        <p:spPr/>
+        <p:txBody>
+          <a:bodyPr/>
+          <a:lstStyle/>
+          <a:p>
+            <a:r>
+              <a:rPr lang="pt-BR" dirty="0" smtClean="0"/>
               <a:t>Resposta</a:t>
             </a:r>
             <a:endParaRPr lang="pt-BR" dirty="0"/>
@@ -34914,7 +35764,7 @@
 </p:sld>
 </file>
 
-<file path=ppt/slides/slide63.xml><?xml version="1.0" encoding="utf-8"?>
+<file path=ppt/slides/slide64.xml><?xml version="1.0" encoding="utf-8"?>
 <p:sld xmlns:a="http://schemas.openxmlformats.org/drawingml/2006/main" xmlns:r="http://schemas.openxmlformats.org/officeDocument/2006/relationships" xmlns:p="http://schemas.openxmlformats.org/presentationml/2006/main">
   <p:cSld>
     <p:spTree>
@@ -35152,7 +36002,7 @@
 </p:sld>
 </file>
 
-<file path=ppt/slides/slide64.xml><?xml version="1.0" encoding="utf-8"?>
+<file path=ppt/slides/slide65.xml><?xml version="1.0" encoding="utf-8"?>
 <p:sld xmlns:a="http://schemas.openxmlformats.org/drawingml/2006/main" xmlns:r="http://schemas.openxmlformats.org/officeDocument/2006/relationships" xmlns:p="http://schemas.openxmlformats.org/presentationml/2006/main">
   <p:cSld>
     <p:spTree>
@@ -36062,24 +36912,7 @@
                 <a:ea typeface="+mn-ea"/>
                 <a:cs typeface="+mn-cs"/>
               </a:rPr>
-              <a:t>  void visit(Operator p</a:t>
-            </a:r>
-            <a:r>
-              <a:rPr kumimoji="0" lang="en-US" sz="2000" b="0" i="0" u="none" strike="noStrike" kern="1200" cap="none" spc="0" normalizeH="0" noProof="0" dirty="0" smtClean="0">
-                <a:ln>
-                  <a:noFill/>
-                </a:ln>
-                <a:solidFill>
-                  <a:schemeClr val="tx1"/>
-                </a:solidFill>
-                <a:effectLst/>
-                <a:uLnTx/>
-                <a:uFillTx/>
-                <a:latin typeface="+mn-lt"/>
-                <a:ea typeface="+mn-ea"/>
-                <a:cs typeface="+mn-cs"/>
-              </a:rPr>
-              <a:t>);</a:t>
+              <a:t>  void visit(Operator p);</a:t>
             </a:r>
             <a:r>
               <a:rPr lang="en-US" sz="2000" dirty="0">
@@ -36512,15 +37345,7 @@
                   <a:schemeClr val="tx1"/>
                 </a:solidFill>
               </a:rPr>
-              <a:t>(this</a:t>
-            </a:r>
-            <a:r>
-              <a:rPr lang="en-US" sz="2000" dirty="0" smtClean="0">
-                <a:solidFill>
-                  <a:schemeClr val="tx1"/>
-                </a:solidFill>
-              </a:rPr>
-              <a:t>);  </a:t>
+              <a:t>(this);  </a:t>
             </a:r>
             <a:r>
               <a:rPr kumimoji="0" lang="en-US" sz="2000" b="0" i="0" u="none" strike="noStrike" kern="1200" cap="none" spc="0" normalizeH="0" noProof="0" dirty="0" smtClean="0">

--- a/slides-aulas/conceitos-basicos.pptx
+++ b/slides-aulas/conceitos-basicos.pptx
@@ -11,7 +11,7 @@
     <p:handoutMasterId r:id="rId68"/>
   </p:handoutMasterIdLst>
   <p:sldIdLst>
-    <p:sldId id="529" r:id="rId2"/>
+    <p:sldId id="535" r:id="rId2"/>
     <p:sldId id="499" r:id="rId3"/>
     <p:sldId id="421" r:id="rId4"/>
     <p:sldId id="504" r:id="rId5"/>
@@ -259,7 +259,7 @@
           <a:p>
             <a:fld id="{88E4DDD5-393D-4522-8D73-EB6946FE5A72}" type="datetimeFigureOut">
               <a:rPr lang="en-US" smtClean="0"/>
-              <a:t>8/28/2018</a:t>
+              <a:t>3/20/2019</a:t>
             </a:fld>
             <a:endParaRPr lang="en-US"/>
           </a:p>
@@ -425,7 +425,7 @@
             <a:fld id="{F42525A5-B25A-49AC-8F63-94028D46B0E3}" type="datetimeFigureOut">
               <a:rPr lang="pt-BR" smtClean="0"/>
               <a:pPr/>
-              <a:t>28/08/2018</a:t>
+              <a:t>20/03/2019</a:t>
             </a:fld>
             <a:endParaRPr lang="pt-BR"/>
           </a:p>
@@ -1763,7 +1763,7 @@
             <a:fld id="{2E700DB3-DBF0-4086-B675-117E7A9610B8}" type="datetimeFigureOut">
               <a:rPr lang="pt-BR" smtClean="0"/>
               <a:pPr/>
-              <a:t>28/08/2018</a:t>
+              <a:t>20/03/2019</a:t>
             </a:fld>
             <a:endParaRPr lang="pt-BR"/>
           </a:p>
@@ -1935,7 +1935,7 @@
             <a:fld id="{2E700DB3-DBF0-4086-B675-117E7A9610B8}" type="datetimeFigureOut">
               <a:rPr lang="pt-BR" smtClean="0"/>
               <a:pPr/>
-              <a:t>28/08/2018</a:t>
+              <a:t>20/03/2019</a:t>
             </a:fld>
             <a:endParaRPr lang="pt-BR"/>
           </a:p>
@@ -2124,7 +2124,7 @@
             <a:fld id="{2E700DB3-DBF0-4086-B675-117E7A9610B8}" type="datetimeFigureOut">
               <a:rPr lang="pt-BR" smtClean="0"/>
               <a:pPr/>
-              <a:t>28/08/2018</a:t>
+              <a:t>20/03/2019</a:t>
             </a:fld>
             <a:endParaRPr lang="pt-BR"/>
           </a:p>
@@ -2303,7 +2303,7 @@
             <a:fld id="{2E700DB3-DBF0-4086-B675-117E7A9610B8}" type="datetimeFigureOut">
               <a:rPr lang="pt-BR" smtClean="0"/>
               <a:pPr/>
-              <a:t>28/08/2018</a:t>
+              <a:t>20/03/2019</a:t>
             </a:fld>
             <a:endParaRPr lang="pt-BR"/>
           </a:p>
@@ -2551,7 +2551,7 @@
             <a:fld id="{2E700DB3-DBF0-4086-B675-117E7A9610B8}" type="datetimeFigureOut">
               <a:rPr lang="pt-BR" smtClean="0"/>
               <a:pPr/>
-              <a:t>28/08/2018</a:t>
+              <a:t>20/03/2019</a:t>
             </a:fld>
             <a:endParaRPr lang="pt-BR"/>
           </a:p>
@@ -2841,7 +2841,7 @@
             <a:fld id="{2E700DB3-DBF0-4086-B675-117E7A9610B8}" type="datetimeFigureOut">
               <a:rPr lang="pt-BR" smtClean="0"/>
               <a:pPr/>
-              <a:t>28/08/2018</a:t>
+              <a:t>20/03/2019</a:t>
             </a:fld>
             <a:endParaRPr lang="pt-BR"/>
           </a:p>
@@ -3265,7 +3265,7 @@
             <a:fld id="{2E700DB3-DBF0-4086-B675-117E7A9610B8}" type="datetimeFigureOut">
               <a:rPr lang="pt-BR" smtClean="0"/>
               <a:pPr/>
-              <a:t>28/08/2018</a:t>
+              <a:t>20/03/2019</a:t>
             </a:fld>
             <a:endParaRPr lang="pt-BR"/>
           </a:p>
@@ -3385,7 +3385,7 @@
             <a:fld id="{2E700DB3-DBF0-4086-B675-117E7A9610B8}" type="datetimeFigureOut">
               <a:rPr lang="pt-BR" smtClean="0"/>
               <a:pPr/>
-              <a:t>28/08/2018</a:t>
+              <a:t>20/03/2019</a:t>
             </a:fld>
             <a:endParaRPr lang="pt-BR"/>
           </a:p>
@@ -3489,7 +3489,7 @@
             <a:fld id="{2E700DB3-DBF0-4086-B675-117E7A9610B8}" type="datetimeFigureOut">
               <a:rPr lang="pt-BR" smtClean="0"/>
               <a:pPr/>
-              <a:t>28/08/2018</a:t>
+              <a:t>20/03/2019</a:t>
             </a:fld>
             <a:endParaRPr lang="pt-BR"/>
           </a:p>
@@ -3775,7 +3775,7 @@
             <a:fld id="{2E700DB3-DBF0-4086-B675-117E7A9610B8}" type="datetimeFigureOut">
               <a:rPr lang="pt-BR" smtClean="0"/>
               <a:pPr/>
-              <a:t>28/08/2018</a:t>
+              <a:t>20/03/2019</a:t>
             </a:fld>
             <a:endParaRPr lang="pt-BR"/>
           </a:p>
@@ -4037,7 +4037,7 @@
             <a:fld id="{2E700DB3-DBF0-4086-B675-117E7A9610B8}" type="datetimeFigureOut">
               <a:rPr lang="pt-BR" smtClean="0"/>
               <a:pPr/>
-              <a:t>28/08/2018</a:t>
+              <a:t>20/03/2019</a:t>
             </a:fld>
             <a:endParaRPr lang="pt-BR"/>
           </a:p>
@@ -4259,7 +4259,7 @@
             <a:fld id="{2E700DB3-DBF0-4086-B675-117E7A9610B8}" type="datetimeFigureOut">
               <a:rPr lang="pt-BR" smtClean="0"/>
               <a:pPr/>
-              <a:t>28/08/2018</a:t>
+              <a:t>20/03/2019</a:t>
             </a:fld>
             <a:endParaRPr lang="pt-BR"/>
           </a:p>
@@ -4637,103 +4637,296 @@
       </p:grpSpPr>
       <p:sp>
         <p:nvSpPr>
-          <p:cNvPr id="2" name="Título 1"/>
-          <p:cNvSpPr>
-            <a:spLocks noGrp="1"/>
-          </p:cNvSpPr>
-          <p:nvPr>
-            <p:ph type="title"/>
-          </p:nvPr>
+          <p:cNvPr id="87" name="TextShape 1"/>
+          <p:cNvSpPr txBox="1"/>
+          <p:nvPr/>
         </p:nvSpPr>
         <p:spPr>
           <a:xfrm>
-            <a:off x="722313" y="4406900"/>
-            <a:ext cx="7810127" cy="1362075"/>
+            <a:off x="722160" y="4406760"/>
+            <a:ext cx="7772040" cy="1361880"/>
           </a:xfrm>
+          <a:prstGeom prst="rect">
+            <a:avLst/>
+          </a:prstGeom>
+          <a:noFill/>
+          <a:ln>
+            <a:noFill/>
+          </a:ln>
         </p:spPr>
         <p:txBody>
-          <a:bodyPr/>
+          <a:bodyPr>
+            <a:normAutofit fontScale="85000" lnSpcReduction="10000"/>
+          </a:bodyPr>
           <a:lstStyle/>
           <a:p>
-            <a:r>
-              <a:rPr lang="en-US" smtClean="0"/>
-              <a:t>CONCEITOS </a:t>
-            </a:r>
-            <a:r>
-              <a:rPr lang="en-US" dirty="0" err="1" smtClean="0"/>
-              <a:t>BáSicos</a:t>
-            </a:r>
-            <a:endParaRPr lang="en-US" dirty="0"/>
+            <a:pPr>
+              <a:lnSpc>
+                <a:spcPct val="100000"/>
+              </a:lnSpc>
+            </a:pPr>
+            <a:r>
+              <a:rPr lang="en-US" sz="4000" b="1" strike="noStrike" cap="all" spc="-1" dirty="0" err="1">
+                <a:solidFill>
+                  <a:srgbClr val="000000"/>
+                </a:solidFill>
+                <a:latin typeface="Calibri"/>
+              </a:rPr>
+              <a:t>Compiladores</a:t>
+            </a:r>
+            <a:r>
+              <a:rPr lang="en-US" sz="4000" b="1" strike="noStrike" cap="all" spc="-1" dirty="0">
+                <a:solidFill>
+                  <a:srgbClr val="000000"/>
+                </a:solidFill>
+                <a:latin typeface="Calibri"/>
+              </a:rPr>
+              <a:t> </a:t>
+            </a:r>
+            <a:r>
+              <a:rPr lang="en-US" sz="4000" b="1" strike="noStrike" cap="all" spc="-1" dirty="0" smtClean="0">
+                <a:solidFill>
+                  <a:srgbClr val="000000"/>
+                </a:solidFill>
+                <a:latin typeface="Calibri"/>
+              </a:rPr>
+              <a:t>– </a:t>
+            </a:r>
+            <a:r>
+              <a:rPr lang="en-US" sz="4000" b="1" strike="noStrike" cap="all" spc="-1" dirty="0" err="1" smtClean="0">
+                <a:solidFill>
+                  <a:srgbClr val="000000"/>
+                </a:solidFill>
+                <a:latin typeface="Calibri"/>
+              </a:rPr>
+              <a:t>Conceitos</a:t>
+            </a:r>
+            <a:r>
+              <a:rPr lang="en-US" sz="4000" b="1" strike="noStrike" cap="all" spc="-1" dirty="0" smtClean="0">
+                <a:solidFill>
+                  <a:srgbClr val="000000"/>
+                </a:solidFill>
+                <a:latin typeface="Calibri"/>
+              </a:rPr>
+              <a:t> </a:t>
+            </a:r>
+            <a:r>
+              <a:rPr lang="en-US" sz="4000" b="1" strike="noStrike" cap="all" spc="-1" dirty="0" err="1" smtClean="0">
+                <a:solidFill>
+                  <a:srgbClr val="000000"/>
+                </a:solidFill>
+                <a:latin typeface="Calibri"/>
+              </a:rPr>
+              <a:t>Básicos</a:t>
+            </a:r>
+            <a:endParaRPr lang="en-US" sz="4000" b="1" strike="noStrike" cap="all" spc="-1" dirty="0" smtClean="0">
+              <a:solidFill>
+                <a:srgbClr val="000000"/>
+              </a:solidFill>
+              <a:latin typeface="Calibri"/>
+            </a:endParaRPr>
+          </a:p>
+          <a:p>
+            <a:pPr>
+              <a:lnSpc>
+                <a:spcPct val="100000"/>
+              </a:lnSpc>
+            </a:pPr>
+            <a:r>
+              <a:rPr dirty="0"/>
+              <a:t/>
+            </a:r>
+            <a:br>
+              <a:rPr dirty="0"/>
+            </a:br>
+            <a:endParaRPr lang="en-US" sz="4000" b="0" strike="noStrike" spc="-1" dirty="0">
+              <a:solidFill>
+                <a:srgbClr val="000000"/>
+              </a:solidFill>
+              <a:latin typeface="Calibri"/>
+            </a:endParaRPr>
           </a:p>
         </p:txBody>
       </p:sp>
       <p:sp>
         <p:nvSpPr>
-          <p:cNvPr id="3" name="Espaço Reservado para Texto 2"/>
-          <p:cNvSpPr>
-            <a:spLocks noGrp="1"/>
-          </p:cNvSpPr>
-          <p:nvPr>
-            <p:ph type="body" idx="1"/>
-          </p:nvPr>
+          <p:cNvPr id="88" name="TextShape 2"/>
+          <p:cNvSpPr txBox="1"/>
+          <p:nvPr/>
         </p:nvSpPr>
-        <p:spPr/>
+        <p:spPr>
+          <a:xfrm>
+            <a:off x="722160" y="2906640"/>
+            <a:ext cx="7772040" cy="1499760"/>
+          </a:xfrm>
+          <a:prstGeom prst="rect">
+            <a:avLst/>
+          </a:prstGeom>
+          <a:noFill/>
+          <a:ln>
+            <a:noFill/>
+          </a:ln>
+        </p:spPr>
         <p:txBody>
-          <a:bodyPr/>
+          <a:bodyPr anchor="b"/>
           <a:lstStyle/>
           <a:p>
-            <a:r>
-              <a:rPr lang="en-US" dirty="0" smtClean="0"/>
+            <a:pPr>
+              <a:lnSpc>
+                <a:spcPct val="100000"/>
+              </a:lnSpc>
+              <a:spcBef>
+                <a:spcPts val="400"/>
+              </a:spcBef>
+            </a:pPr>
+            <a:r>
+              <a:rPr lang="en-US" sz="2000" b="0" strike="noStrike" spc="-1" dirty="0">
+                <a:latin typeface="Calibri"/>
+              </a:rPr>
               <a:t>IF688 – </a:t>
             </a:r>
             <a:r>
-              <a:rPr lang="en-US" dirty="0" err="1" smtClean="0"/>
+              <a:rPr lang="en-US" sz="2000" b="0" strike="noStrike" spc="-1" dirty="0" err="1">
+                <a:latin typeface="Calibri"/>
+              </a:rPr>
               <a:t>Teoria</a:t>
             </a:r>
             <a:r>
-              <a:rPr lang="en-US" dirty="0" smtClean="0"/>
+              <a:rPr lang="en-US" sz="2000" b="0" strike="noStrike" spc="-1" dirty="0">
+                <a:latin typeface="Calibri"/>
+              </a:rPr>
               <a:t> e </a:t>
             </a:r>
             <a:r>
-              <a:rPr lang="en-US" dirty="0" err="1" smtClean="0"/>
+              <a:rPr lang="en-US" sz="2000" b="0" strike="noStrike" spc="-1" dirty="0" err="1">
+                <a:latin typeface="Calibri"/>
+              </a:rPr>
               <a:t>Implementação</a:t>
             </a:r>
             <a:r>
-              <a:rPr lang="en-US" dirty="0" smtClean="0"/>
+              <a:rPr lang="en-US" sz="2000" b="0" strike="noStrike" spc="-1" dirty="0">
+                <a:latin typeface="Calibri"/>
+              </a:rPr>
               <a:t> de </a:t>
             </a:r>
             <a:r>
-              <a:rPr lang="en-US" dirty="0" err="1" smtClean="0"/>
+              <a:rPr lang="en-US" sz="2000" b="0" strike="noStrike" spc="-1" dirty="0" err="1">
+                <a:latin typeface="Calibri"/>
+              </a:rPr>
               <a:t>Linguagens</a:t>
             </a:r>
             <a:r>
-              <a:rPr lang="en-US" dirty="0" smtClean="0"/>
+              <a:rPr lang="en-US" sz="2000" b="0" strike="noStrike" spc="-1" dirty="0">
+                <a:latin typeface="Calibri"/>
+              </a:rPr>
               <a:t> </a:t>
             </a:r>
             <a:r>
-              <a:rPr lang="en-US" dirty="0" err="1" smtClean="0"/>
+              <a:rPr lang="en-US" sz="2000" b="0" strike="noStrike" spc="-1" dirty="0" err="1" smtClean="0">
+                <a:latin typeface="Calibri"/>
+              </a:rPr>
               <a:t>Computacionais</a:t>
             </a:r>
-            <a:r>
-              <a:rPr lang="en-US" dirty="0" smtClean="0"/>
-              <a:t> (</a:t>
-            </a:r>
-            <a:r>
-              <a:rPr lang="en-US" dirty="0" err="1" smtClean="0"/>
-              <a:t>Compiladores</a:t>
-            </a:r>
-            <a:r>
-              <a:rPr lang="en-US" dirty="0" smtClean="0"/>
-              <a:t>)</a:t>
-            </a:r>
-            <a:endParaRPr lang="en-US" dirty="0"/>
+            <a:endParaRPr lang="en-US" sz="2000" b="0" strike="noStrike" spc="-1" dirty="0" smtClean="0">
+              <a:latin typeface="Calibri"/>
+            </a:endParaRPr>
+          </a:p>
+        </p:txBody>
+      </p:sp>
+      <p:sp>
+        <p:nvSpPr>
+          <p:cNvPr id="89" name="CustomShape 3"/>
+          <p:cNvSpPr/>
+          <p:nvPr/>
+        </p:nvSpPr>
+        <p:spPr>
+          <a:xfrm>
+            <a:off x="1357200" y="5286240"/>
+            <a:ext cx="6400440" cy="785520"/>
+          </a:xfrm>
+          <a:prstGeom prst="rect">
+            <a:avLst/>
+          </a:prstGeom>
+          <a:noFill/>
+          <a:ln>
+            <a:noFill/>
+          </a:ln>
+        </p:spPr>
+        <p:style>
+          <a:lnRef idx="0">
+            <a:scrgbClr r="0" g="0" b="0"/>
+          </a:lnRef>
+          <a:fillRef idx="0">
+            <a:scrgbClr r="0" g="0" b="0"/>
+          </a:fillRef>
+          <a:effectRef idx="0">
+            <a:scrgbClr r="0" g="0" b="0"/>
+          </a:effectRef>
+          <a:fontRef idx="minor"/>
+        </p:style>
+      </p:sp>
+      <p:sp>
+        <p:nvSpPr>
+          <p:cNvPr id="5" name="TextShape 2"/>
+          <p:cNvSpPr txBox="1"/>
+          <p:nvPr/>
+        </p:nvSpPr>
+        <p:spPr>
+          <a:xfrm>
+            <a:off x="760400" y="5013176"/>
+            <a:ext cx="7772040" cy="1499760"/>
+          </a:xfrm>
+          <a:prstGeom prst="rect">
+            <a:avLst/>
+          </a:prstGeom>
+          <a:noFill/>
+          <a:ln>
+            <a:noFill/>
+          </a:ln>
+        </p:spPr>
+        <p:txBody>
+          <a:bodyPr anchor="b"/>
+          <a:lstStyle/>
+          <a:p>
+            <a:pPr>
+              <a:lnSpc>
+                <a:spcPct val="100000"/>
+              </a:lnSpc>
+              <a:spcBef>
+                <a:spcPts val="400"/>
+              </a:spcBef>
+            </a:pPr>
+            <a:r>
+              <a:rPr lang="en-US" sz="2000" spc="-1" dirty="0" smtClean="0">
+                <a:solidFill>
+                  <a:srgbClr val="000000"/>
+                </a:solidFill>
+                <a:latin typeface="Calibri"/>
+              </a:rPr>
+              <a:t>Marcelo </a:t>
+            </a:r>
+            <a:r>
+              <a:rPr lang="en-US" sz="2000" spc="-1" dirty="0" err="1" smtClean="0">
+                <a:solidFill>
+                  <a:srgbClr val="000000"/>
+                </a:solidFill>
+                <a:latin typeface="Calibri"/>
+              </a:rPr>
+              <a:t>d’Amorim</a:t>
+            </a:r>
+            <a:endParaRPr lang="en-US" sz="2000" spc="-1" dirty="0" smtClean="0">
+              <a:solidFill>
+                <a:srgbClr val="8B8B8B"/>
+              </a:solidFill>
+              <a:latin typeface="Calibri"/>
+            </a:endParaRPr>
           </a:p>
         </p:txBody>
       </p:sp>
     </p:spTree>
     <p:extLst>
       <p:ext uri="{BB962C8B-B14F-4D97-AF65-F5344CB8AC3E}">
-        <p14:creationId xmlns:p14="http://schemas.microsoft.com/office/powerpoint/2010/main" val="2871633186"/>
+        <p14:creationId xmlns:p14="http://schemas.microsoft.com/office/powerpoint/2010/main" val="3087253087"/>
       </p:ext>
     </p:extLst>
   </p:cSld>
@@ -4743,7 +4936,27 @@
   <p:timing>
     <p:tnLst>
       <p:par>
-        <p:cTn id="1" dur="indefinite" restart="never" nodeType="tmRoot"/>
+        <p:cTn id="1" dur="indefinite" restart="never" nodeType="tmRoot">
+          <p:childTnLst>
+            <p:seq>
+              <p:cTn id="2" nodeType="mainSeq"/>
+              <p:prevCondLst>
+                <p:cond evt="onPrev" delay="0">
+                  <p:tgtEl>
+                    <p:sldTgt/>
+                  </p:tgtEl>
+                </p:cond>
+              </p:prevCondLst>
+              <p:nextCondLst>
+                <p:cond evt="onNext" delay="0">
+                  <p:tgtEl>
+                    <p:sldTgt/>
+                  </p:tgtEl>
+                </p:cond>
+              </p:nextCondLst>
+            </p:seq>
+          </p:childTnLst>
+        </p:cTn>
       </p:par>
     </p:tnLst>
   </p:timing>
@@ -15145,83 +15358,64 @@
           </a:bodyPr>
           <a:lstStyle/>
           <a:p>
+            <a:pPr>
+              <a:buNone/>
+            </a:pPr>
+            <a:r>
+              <a:rPr lang="en-US" sz="3200" i="1" dirty="0" smtClean="0"/>
+              <a:t>assign</a:t>
+            </a:r>
+            <a:r>
+              <a:rPr lang="pt-BR" sz="3200" dirty="0" smtClean="0">
+                <a:latin typeface="Wingdings 3" pitchFamily="-111" charset="2"/>
+              </a:rPr>
+              <a:t>g</a:t>
+            </a:r>
+            <a:r>
+              <a:rPr lang="en-US" sz="3200" dirty="0" smtClean="0">
+                <a:sym typeface="Wingdings" pitchFamily="-111" charset="2"/>
+              </a:rPr>
+              <a:t> </a:t>
+            </a:r>
+            <a:r>
+              <a:rPr lang="en-US" sz="3200" i="1" dirty="0" smtClean="0">
+                <a:sym typeface="Wingdings" pitchFamily="-111" charset="2"/>
+              </a:rPr>
+              <a:t>id </a:t>
+            </a:r>
+            <a:r>
+              <a:rPr lang="en-US" sz="3200" b="1" dirty="0" smtClean="0">
+                <a:sym typeface="Wingdings" pitchFamily="-111" charset="2"/>
+              </a:rPr>
+              <a:t>= </a:t>
+            </a:r>
+            <a:r>
+              <a:rPr lang="en-US" i="1" dirty="0"/>
+              <a:t>assign </a:t>
+            </a:r>
+            <a:r>
+              <a:rPr lang="en-US" sz="3200" dirty="0" smtClean="0">
+                <a:sym typeface="Wingdings" pitchFamily="-111" charset="2"/>
+              </a:rPr>
+              <a:t>| </a:t>
+            </a:r>
+            <a:r>
+              <a:rPr lang="en-US" sz="3200" i="1" dirty="0" smtClean="0">
+                <a:sym typeface="Symbol" pitchFamily="-111" charset="2"/>
+              </a:rPr>
+              <a:t>id</a:t>
+            </a:r>
+          </a:p>
+          <a:p>
             <a:pPr eaLnBrk="1" hangingPunct="1">
               <a:buFontTx/>
               <a:buNone/>
             </a:pPr>
             <a:r>
-              <a:rPr lang="en-US" sz="3200" i="1" dirty="0" smtClean="0"/>
-              <a:t>right</a:t>
-            </a:r>
-            <a:r>
-              <a:rPr lang="en-US" sz="3200" dirty="0" smtClean="0"/>
-              <a:t> </a:t>
-            </a:r>
-            <a:r>
-              <a:rPr lang="pt-BR" sz="3200" dirty="0" smtClean="0">
-                <a:latin typeface="Wingdings 3" pitchFamily="-111" charset="2"/>
-              </a:rPr>
-              <a:t>g</a:t>
-            </a:r>
-            <a:r>
-              <a:rPr lang="en-US" sz="3200" dirty="0" smtClean="0">
-                <a:sym typeface="Wingdings" pitchFamily="-111" charset="2"/>
-              </a:rPr>
-              <a:t> </a:t>
-            </a:r>
-            <a:r>
               <a:rPr lang="en-US" sz="3200" i="1" dirty="0" smtClean="0">
                 <a:sym typeface="Wingdings" pitchFamily="-111" charset="2"/>
               </a:rPr>
-              <a:t>letter</a:t>
-            </a:r>
-            <a:r>
-              <a:rPr lang="en-US" sz="3200" b="1" dirty="0" smtClean="0">
-                <a:sym typeface="Wingdings" pitchFamily="-111" charset="2"/>
-              </a:rPr>
-              <a:t> = </a:t>
-            </a:r>
-            <a:r>
-              <a:rPr lang="en-US" sz="3200" i="1" dirty="0" smtClean="0">
-                <a:sym typeface="Wingdings" pitchFamily="-111" charset="2"/>
-              </a:rPr>
-              <a:t>right</a:t>
-            </a:r>
-            <a:r>
-              <a:rPr lang="en-US" sz="3200" b="1" dirty="0" smtClean="0">
-                <a:sym typeface="Wingdings" pitchFamily="-111" charset="2"/>
-              </a:rPr>
-              <a:t> </a:t>
-            </a:r>
-            <a:r>
-              <a:rPr lang="en-US" sz="3200" dirty="0" smtClean="0">
-                <a:sym typeface="Wingdings" pitchFamily="-111" charset="2"/>
-              </a:rPr>
-              <a:t>| </a:t>
-            </a:r>
-            <a:r>
-              <a:rPr lang="en-US" sz="3200" i="1" dirty="0" smtClean="0">
-                <a:sym typeface="Symbol" pitchFamily="-111" charset="2"/>
-              </a:rPr>
-              <a:t>letter</a:t>
-            </a:r>
-          </a:p>
-          <a:p>
-            <a:pPr eaLnBrk="1" hangingPunct="1">
-              <a:buFontTx/>
-              <a:buNone/>
-            </a:pPr>
-            <a:r>
-              <a:rPr lang="en-US" sz="3200" i="1" dirty="0" smtClean="0">
-                <a:sym typeface="Wingdings" pitchFamily="-111" charset="2"/>
-              </a:rPr>
-              <a:t>letter</a:t>
-            </a:r>
-            <a:r>
-              <a:rPr lang="en-US" sz="3200" dirty="0" smtClean="0">
-                <a:sym typeface="Wingdings" pitchFamily="-111" charset="2"/>
-              </a:rPr>
-              <a:t> </a:t>
+              <a:t>id </a:t>
             </a:r>
             <a:r>
               <a:rPr lang="pt-BR" sz="3200" dirty="0" smtClean="0">
@@ -32759,11 +32953,7 @@
             </a:r>
             <a:r>
               <a:rPr lang="en-US" dirty="0" smtClean="0"/>
-              <a:t> = </a:t>
-            </a:r>
-            <a:r>
-              <a:rPr lang="en-US" dirty="0" smtClean="0"/>
-              <a:t>(Expression) </a:t>
+              <a:t> = (Expression) </a:t>
             </a:r>
             <a:r>
               <a:rPr lang="en-US" dirty="0" err="1" smtClean="0"/>

--- a/slides-aulas/conceitos-basicos.pptx
+++ b/slides-aulas/conceitos-basicos.pptx
@@ -259,7 +259,7 @@
           <a:p>
             <a:fld id="{88E4DDD5-393D-4522-8D73-EB6946FE5A72}" type="datetimeFigureOut">
               <a:rPr lang="en-US" smtClean="0"/>
-              <a:t>3/20/2019</a:t>
+              <a:t>8/15/2019</a:t>
             </a:fld>
             <a:endParaRPr lang="en-US"/>
           </a:p>
@@ -425,7 +425,7 @@
             <a:fld id="{F42525A5-B25A-49AC-8F63-94028D46B0E3}" type="datetimeFigureOut">
               <a:rPr lang="pt-BR" smtClean="0"/>
               <a:pPr/>
-              <a:t>20/03/2019</a:t>
+              <a:t>15/08/2019</a:t>
             </a:fld>
             <a:endParaRPr lang="pt-BR"/>
           </a:p>
@@ -1763,7 +1763,7 @@
             <a:fld id="{2E700DB3-DBF0-4086-B675-117E7A9610B8}" type="datetimeFigureOut">
               <a:rPr lang="pt-BR" smtClean="0"/>
               <a:pPr/>
-              <a:t>20/03/2019</a:t>
+              <a:t>15/08/2019</a:t>
             </a:fld>
             <a:endParaRPr lang="pt-BR"/>
           </a:p>
@@ -1935,7 +1935,7 @@
             <a:fld id="{2E700DB3-DBF0-4086-B675-117E7A9610B8}" type="datetimeFigureOut">
               <a:rPr lang="pt-BR" smtClean="0"/>
               <a:pPr/>
-              <a:t>20/03/2019</a:t>
+              <a:t>15/08/2019</a:t>
             </a:fld>
             <a:endParaRPr lang="pt-BR"/>
           </a:p>
@@ -2124,7 +2124,7 @@
             <a:fld id="{2E700DB3-DBF0-4086-B675-117E7A9610B8}" type="datetimeFigureOut">
               <a:rPr lang="pt-BR" smtClean="0"/>
               <a:pPr/>
-              <a:t>20/03/2019</a:t>
+              <a:t>15/08/2019</a:t>
             </a:fld>
             <a:endParaRPr lang="pt-BR"/>
           </a:p>
@@ -2303,7 +2303,7 @@
             <a:fld id="{2E700DB3-DBF0-4086-B675-117E7A9610B8}" type="datetimeFigureOut">
               <a:rPr lang="pt-BR" smtClean="0"/>
               <a:pPr/>
-              <a:t>20/03/2019</a:t>
+              <a:t>15/08/2019</a:t>
             </a:fld>
             <a:endParaRPr lang="pt-BR"/>
           </a:p>
@@ -2551,7 +2551,7 @@
             <a:fld id="{2E700DB3-DBF0-4086-B675-117E7A9610B8}" type="datetimeFigureOut">
               <a:rPr lang="pt-BR" smtClean="0"/>
               <a:pPr/>
-              <a:t>20/03/2019</a:t>
+              <a:t>15/08/2019</a:t>
             </a:fld>
             <a:endParaRPr lang="pt-BR"/>
           </a:p>
@@ -2841,7 +2841,7 @@
             <a:fld id="{2E700DB3-DBF0-4086-B675-117E7A9610B8}" type="datetimeFigureOut">
               <a:rPr lang="pt-BR" smtClean="0"/>
               <a:pPr/>
-              <a:t>20/03/2019</a:t>
+              <a:t>15/08/2019</a:t>
             </a:fld>
             <a:endParaRPr lang="pt-BR"/>
           </a:p>
@@ -3265,7 +3265,7 @@
             <a:fld id="{2E700DB3-DBF0-4086-B675-117E7A9610B8}" type="datetimeFigureOut">
               <a:rPr lang="pt-BR" smtClean="0"/>
               <a:pPr/>
-              <a:t>20/03/2019</a:t>
+              <a:t>15/08/2019</a:t>
             </a:fld>
             <a:endParaRPr lang="pt-BR"/>
           </a:p>
@@ -3385,7 +3385,7 @@
             <a:fld id="{2E700DB3-DBF0-4086-B675-117E7A9610B8}" type="datetimeFigureOut">
               <a:rPr lang="pt-BR" smtClean="0"/>
               <a:pPr/>
-              <a:t>20/03/2019</a:t>
+              <a:t>15/08/2019</a:t>
             </a:fld>
             <a:endParaRPr lang="pt-BR"/>
           </a:p>
@@ -3489,7 +3489,7 @@
             <a:fld id="{2E700DB3-DBF0-4086-B675-117E7A9610B8}" type="datetimeFigureOut">
               <a:rPr lang="pt-BR" smtClean="0"/>
               <a:pPr/>
-              <a:t>20/03/2019</a:t>
+              <a:t>15/08/2019</a:t>
             </a:fld>
             <a:endParaRPr lang="pt-BR"/>
           </a:p>
@@ -3775,7 +3775,7 @@
             <a:fld id="{2E700DB3-DBF0-4086-B675-117E7A9610B8}" type="datetimeFigureOut">
               <a:rPr lang="pt-BR" smtClean="0"/>
               <a:pPr/>
-              <a:t>20/03/2019</a:t>
+              <a:t>15/08/2019</a:t>
             </a:fld>
             <a:endParaRPr lang="pt-BR"/>
           </a:p>
@@ -4037,7 +4037,7 @@
             <a:fld id="{2E700DB3-DBF0-4086-B675-117E7A9610B8}" type="datetimeFigureOut">
               <a:rPr lang="pt-BR" smtClean="0"/>
               <a:pPr/>
-              <a:t>20/03/2019</a:t>
+              <a:t>15/08/2019</a:t>
             </a:fld>
             <a:endParaRPr lang="pt-BR"/>
           </a:p>
@@ -4259,7 +4259,7 @@
             <a:fld id="{2E700DB3-DBF0-4086-B675-117E7A9610B8}" type="datetimeFigureOut">
               <a:rPr lang="pt-BR" smtClean="0"/>
               <a:pPr/>
-              <a:t>20/03/2019</a:t>
+              <a:t>15/08/2019</a:t>
             </a:fld>
             <a:endParaRPr lang="pt-BR"/>
           </a:p>
